--- a/docs/diagrams/RateSequenceDiagram.pptx
+++ b/docs/diagrams/RateSequenceDiagram.pptx
@@ -104,7 +104,20 @@
       </a:defRPr>
     </a:lvl9pPr>
   </p:defaultTextStyle>
+  <p:extLst>
+    <p:ext uri="{EFAFB233-063F-42B5-8137-9DF3F51BA10A}">
+      <p15:sldGuideLst xmlns:p15="http://schemas.microsoft.com/office/powerpoint/2012/main"/>
+    </p:ext>
+  </p:extLst>
 </p:presentation>
+</file>
+
+<file path=ppt/revisionInfo.xml><?xml version="1.0" encoding="utf-8"?>
+<p1510:revInfo xmlns:a="http://schemas.openxmlformats.org/drawingml/2006/main" xmlns:r="http://schemas.openxmlformats.org/officeDocument/2006/relationships" xmlns:p1510="http://schemas.microsoft.com/office/powerpoint/2015/10/main">
+  <p1510:revLst>
+    <p1510:client id="{35A9A62D-7FB1-44EB-A02F-87CD47860FD9}" v="4" dt="2018-11-12T08:04:56.373"/>
+  </p1510:revLst>
+</p1510:revInfo>
 </file>
 
 <file path=ppt/slideLayouts/slideLayout1.xml><?xml version="1.0" encoding="utf-8"?>
@@ -256,7 +269,7 @@
           <a:p>
             <a:fld id="{8F6E10F2-02AC-497C-B99D-FA458C142CF1}" type="datetimeFigureOut">
               <a:rPr lang="en-SG" smtClean="0"/>
-              <a:t>17/10/2018</a:t>
+              <a:t>12/11/2018</a:t>
             </a:fld>
             <a:endParaRPr lang="en-SG"/>
           </a:p>
@@ -456,7 +469,7 @@
           <a:p>
             <a:fld id="{8F6E10F2-02AC-497C-B99D-FA458C142CF1}" type="datetimeFigureOut">
               <a:rPr lang="en-SG" smtClean="0"/>
-              <a:t>17/10/2018</a:t>
+              <a:t>12/11/2018</a:t>
             </a:fld>
             <a:endParaRPr lang="en-SG"/>
           </a:p>
@@ -666,7 +679,7 @@
           <a:p>
             <a:fld id="{8F6E10F2-02AC-497C-B99D-FA458C142CF1}" type="datetimeFigureOut">
               <a:rPr lang="en-SG" smtClean="0"/>
-              <a:t>17/10/2018</a:t>
+              <a:t>12/11/2018</a:t>
             </a:fld>
             <a:endParaRPr lang="en-SG"/>
           </a:p>
@@ -866,7 +879,7 @@
           <a:p>
             <a:fld id="{8F6E10F2-02AC-497C-B99D-FA458C142CF1}" type="datetimeFigureOut">
               <a:rPr lang="en-SG" smtClean="0"/>
-              <a:t>17/10/2018</a:t>
+              <a:t>12/11/2018</a:t>
             </a:fld>
             <a:endParaRPr lang="en-SG"/>
           </a:p>
@@ -1142,7 +1155,7 @@
           <a:p>
             <a:fld id="{8F6E10F2-02AC-497C-B99D-FA458C142CF1}" type="datetimeFigureOut">
               <a:rPr lang="en-SG" smtClean="0"/>
-              <a:t>17/10/2018</a:t>
+              <a:t>12/11/2018</a:t>
             </a:fld>
             <a:endParaRPr lang="en-SG"/>
           </a:p>
@@ -1410,7 +1423,7 @@
           <a:p>
             <a:fld id="{8F6E10F2-02AC-497C-B99D-FA458C142CF1}" type="datetimeFigureOut">
               <a:rPr lang="en-SG" smtClean="0"/>
-              <a:t>17/10/2018</a:t>
+              <a:t>12/11/2018</a:t>
             </a:fld>
             <a:endParaRPr lang="en-SG"/>
           </a:p>
@@ -1825,7 +1838,7 @@
           <a:p>
             <a:fld id="{8F6E10F2-02AC-497C-B99D-FA458C142CF1}" type="datetimeFigureOut">
               <a:rPr lang="en-SG" smtClean="0"/>
-              <a:t>17/10/2018</a:t>
+              <a:t>12/11/2018</a:t>
             </a:fld>
             <a:endParaRPr lang="en-SG"/>
           </a:p>
@@ -1967,7 +1980,7 @@
           <a:p>
             <a:fld id="{8F6E10F2-02AC-497C-B99D-FA458C142CF1}" type="datetimeFigureOut">
               <a:rPr lang="en-SG" smtClean="0"/>
-              <a:t>17/10/2018</a:t>
+              <a:t>12/11/2018</a:t>
             </a:fld>
             <a:endParaRPr lang="en-SG"/>
           </a:p>
@@ -2080,7 +2093,7 @@
           <a:p>
             <a:fld id="{8F6E10F2-02AC-497C-B99D-FA458C142CF1}" type="datetimeFigureOut">
               <a:rPr lang="en-SG" smtClean="0"/>
-              <a:t>17/10/2018</a:t>
+              <a:t>12/11/2018</a:t>
             </a:fld>
             <a:endParaRPr lang="en-SG"/>
           </a:p>
@@ -2393,7 +2406,7 @@
           <a:p>
             <a:fld id="{8F6E10F2-02AC-497C-B99D-FA458C142CF1}" type="datetimeFigureOut">
               <a:rPr lang="en-SG" smtClean="0"/>
-              <a:t>17/10/2018</a:t>
+              <a:t>12/11/2018</a:t>
             </a:fld>
             <a:endParaRPr lang="en-SG"/>
           </a:p>
@@ -2682,7 +2695,7 @@
           <a:p>
             <a:fld id="{8F6E10F2-02AC-497C-B99D-FA458C142CF1}" type="datetimeFigureOut">
               <a:rPr lang="en-SG" smtClean="0"/>
-              <a:t>17/10/2018</a:t>
+              <a:t>12/11/2018</a:t>
             </a:fld>
             <a:endParaRPr lang="en-SG"/>
           </a:p>
@@ -2925,7 +2938,7 @@
           <a:p>
             <a:fld id="{8F6E10F2-02AC-497C-B99D-FA458C142CF1}" type="datetimeFigureOut">
               <a:rPr lang="en-SG" smtClean="0"/>
-              <a:t>17/10/2018</a:t>
+              <a:t>12/11/2018</a:t>
             </a:fld>
             <a:endParaRPr lang="en-SG"/>
           </a:p>
@@ -3344,10 +3357,10 @@
       </p:grpSpPr>
       <p:grpSp>
         <p:nvGrpSpPr>
-          <p:cNvPr id="134" name="Group 133">
-            <a:extLst>
-              <a:ext uri="{FF2B5EF4-FFF2-40B4-BE49-F238E27FC236}">
-                <a16:creationId xmlns:a16="http://schemas.microsoft.com/office/drawing/2014/main" id="{D552F878-816A-4A4E-AFFB-245019B10BBE}"/>
+          <p:cNvPr id="2" name="Group 1">
+            <a:extLst>
+              <a:ext uri="{FF2B5EF4-FFF2-40B4-BE49-F238E27FC236}">
+                <a16:creationId xmlns:a16="http://schemas.microsoft.com/office/drawing/2014/main" id="{31D448F3-C16C-4A35-AC3A-C96832D56CD3}"/>
               </a:ext>
             </a:extLst>
           </p:cNvPr>
@@ -3362,305 +3375,2572 @@
             <a:chExt cx="12278616" cy="5703620"/>
           </a:xfrm>
         </p:grpSpPr>
-        <p:sp>
-          <p:nvSpPr>
-            <p:cNvPr id="128" name="Rectangle: Rounded Corners 3">
+        <p:grpSp>
+          <p:nvGrpSpPr>
+            <p:cNvPr id="134" name="Group 133">
               <a:extLst>
                 <a:ext uri="{FF2B5EF4-FFF2-40B4-BE49-F238E27FC236}">
-                  <a16:creationId xmlns:a16="http://schemas.microsoft.com/office/drawing/2014/main" id="{B9097FD4-C5F7-4D2E-9644-A3229221086D}"/>
+                  <a16:creationId xmlns:a16="http://schemas.microsoft.com/office/drawing/2014/main" id="{D552F878-816A-4A4E-AFFB-245019B10BBE}"/>
                 </a:ext>
               </a:extLst>
             </p:cNvPr>
-            <p:cNvSpPr/>
+            <p:cNvGrpSpPr/>
             <p:nvPr/>
-          </p:nvSpPr>
-          <p:spPr>
+          </p:nvGrpSpPr>
+          <p:grpSpPr>
             <a:xfrm>
-              <a:off x="957845" y="885858"/>
-              <a:ext cx="9548054" cy="5703620"/>
+              <a:off x="-279400" y="885858"/>
+              <a:ext cx="12278616" cy="5703620"/>
+              <a:chOff x="-279400" y="885858"/>
+              <a:chExt cx="12278616" cy="5703620"/>
             </a:xfrm>
-            <a:custGeom>
-              <a:avLst/>
-              <a:gdLst>
-                <a:gd name="connsiteX0" fmla="*/ 0 w 9810750"/>
-                <a:gd name="connsiteY0" fmla="*/ 868380 h 5210175"/>
-                <a:gd name="connsiteX1" fmla="*/ 868380 w 9810750"/>
-                <a:gd name="connsiteY1" fmla="*/ 0 h 5210175"/>
-                <a:gd name="connsiteX2" fmla="*/ 8942370 w 9810750"/>
-                <a:gd name="connsiteY2" fmla="*/ 0 h 5210175"/>
-                <a:gd name="connsiteX3" fmla="*/ 9810750 w 9810750"/>
-                <a:gd name="connsiteY3" fmla="*/ 868380 h 5210175"/>
-                <a:gd name="connsiteX4" fmla="*/ 9810750 w 9810750"/>
-                <a:gd name="connsiteY4" fmla="*/ 4341795 h 5210175"/>
-                <a:gd name="connsiteX5" fmla="*/ 8942370 w 9810750"/>
-                <a:gd name="connsiteY5" fmla="*/ 5210175 h 5210175"/>
-                <a:gd name="connsiteX6" fmla="*/ 868380 w 9810750"/>
-                <a:gd name="connsiteY6" fmla="*/ 5210175 h 5210175"/>
-                <a:gd name="connsiteX7" fmla="*/ 0 w 9810750"/>
-                <a:gd name="connsiteY7" fmla="*/ 4341795 h 5210175"/>
-                <a:gd name="connsiteX8" fmla="*/ 0 w 9810750"/>
-                <a:gd name="connsiteY8" fmla="*/ 868380 h 5210175"/>
-                <a:gd name="connsiteX0" fmla="*/ 0 w 9858375"/>
-                <a:gd name="connsiteY0" fmla="*/ 468352 h 5210197"/>
-                <a:gd name="connsiteX1" fmla="*/ 916005 w 9858375"/>
-                <a:gd name="connsiteY1" fmla="*/ 22 h 5210197"/>
-                <a:gd name="connsiteX2" fmla="*/ 8989995 w 9858375"/>
-                <a:gd name="connsiteY2" fmla="*/ 22 h 5210197"/>
-                <a:gd name="connsiteX3" fmla="*/ 9858375 w 9858375"/>
-                <a:gd name="connsiteY3" fmla="*/ 868402 h 5210197"/>
-                <a:gd name="connsiteX4" fmla="*/ 9858375 w 9858375"/>
-                <a:gd name="connsiteY4" fmla="*/ 4341817 h 5210197"/>
-                <a:gd name="connsiteX5" fmla="*/ 8989995 w 9858375"/>
-                <a:gd name="connsiteY5" fmla="*/ 5210197 h 5210197"/>
-                <a:gd name="connsiteX6" fmla="*/ 916005 w 9858375"/>
-                <a:gd name="connsiteY6" fmla="*/ 5210197 h 5210197"/>
-                <a:gd name="connsiteX7" fmla="*/ 47625 w 9858375"/>
-                <a:gd name="connsiteY7" fmla="*/ 4341817 h 5210197"/>
-                <a:gd name="connsiteX8" fmla="*/ 0 w 9858375"/>
-                <a:gd name="connsiteY8" fmla="*/ 468352 h 5210197"/>
-                <a:gd name="connsiteX0" fmla="*/ 0 w 9858375"/>
-                <a:gd name="connsiteY0" fmla="*/ 468330 h 5210175"/>
-                <a:gd name="connsiteX1" fmla="*/ 649305 w 9858375"/>
-                <a:gd name="connsiteY1" fmla="*/ 19050 h 5210175"/>
-                <a:gd name="connsiteX2" fmla="*/ 8989995 w 9858375"/>
-                <a:gd name="connsiteY2" fmla="*/ 0 h 5210175"/>
-                <a:gd name="connsiteX3" fmla="*/ 9858375 w 9858375"/>
-                <a:gd name="connsiteY3" fmla="*/ 868380 h 5210175"/>
-                <a:gd name="connsiteX4" fmla="*/ 9858375 w 9858375"/>
-                <a:gd name="connsiteY4" fmla="*/ 4341795 h 5210175"/>
-                <a:gd name="connsiteX5" fmla="*/ 8989995 w 9858375"/>
-                <a:gd name="connsiteY5" fmla="*/ 5210175 h 5210175"/>
-                <a:gd name="connsiteX6" fmla="*/ 916005 w 9858375"/>
-                <a:gd name="connsiteY6" fmla="*/ 5210175 h 5210175"/>
-                <a:gd name="connsiteX7" fmla="*/ 47625 w 9858375"/>
-                <a:gd name="connsiteY7" fmla="*/ 4341795 h 5210175"/>
-                <a:gd name="connsiteX8" fmla="*/ 0 w 9858375"/>
-                <a:gd name="connsiteY8" fmla="*/ 468330 h 5210175"/>
-                <a:gd name="connsiteX0" fmla="*/ 0 w 9858375"/>
-                <a:gd name="connsiteY0" fmla="*/ 468330 h 5210175"/>
-                <a:gd name="connsiteX1" fmla="*/ 649305 w 9858375"/>
-                <a:gd name="connsiteY1" fmla="*/ 19050 h 5210175"/>
-                <a:gd name="connsiteX2" fmla="*/ 9370995 w 9858375"/>
-                <a:gd name="connsiteY2" fmla="*/ 0 h 5210175"/>
-                <a:gd name="connsiteX3" fmla="*/ 9858375 w 9858375"/>
-                <a:gd name="connsiteY3" fmla="*/ 868380 h 5210175"/>
-                <a:gd name="connsiteX4" fmla="*/ 9858375 w 9858375"/>
-                <a:gd name="connsiteY4" fmla="*/ 4341795 h 5210175"/>
-                <a:gd name="connsiteX5" fmla="*/ 8989995 w 9858375"/>
-                <a:gd name="connsiteY5" fmla="*/ 5210175 h 5210175"/>
-                <a:gd name="connsiteX6" fmla="*/ 916005 w 9858375"/>
-                <a:gd name="connsiteY6" fmla="*/ 5210175 h 5210175"/>
-                <a:gd name="connsiteX7" fmla="*/ 47625 w 9858375"/>
-                <a:gd name="connsiteY7" fmla="*/ 4341795 h 5210175"/>
-                <a:gd name="connsiteX8" fmla="*/ 0 w 9858375"/>
-                <a:gd name="connsiteY8" fmla="*/ 468330 h 5210175"/>
-                <a:gd name="connsiteX0" fmla="*/ 0 w 9858375"/>
-                <a:gd name="connsiteY0" fmla="*/ 468330 h 5210175"/>
-                <a:gd name="connsiteX1" fmla="*/ 649305 w 9858375"/>
-                <a:gd name="connsiteY1" fmla="*/ 19050 h 5210175"/>
-                <a:gd name="connsiteX2" fmla="*/ 9370995 w 9858375"/>
-                <a:gd name="connsiteY2" fmla="*/ 0 h 5210175"/>
-                <a:gd name="connsiteX3" fmla="*/ 9858375 w 9858375"/>
-                <a:gd name="connsiteY3" fmla="*/ 563580 h 5210175"/>
-                <a:gd name="connsiteX4" fmla="*/ 9858375 w 9858375"/>
-                <a:gd name="connsiteY4" fmla="*/ 4341795 h 5210175"/>
-                <a:gd name="connsiteX5" fmla="*/ 8989995 w 9858375"/>
-                <a:gd name="connsiteY5" fmla="*/ 5210175 h 5210175"/>
-                <a:gd name="connsiteX6" fmla="*/ 916005 w 9858375"/>
-                <a:gd name="connsiteY6" fmla="*/ 5210175 h 5210175"/>
-                <a:gd name="connsiteX7" fmla="*/ 47625 w 9858375"/>
-                <a:gd name="connsiteY7" fmla="*/ 4341795 h 5210175"/>
-                <a:gd name="connsiteX8" fmla="*/ 0 w 9858375"/>
-                <a:gd name="connsiteY8" fmla="*/ 468330 h 5210175"/>
-                <a:gd name="connsiteX0" fmla="*/ 0 w 9877425"/>
-                <a:gd name="connsiteY0" fmla="*/ 468330 h 5210175"/>
-                <a:gd name="connsiteX1" fmla="*/ 649305 w 9877425"/>
-                <a:gd name="connsiteY1" fmla="*/ 19050 h 5210175"/>
-                <a:gd name="connsiteX2" fmla="*/ 9370995 w 9877425"/>
-                <a:gd name="connsiteY2" fmla="*/ 0 h 5210175"/>
-                <a:gd name="connsiteX3" fmla="*/ 9858375 w 9877425"/>
-                <a:gd name="connsiteY3" fmla="*/ 563580 h 5210175"/>
-                <a:gd name="connsiteX4" fmla="*/ 9877425 w 9877425"/>
-                <a:gd name="connsiteY4" fmla="*/ 4675170 h 5210175"/>
-                <a:gd name="connsiteX5" fmla="*/ 8989995 w 9877425"/>
-                <a:gd name="connsiteY5" fmla="*/ 5210175 h 5210175"/>
-                <a:gd name="connsiteX6" fmla="*/ 916005 w 9877425"/>
-                <a:gd name="connsiteY6" fmla="*/ 5210175 h 5210175"/>
-                <a:gd name="connsiteX7" fmla="*/ 47625 w 9877425"/>
-                <a:gd name="connsiteY7" fmla="*/ 4341795 h 5210175"/>
-                <a:gd name="connsiteX8" fmla="*/ 0 w 9877425"/>
-                <a:gd name="connsiteY8" fmla="*/ 468330 h 5210175"/>
-                <a:gd name="connsiteX0" fmla="*/ 0 w 9877425"/>
-                <a:gd name="connsiteY0" fmla="*/ 468330 h 5210175"/>
-                <a:gd name="connsiteX1" fmla="*/ 649305 w 9877425"/>
-                <a:gd name="connsiteY1" fmla="*/ 19050 h 5210175"/>
-                <a:gd name="connsiteX2" fmla="*/ 9370995 w 9877425"/>
-                <a:gd name="connsiteY2" fmla="*/ 0 h 5210175"/>
-                <a:gd name="connsiteX3" fmla="*/ 9858375 w 9877425"/>
-                <a:gd name="connsiteY3" fmla="*/ 563580 h 5210175"/>
-                <a:gd name="connsiteX4" fmla="*/ 9877425 w 9877425"/>
-                <a:gd name="connsiteY4" fmla="*/ 4675170 h 5210175"/>
-                <a:gd name="connsiteX5" fmla="*/ 9390045 w 9877425"/>
-                <a:gd name="connsiteY5" fmla="*/ 5191125 h 5210175"/>
-                <a:gd name="connsiteX6" fmla="*/ 916005 w 9877425"/>
-                <a:gd name="connsiteY6" fmla="*/ 5210175 h 5210175"/>
-                <a:gd name="connsiteX7" fmla="*/ 47625 w 9877425"/>
-                <a:gd name="connsiteY7" fmla="*/ 4341795 h 5210175"/>
-                <a:gd name="connsiteX8" fmla="*/ 0 w 9877425"/>
-                <a:gd name="connsiteY8" fmla="*/ 468330 h 5210175"/>
-                <a:gd name="connsiteX0" fmla="*/ 0 w 9877425"/>
-                <a:gd name="connsiteY0" fmla="*/ 468330 h 5210175"/>
-                <a:gd name="connsiteX1" fmla="*/ 649305 w 9877425"/>
-                <a:gd name="connsiteY1" fmla="*/ 19050 h 5210175"/>
-                <a:gd name="connsiteX2" fmla="*/ 9370995 w 9877425"/>
-                <a:gd name="connsiteY2" fmla="*/ 0 h 5210175"/>
-                <a:gd name="connsiteX3" fmla="*/ 9858375 w 9877425"/>
-                <a:gd name="connsiteY3" fmla="*/ 563580 h 5210175"/>
-                <a:gd name="connsiteX4" fmla="*/ 9877425 w 9877425"/>
-                <a:gd name="connsiteY4" fmla="*/ 4675170 h 5210175"/>
-                <a:gd name="connsiteX5" fmla="*/ 9390045 w 9877425"/>
-                <a:gd name="connsiteY5" fmla="*/ 5191125 h 5210175"/>
-                <a:gd name="connsiteX6" fmla="*/ 630255 w 9877425"/>
-                <a:gd name="connsiteY6" fmla="*/ 5210175 h 5210175"/>
-                <a:gd name="connsiteX7" fmla="*/ 47625 w 9877425"/>
-                <a:gd name="connsiteY7" fmla="*/ 4341795 h 5210175"/>
-                <a:gd name="connsiteX8" fmla="*/ 0 w 9877425"/>
-                <a:gd name="connsiteY8" fmla="*/ 468330 h 5210175"/>
-                <a:gd name="connsiteX0" fmla="*/ 0 w 9877425"/>
-                <a:gd name="connsiteY0" fmla="*/ 468330 h 5210175"/>
-                <a:gd name="connsiteX1" fmla="*/ 649305 w 9877425"/>
-                <a:gd name="connsiteY1" fmla="*/ 19050 h 5210175"/>
-                <a:gd name="connsiteX2" fmla="*/ 9370995 w 9877425"/>
-                <a:gd name="connsiteY2" fmla="*/ 0 h 5210175"/>
-                <a:gd name="connsiteX3" fmla="*/ 9858375 w 9877425"/>
-                <a:gd name="connsiteY3" fmla="*/ 563580 h 5210175"/>
-                <a:gd name="connsiteX4" fmla="*/ 9877425 w 9877425"/>
-                <a:gd name="connsiteY4" fmla="*/ 4675170 h 5210175"/>
-                <a:gd name="connsiteX5" fmla="*/ 9390045 w 9877425"/>
-                <a:gd name="connsiteY5" fmla="*/ 5191125 h 5210175"/>
-                <a:gd name="connsiteX6" fmla="*/ 630255 w 9877425"/>
-                <a:gd name="connsiteY6" fmla="*/ 5210175 h 5210175"/>
-                <a:gd name="connsiteX7" fmla="*/ 0 w 9877425"/>
-                <a:gd name="connsiteY7" fmla="*/ 4598970 h 5210175"/>
-                <a:gd name="connsiteX8" fmla="*/ 0 w 9877425"/>
-                <a:gd name="connsiteY8" fmla="*/ 468330 h 5210175"/>
-              </a:gdLst>
-              <a:ahLst/>
-              <a:cxnLst>
-                <a:cxn ang="0">
-                  <a:pos x="connsiteX0" y="connsiteY0"/>
-                </a:cxn>
-                <a:cxn ang="0">
-                  <a:pos x="connsiteX1" y="connsiteY1"/>
-                </a:cxn>
-                <a:cxn ang="0">
-                  <a:pos x="connsiteX2" y="connsiteY2"/>
-                </a:cxn>
-                <a:cxn ang="0">
-                  <a:pos x="connsiteX3" y="connsiteY3"/>
-                </a:cxn>
-                <a:cxn ang="0">
-                  <a:pos x="connsiteX4" y="connsiteY4"/>
-                </a:cxn>
-                <a:cxn ang="0">
-                  <a:pos x="connsiteX5" y="connsiteY5"/>
-                </a:cxn>
-                <a:cxn ang="0">
-                  <a:pos x="connsiteX6" y="connsiteY6"/>
-                </a:cxn>
-                <a:cxn ang="0">
-                  <a:pos x="connsiteX7" y="connsiteY7"/>
-                </a:cxn>
-                <a:cxn ang="0">
-                  <a:pos x="connsiteX8" y="connsiteY8"/>
-                </a:cxn>
-              </a:cxnLst>
-              <a:rect l="l" t="t" r="r" b="b"/>
-              <a:pathLst>
-                <a:path w="9877425" h="5210175">
-                  <a:moveTo>
-                    <a:pt x="0" y="468330"/>
-                  </a:moveTo>
-                  <a:cubicBezTo>
-                    <a:pt x="0" y="-11263"/>
-                    <a:pt x="169712" y="19050"/>
-                    <a:pt x="649305" y="19050"/>
-                  </a:cubicBezTo>
-                  <a:lnTo>
-                    <a:pt x="9370995" y="0"/>
-                  </a:lnTo>
-                  <a:cubicBezTo>
-                    <a:pt x="9850588" y="0"/>
-                    <a:pt x="9858375" y="83987"/>
-                    <a:pt x="9858375" y="563580"/>
-                  </a:cubicBezTo>
-                  <a:lnTo>
-                    <a:pt x="9877425" y="4675170"/>
-                  </a:lnTo>
-                  <a:cubicBezTo>
-                    <a:pt x="9877425" y="5154763"/>
-                    <a:pt x="9869638" y="5191125"/>
-                    <a:pt x="9390045" y="5191125"/>
-                  </a:cubicBezTo>
-                  <a:lnTo>
-                    <a:pt x="630255" y="5210175"/>
-                  </a:lnTo>
-                  <a:cubicBezTo>
-                    <a:pt x="150662" y="5210175"/>
-                    <a:pt x="0" y="5078563"/>
-                    <a:pt x="0" y="4598970"/>
-                  </a:cubicBezTo>
-                  <a:lnTo>
-                    <a:pt x="0" y="468330"/>
-                  </a:lnTo>
-                  <a:close/>
-                </a:path>
-              </a:pathLst>
-            </a:custGeom>
-            <a:solidFill>
-              <a:schemeClr val="accent1">
-                <a:lumMod val="20000"/>
-                <a:lumOff val="80000"/>
-              </a:schemeClr>
-            </a:solidFill>
-            <a:ln>
+          </p:grpSpPr>
+          <p:sp>
+            <p:nvSpPr>
+              <p:cNvPr id="128" name="Rectangle: Rounded Corners 3">
+                <a:extLst>
+                  <a:ext uri="{FF2B5EF4-FFF2-40B4-BE49-F238E27FC236}">
+                    <a16:creationId xmlns:a16="http://schemas.microsoft.com/office/drawing/2014/main" id="{B9097FD4-C5F7-4D2E-9644-A3229221086D}"/>
+                  </a:ext>
+                </a:extLst>
+              </p:cNvPr>
+              <p:cNvSpPr/>
+              <p:nvPr/>
+            </p:nvSpPr>
+            <p:spPr>
+              <a:xfrm>
+                <a:off x="957845" y="885858"/>
+                <a:ext cx="9548054" cy="5703620"/>
+              </a:xfrm>
+              <a:custGeom>
+                <a:avLst/>
+                <a:gdLst>
+                  <a:gd name="connsiteX0" fmla="*/ 0 w 9810750"/>
+                  <a:gd name="connsiteY0" fmla="*/ 868380 h 5210175"/>
+                  <a:gd name="connsiteX1" fmla="*/ 868380 w 9810750"/>
+                  <a:gd name="connsiteY1" fmla="*/ 0 h 5210175"/>
+                  <a:gd name="connsiteX2" fmla="*/ 8942370 w 9810750"/>
+                  <a:gd name="connsiteY2" fmla="*/ 0 h 5210175"/>
+                  <a:gd name="connsiteX3" fmla="*/ 9810750 w 9810750"/>
+                  <a:gd name="connsiteY3" fmla="*/ 868380 h 5210175"/>
+                  <a:gd name="connsiteX4" fmla="*/ 9810750 w 9810750"/>
+                  <a:gd name="connsiteY4" fmla="*/ 4341795 h 5210175"/>
+                  <a:gd name="connsiteX5" fmla="*/ 8942370 w 9810750"/>
+                  <a:gd name="connsiteY5" fmla="*/ 5210175 h 5210175"/>
+                  <a:gd name="connsiteX6" fmla="*/ 868380 w 9810750"/>
+                  <a:gd name="connsiteY6" fmla="*/ 5210175 h 5210175"/>
+                  <a:gd name="connsiteX7" fmla="*/ 0 w 9810750"/>
+                  <a:gd name="connsiteY7" fmla="*/ 4341795 h 5210175"/>
+                  <a:gd name="connsiteX8" fmla="*/ 0 w 9810750"/>
+                  <a:gd name="connsiteY8" fmla="*/ 868380 h 5210175"/>
+                  <a:gd name="connsiteX0" fmla="*/ 0 w 9858375"/>
+                  <a:gd name="connsiteY0" fmla="*/ 468352 h 5210197"/>
+                  <a:gd name="connsiteX1" fmla="*/ 916005 w 9858375"/>
+                  <a:gd name="connsiteY1" fmla="*/ 22 h 5210197"/>
+                  <a:gd name="connsiteX2" fmla="*/ 8989995 w 9858375"/>
+                  <a:gd name="connsiteY2" fmla="*/ 22 h 5210197"/>
+                  <a:gd name="connsiteX3" fmla="*/ 9858375 w 9858375"/>
+                  <a:gd name="connsiteY3" fmla="*/ 868402 h 5210197"/>
+                  <a:gd name="connsiteX4" fmla="*/ 9858375 w 9858375"/>
+                  <a:gd name="connsiteY4" fmla="*/ 4341817 h 5210197"/>
+                  <a:gd name="connsiteX5" fmla="*/ 8989995 w 9858375"/>
+                  <a:gd name="connsiteY5" fmla="*/ 5210197 h 5210197"/>
+                  <a:gd name="connsiteX6" fmla="*/ 916005 w 9858375"/>
+                  <a:gd name="connsiteY6" fmla="*/ 5210197 h 5210197"/>
+                  <a:gd name="connsiteX7" fmla="*/ 47625 w 9858375"/>
+                  <a:gd name="connsiteY7" fmla="*/ 4341817 h 5210197"/>
+                  <a:gd name="connsiteX8" fmla="*/ 0 w 9858375"/>
+                  <a:gd name="connsiteY8" fmla="*/ 468352 h 5210197"/>
+                  <a:gd name="connsiteX0" fmla="*/ 0 w 9858375"/>
+                  <a:gd name="connsiteY0" fmla="*/ 468330 h 5210175"/>
+                  <a:gd name="connsiteX1" fmla="*/ 649305 w 9858375"/>
+                  <a:gd name="connsiteY1" fmla="*/ 19050 h 5210175"/>
+                  <a:gd name="connsiteX2" fmla="*/ 8989995 w 9858375"/>
+                  <a:gd name="connsiteY2" fmla="*/ 0 h 5210175"/>
+                  <a:gd name="connsiteX3" fmla="*/ 9858375 w 9858375"/>
+                  <a:gd name="connsiteY3" fmla="*/ 868380 h 5210175"/>
+                  <a:gd name="connsiteX4" fmla="*/ 9858375 w 9858375"/>
+                  <a:gd name="connsiteY4" fmla="*/ 4341795 h 5210175"/>
+                  <a:gd name="connsiteX5" fmla="*/ 8989995 w 9858375"/>
+                  <a:gd name="connsiteY5" fmla="*/ 5210175 h 5210175"/>
+                  <a:gd name="connsiteX6" fmla="*/ 916005 w 9858375"/>
+                  <a:gd name="connsiteY6" fmla="*/ 5210175 h 5210175"/>
+                  <a:gd name="connsiteX7" fmla="*/ 47625 w 9858375"/>
+                  <a:gd name="connsiteY7" fmla="*/ 4341795 h 5210175"/>
+                  <a:gd name="connsiteX8" fmla="*/ 0 w 9858375"/>
+                  <a:gd name="connsiteY8" fmla="*/ 468330 h 5210175"/>
+                  <a:gd name="connsiteX0" fmla="*/ 0 w 9858375"/>
+                  <a:gd name="connsiteY0" fmla="*/ 468330 h 5210175"/>
+                  <a:gd name="connsiteX1" fmla="*/ 649305 w 9858375"/>
+                  <a:gd name="connsiteY1" fmla="*/ 19050 h 5210175"/>
+                  <a:gd name="connsiteX2" fmla="*/ 9370995 w 9858375"/>
+                  <a:gd name="connsiteY2" fmla="*/ 0 h 5210175"/>
+                  <a:gd name="connsiteX3" fmla="*/ 9858375 w 9858375"/>
+                  <a:gd name="connsiteY3" fmla="*/ 868380 h 5210175"/>
+                  <a:gd name="connsiteX4" fmla="*/ 9858375 w 9858375"/>
+                  <a:gd name="connsiteY4" fmla="*/ 4341795 h 5210175"/>
+                  <a:gd name="connsiteX5" fmla="*/ 8989995 w 9858375"/>
+                  <a:gd name="connsiteY5" fmla="*/ 5210175 h 5210175"/>
+                  <a:gd name="connsiteX6" fmla="*/ 916005 w 9858375"/>
+                  <a:gd name="connsiteY6" fmla="*/ 5210175 h 5210175"/>
+                  <a:gd name="connsiteX7" fmla="*/ 47625 w 9858375"/>
+                  <a:gd name="connsiteY7" fmla="*/ 4341795 h 5210175"/>
+                  <a:gd name="connsiteX8" fmla="*/ 0 w 9858375"/>
+                  <a:gd name="connsiteY8" fmla="*/ 468330 h 5210175"/>
+                  <a:gd name="connsiteX0" fmla="*/ 0 w 9858375"/>
+                  <a:gd name="connsiteY0" fmla="*/ 468330 h 5210175"/>
+                  <a:gd name="connsiteX1" fmla="*/ 649305 w 9858375"/>
+                  <a:gd name="connsiteY1" fmla="*/ 19050 h 5210175"/>
+                  <a:gd name="connsiteX2" fmla="*/ 9370995 w 9858375"/>
+                  <a:gd name="connsiteY2" fmla="*/ 0 h 5210175"/>
+                  <a:gd name="connsiteX3" fmla="*/ 9858375 w 9858375"/>
+                  <a:gd name="connsiteY3" fmla="*/ 563580 h 5210175"/>
+                  <a:gd name="connsiteX4" fmla="*/ 9858375 w 9858375"/>
+                  <a:gd name="connsiteY4" fmla="*/ 4341795 h 5210175"/>
+                  <a:gd name="connsiteX5" fmla="*/ 8989995 w 9858375"/>
+                  <a:gd name="connsiteY5" fmla="*/ 5210175 h 5210175"/>
+                  <a:gd name="connsiteX6" fmla="*/ 916005 w 9858375"/>
+                  <a:gd name="connsiteY6" fmla="*/ 5210175 h 5210175"/>
+                  <a:gd name="connsiteX7" fmla="*/ 47625 w 9858375"/>
+                  <a:gd name="connsiteY7" fmla="*/ 4341795 h 5210175"/>
+                  <a:gd name="connsiteX8" fmla="*/ 0 w 9858375"/>
+                  <a:gd name="connsiteY8" fmla="*/ 468330 h 5210175"/>
+                  <a:gd name="connsiteX0" fmla="*/ 0 w 9877425"/>
+                  <a:gd name="connsiteY0" fmla="*/ 468330 h 5210175"/>
+                  <a:gd name="connsiteX1" fmla="*/ 649305 w 9877425"/>
+                  <a:gd name="connsiteY1" fmla="*/ 19050 h 5210175"/>
+                  <a:gd name="connsiteX2" fmla="*/ 9370995 w 9877425"/>
+                  <a:gd name="connsiteY2" fmla="*/ 0 h 5210175"/>
+                  <a:gd name="connsiteX3" fmla="*/ 9858375 w 9877425"/>
+                  <a:gd name="connsiteY3" fmla="*/ 563580 h 5210175"/>
+                  <a:gd name="connsiteX4" fmla="*/ 9877425 w 9877425"/>
+                  <a:gd name="connsiteY4" fmla="*/ 4675170 h 5210175"/>
+                  <a:gd name="connsiteX5" fmla="*/ 8989995 w 9877425"/>
+                  <a:gd name="connsiteY5" fmla="*/ 5210175 h 5210175"/>
+                  <a:gd name="connsiteX6" fmla="*/ 916005 w 9877425"/>
+                  <a:gd name="connsiteY6" fmla="*/ 5210175 h 5210175"/>
+                  <a:gd name="connsiteX7" fmla="*/ 47625 w 9877425"/>
+                  <a:gd name="connsiteY7" fmla="*/ 4341795 h 5210175"/>
+                  <a:gd name="connsiteX8" fmla="*/ 0 w 9877425"/>
+                  <a:gd name="connsiteY8" fmla="*/ 468330 h 5210175"/>
+                  <a:gd name="connsiteX0" fmla="*/ 0 w 9877425"/>
+                  <a:gd name="connsiteY0" fmla="*/ 468330 h 5210175"/>
+                  <a:gd name="connsiteX1" fmla="*/ 649305 w 9877425"/>
+                  <a:gd name="connsiteY1" fmla="*/ 19050 h 5210175"/>
+                  <a:gd name="connsiteX2" fmla="*/ 9370995 w 9877425"/>
+                  <a:gd name="connsiteY2" fmla="*/ 0 h 5210175"/>
+                  <a:gd name="connsiteX3" fmla="*/ 9858375 w 9877425"/>
+                  <a:gd name="connsiteY3" fmla="*/ 563580 h 5210175"/>
+                  <a:gd name="connsiteX4" fmla="*/ 9877425 w 9877425"/>
+                  <a:gd name="connsiteY4" fmla="*/ 4675170 h 5210175"/>
+                  <a:gd name="connsiteX5" fmla="*/ 9390045 w 9877425"/>
+                  <a:gd name="connsiteY5" fmla="*/ 5191125 h 5210175"/>
+                  <a:gd name="connsiteX6" fmla="*/ 916005 w 9877425"/>
+                  <a:gd name="connsiteY6" fmla="*/ 5210175 h 5210175"/>
+                  <a:gd name="connsiteX7" fmla="*/ 47625 w 9877425"/>
+                  <a:gd name="connsiteY7" fmla="*/ 4341795 h 5210175"/>
+                  <a:gd name="connsiteX8" fmla="*/ 0 w 9877425"/>
+                  <a:gd name="connsiteY8" fmla="*/ 468330 h 5210175"/>
+                  <a:gd name="connsiteX0" fmla="*/ 0 w 9877425"/>
+                  <a:gd name="connsiteY0" fmla="*/ 468330 h 5210175"/>
+                  <a:gd name="connsiteX1" fmla="*/ 649305 w 9877425"/>
+                  <a:gd name="connsiteY1" fmla="*/ 19050 h 5210175"/>
+                  <a:gd name="connsiteX2" fmla="*/ 9370995 w 9877425"/>
+                  <a:gd name="connsiteY2" fmla="*/ 0 h 5210175"/>
+                  <a:gd name="connsiteX3" fmla="*/ 9858375 w 9877425"/>
+                  <a:gd name="connsiteY3" fmla="*/ 563580 h 5210175"/>
+                  <a:gd name="connsiteX4" fmla="*/ 9877425 w 9877425"/>
+                  <a:gd name="connsiteY4" fmla="*/ 4675170 h 5210175"/>
+                  <a:gd name="connsiteX5" fmla="*/ 9390045 w 9877425"/>
+                  <a:gd name="connsiteY5" fmla="*/ 5191125 h 5210175"/>
+                  <a:gd name="connsiteX6" fmla="*/ 630255 w 9877425"/>
+                  <a:gd name="connsiteY6" fmla="*/ 5210175 h 5210175"/>
+                  <a:gd name="connsiteX7" fmla="*/ 47625 w 9877425"/>
+                  <a:gd name="connsiteY7" fmla="*/ 4341795 h 5210175"/>
+                  <a:gd name="connsiteX8" fmla="*/ 0 w 9877425"/>
+                  <a:gd name="connsiteY8" fmla="*/ 468330 h 5210175"/>
+                  <a:gd name="connsiteX0" fmla="*/ 0 w 9877425"/>
+                  <a:gd name="connsiteY0" fmla="*/ 468330 h 5210175"/>
+                  <a:gd name="connsiteX1" fmla="*/ 649305 w 9877425"/>
+                  <a:gd name="connsiteY1" fmla="*/ 19050 h 5210175"/>
+                  <a:gd name="connsiteX2" fmla="*/ 9370995 w 9877425"/>
+                  <a:gd name="connsiteY2" fmla="*/ 0 h 5210175"/>
+                  <a:gd name="connsiteX3" fmla="*/ 9858375 w 9877425"/>
+                  <a:gd name="connsiteY3" fmla="*/ 563580 h 5210175"/>
+                  <a:gd name="connsiteX4" fmla="*/ 9877425 w 9877425"/>
+                  <a:gd name="connsiteY4" fmla="*/ 4675170 h 5210175"/>
+                  <a:gd name="connsiteX5" fmla="*/ 9390045 w 9877425"/>
+                  <a:gd name="connsiteY5" fmla="*/ 5191125 h 5210175"/>
+                  <a:gd name="connsiteX6" fmla="*/ 630255 w 9877425"/>
+                  <a:gd name="connsiteY6" fmla="*/ 5210175 h 5210175"/>
+                  <a:gd name="connsiteX7" fmla="*/ 0 w 9877425"/>
+                  <a:gd name="connsiteY7" fmla="*/ 4598970 h 5210175"/>
+                  <a:gd name="connsiteX8" fmla="*/ 0 w 9877425"/>
+                  <a:gd name="connsiteY8" fmla="*/ 468330 h 5210175"/>
+                </a:gdLst>
+                <a:ahLst/>
+                <a:cxnLst>
+                  <a:cxn ang="0">
+                    <a:pos x="connsiteX0" y="connsiteY0"/>
+                  </a:cxn>
+                  <a:cxn ang="0">
+                    <a:pos x="connsiteX1" y="connsiteY1"/>
+                  </a:cxn>
+                  <a:cxn ang="0">
+                    <a:pos x="connsiteX2" y="connsiteY2"/>
+                  </a:cxn>
+                  <a:cxn ang="0">
+                    <a:pos x="connsiteX3" y="connsiteY3"/>
+                  </a:cxn>
+                  <a:cxn ang="0">
+                    <a:pos x="connsiteX4" y="connsiteY4"/>
+                  </a:cxn>
+                  <a:cxn ang="0">
+                    <a:pos x="connsiteX5" y="connsiteY5"/>
+                  </a:cxn>
+                  <a:cxn ang="0">
+                    <a:pos x="connsiteX6" y="connsiteY6"/>
+                  </a:cxn>
+                  <a:cxn ang="0">
+                    <a:pos x="connsiteX7" y="connsiteY7"/>
+                  </a:cxn>
+                  <a:cxn ang="0">
+                    <a:pos x="connsiteX8" y="connsiteY8"/>
+                  </a:cxn>
+                </a:cxnLst>
+                <a:rect l="l" t="t" r="r" b="b"/>
+                <a:pathLst>
+                  <a:path w="9877425" h="5210175">
+                    <a:moveTo>
+                      <a:pt x="0" y="468330"/>
+                    </a:moveTo>
+                    <a:cubicBezTo>
+                      <a:pt x="0" y="-11263"/>
+                      <a:pt x="169712" y="19050"/>
+                      <a:pt x="649305" y="19050"/>
+                    </a:cubicBezTo>
+                    <a:lnTo>
+                      <a:pt x="9370995" y="0"/>
+                    </a:lnTo>
+                    <a:cubicBezTo>
+                      <a:pt x="9850588" y="0"/>
+                      <a:pt x="9858375" y="83987"/>
+                      <a:pt x="9858375" y="563580"/>
+                    </a:cubicBezTo>
+                    <a:lnTo>
+                      <a:pt x="9877425" y="4675170"/>
+                    </a:lnTo>
+                    <a:cubicBezTo>
+                      <a:pt x="9877425" y="5154763"/>
+                      <a:pt x="9869638" y="5191125"/>
+                      <a:pt x="9390045" y="5191125"/>
+                    </a:cubicBezTo>
+                    <a:lnTo>
+                      <a:pt x="630255" y="5210175"/>
+                    </a:lnTo>
+                    <a:cubicBezTo>
+                      <a:pt x="150662" y="5210175"/>
+                      <a:pt x="0" y="5078563"/>
+                      <a:pt x="0" y="4598970"/>
+                    </a:cubicBezTo>
+                    <a:lnTo>
+                      <a:pt x="0" y="468330"/>
+                    </a:lnTo>
+                    <a:close/>
+                  </a:path>
+                </a:pathLst>
+              </a:custGeom>
+              <a:solidFill>
+                <a:schemeClr val="accent1">
+                  <a:lumMod val="20000"/>
+                  <a:lumOff val="80000"/>
+                </a:schemeClr>
+              </a:solidFill>
+              <a:ln>
+                <a:noFill/>
+              </a:ln>
+              <a:effectLst>
+                <a:softEdge rad="0"/>
+              </a:effectLst>
+            </p:spPr>
+            <p:style>
+              <a:lnRef idx="2">
+                <a:schemeClr val="accent1">
+                  <a:shade val="50000"/>
+                </a:schemeClr>
+              </a:lnRef>
+              <a:fillRef idx="1">
+                <a:schemeClr val="accent1"/>
+              </a:fillRef>
+              <a:effectRef idx="0">
+                <a:schemeClr val="accent1"/>
+              </a:effectRef>
+              <a:fontRef idx="minor">
+                <a:schemeClr val="lt1"/>
+              </a:fontRef>
+            </p:style>
+            <p:txBody>
+              <a:bodyPr rtlCol="0" anchor="ctr"/>
+              <a:lstStyle/>
+              <a:p>
+                <a:pPr algn="ctr"/>
+                <a:endParaRPr lang="en-SG" dirty="0"/>
+              </a:p>
+            </p:txBody>
+          </p:sp>
+          <p:sp>
+            <p:nvSpPr>
+              <p:cNvPr id="5" name="TextBox 4">
+                <a:extLst>
+                  <a:ext uri="{FF2B5EF4-FFF2-40B4-BE49-F238E27FC236}">
+                    <a16:creationId xmlns:a16="http://schemas.microsoft.com/office/drawing/2014/main" id="{DF18E182-20AA-40BF-B390-A56F7C17E302}"/>
+                  </a:ext>
+                </a:extLst>
+              </p:cNvPr>
+              <p:cNvSpPr txBox="1"/>
+              <p:nvPr/>
+            </p:nvSpPr>
+            <p:spPr>
+              <a:xfrm>
+                <a:off x="1114540" y="1009316"/>
+                <a:ext cx="663964" cy="369332"/>
+              </a:xfrm>
+              <a:prstGeom prst="rect">
+                <a:avLst/>
+              </a:prstGeom>
               <a:noFill/>
-            </a:ln>
-            <a:effectLst>
-              <a:softEdge rad="0"/>
-            </a:effectLst>
-          </p:spPr>
-          <p:style>
-            <a:lnRef idx="2">
-              <a:schemeClr val="accent1">
-                <a:shade val="50000"/>
-              </a:schemeClr>
-            </a:lnRef>
-            <a:fillRef idx="1">
-              <a:schemeClr val="accent1"/>
-            </a:fillRef>
-            <a:effectRef idx="0">
-              <a:schemeClr val="accent1"/>
-            </a:effectRef>
-            <a:fontRef idx="minor">
-              <a:schemeClr val="lt1"/>
-            </a:fontRef>
-          </p:style>
-          <p:txBody>
-            <a:bodyPr rtlCol="0" anchor="ctr"/>
-            <a:lstStyle/>
-            <a:p>
-              <a:pPr algn="ctr"/>
-              <a:endParaRPr lang="en-SG" dirty="0"/>
-            </a:p>
-          </p:txBody>
-        </p:sp>
+            </p:spPr>
+            <p:txBody>
+              <a:bodyPr wrap="none" rtlCol="0">
+                <a:spAutoFit/>
+              </a:bodyPr>
+              <a:lstStyle/>
+              <a:p>
+                <a:r>
+                  <a:rPr lang="en-SG" b="1" dirty="0">
+                    <a:solidFill>
+                      <a:srgbClr val="0070C0"/>
+                    </a:solidFill>
+                  </a:rPr>
+                  <a:t>Logic</a:t>
+                </a:r>
+              </a:p>
+            </p:txBody>
+          </p:sp>
+          <p:sp>
+            <p:nvSpPr>
+              <p:cNvPr id="7" name="TextBox 6">
+                <a:extLst>
+                  <a:ext uri="{FF2B5EF4-FFF2-40B4-BE49-F238E27FC236}">
+                    <a16:creationId xmlns:a16="http://schemas.microsoft.com/office/drawing/2014/main" id="{3BE19ABA-60DF-498C-9354-3689F495507F}"/>
+                  </a:ext>
+                </a:extLst>
+              </p:cNvPr>
+              <p:cNvSpPr txBox="1"/>
+              <p:nvPr/>
+            </p:nvSpPr>
+            <p:spPr>
+              <a:xfrm>
+                <a:off x="1228808" y="1415629"/>
+                <a:ext cx="1638300" cy="369332"/>
+              </a:xfrm>
+              <a:prstGeom prst="rect">
+                <a:avLst/>
+              </a:prstGeom>
+              <a:solidFill>
+                <a:srgbClr val="0070C0"/>
+              </a:solidFill>
+            </p:spPr>
+            <p:txBody>
+              <a:bodyPr wrap="square" rtlCol="0">
+                <a:spAutoFit/>
+              </a:bodyPr>
+              <a:lstStyle/>
+              <a:p>
+                <a:pPr algn="ctr"/>
+                <a:r>
+                  <a:rPr lang="en-SG" dirty="0">
+                    <a:solidFill>
+                      <a:schemeClr val="bg1"/>
+                    </a:solidFill>
+                  </a:rPr>
+                  <a:t>:</a:t>
+                </a:r>
+                <a:r>
+                  <a:rPr lang="en-SG" dirty="0" err="1">
+                    <a:solidFill>
+                      <a:schemeClr val="bg1"/>
+                    </a:solidFill>
+                  </a:rPr>
+                  <a:t>LogicManager</a:t>
+                </a:r>
+                <a:endParaRPr lang="en-SG" dirty="0">
+                  <a:solidFill>
+                    <a:schemeClr val="bg1"/>
+                  </a:solidFill>
+                </a:endParaRPr>
+              </a:p>
+            </p:txBody>
+          </p:sp>
+          <p:cxnSp>
+            <p:nvCxnSpPr>
+              <p:cNvPr id="9" name="Straight Connector 8">
+                <a:extLst>
+                  <a:ext uri="{FF2B5EF4-FFF2-40B4-BE49-F238E27FC236}">
+                    <a16:creationId xmlns:a16="http://schemas.microsoft.com/office/drawing/2014/main" id="{3222A64F-A5E9-4C6F-B0EE-FE8D3C582C9B}"/>
+                  </a:ext>
+                </a:extLst>
+              </p:cNvPr>
+              <p:cNvCxnSpPr/>
+              <p:nvPr/>
+            </p:nvCxnSpPr>
+            <p:spPr>
+              <a:xfrm>
+                <a:off x="2144601" y="2026682"/>
+                <a:ext cx="0" cy="2143"/>
+              </a:xfrm>
+              <a:prstGeom prst="line">
+                <a:avLst/>
+              </a:prstGeom>
+            </p:spPr>
+            <p:style>
+              <a:lnRef idx="1">
+                <a:schemeClr val="accent1"/>
+              </a:lnRef>
+              <a:fillRef idx="0">
+                <a:schemeClr val="accent1"/>
+              </a:fillRef>
+              <a:effectRef idx="0">
+                <a:schemeClr val="accent1"/>
+              </a:effectRef>
+              <a:fontRef idx="minor">
+                <a:schemeClr val="tx1"/>
+              </a:fontRef>
+            </p:style>
+          </p:cxnSp>
+          <p:cxnSp>
+            <p:nvCxnSpPr>
+              <p:cNvPr id="11" name="Straight Connector 10">
+                <a:extLst>
+                  <a:ext uri="{FF2B5EF4-FFF2-40B4-BE49-F238E27FC236}">
+                    <a16:creationId xmlns:a16="http://schemas.microsoft.com/office/drawing/2014/main" id="{BA53E53F-28BB-47F2-9190-739149BB20F3}"/>
+                  </a:ext>
+                </a:extLst>
+              </p:cNvPr>
+              <p:cNvCxnSpPr>
+                <a:cxnSpLocks/>
+                <a:stCxn id="7" idx="2"/>
+                <a:endCxn id="12" idx="0"/>
+              </p:cNvCxnSpPr>
+              <p:nvPr/>
+            </p:nvCxnSpPr>
+            <p:spPr>
+              <a:xfrm flipH="1">
+                <a:off x="2047933" y="1784961"/>
+                <a:ext cx="25" cy="475559"/>
+              </a:xfrm>
+              <a:prstGeom prst="line">
+                <a:avLst/>
+              </a:prstGeom>
+              <a:ln w="28575">
+                <a:solidFill>
+                  <a:srgbClr val="0070C0"/>
+                </a:solidFill>
+                <a:prstDash val="sysDot"/>
+              </a:ln>
+            </p:spPr>
+            <p:style>
+              <a:lnRef idx="1">
+                <a:schemeClr val="accent1"/>
+              </a:lnRef>
+              <a:fillRef idx="0">
+                <a:schemeClr val="accent1"/>
+              </a:fillRef>
+              <a:effectRef idx="0">
+                <a:schemeClr val="accent1"/>
+              </a:effectRef>
+              <a:fontRef idx="minor">
+                <a:schemeClr val="tx1"/>
+              </a:fontRef>
+            </p:style>
+          </p:cxnSp>
+          <p:sp>
+            <p:nvSpPr>
+              <p:cNvPr id="12" name="Rectangle 11">
+                <a:extLst>
+                  <a:ext uri="{FF2B5EF4-FFF2-40B4-BE49-F238E27FC236}">
+                    <a16:creationId xmlns:a16="http://schemas.microsoft.com/office/drawing/2014/main" id="{D193A0F9-2A6F-4738-BC7E-85495C254069}"/>
+                  </a:ext>
+                </a:extLst>
+              </p:cNvPr>
+              <p:cNvSpPr/>
+              <p:nvPr/>
+            </p:nvSpPr>
+            <p:spPr>
+              <a:xfrm>
+                <a:off x="1952802" y="2260520"/>
+                <a:ext cx="190261" cy="4102179"/>
+              </a:xfrm>
+              <a:prstGeom prst="rect">
+                <a:avLst/>
+              </a:prstGeom>
+              <a:solidFill>
+                <a:srgbClr val="0070C0"/>
+              </a:solidFill>
+              <a:ln>
+                <a:noFill/>
+              </a:ln>
+            </p:spPr>
+            <p:style>
+              <a:lnRef idx="2">
+                <a:schemeClr val="accent1">
+                  <a:shade val="50000"/>
+                </a:schemeClr>
+              </a:lnRef>
+              <a:fillRef idx="1">
+                <a:schemeClr val="accent1"/>
+              </a:fillRef>
+              <a:effectRef idx="0">
+                <a:schemeClr val="accent1"/>
+              </a:effectRef>
+              <a:fontRef idx="minor">
+                <a:schemeClr val="lt1"/>
+              </a:fontRef>
+            </p:style>
+            <p:txBody>
+              <a:bodyPr rtlCol="0" anchor="ctr"/>
+              <a:lstStyle/>
+              <a:p>
+                <a:pPr algn="ctr"/>
+                <a:endParaRPr lang="en-SG"/>
+              </a:p>
+            </p:txBody>
+          </p:sp>
+          <p:sp>
+            <p:nvSpPr>
+              <p:cNvPr id="15" name="Rectangle 14">
+                <a:extLst>
+                  <a:ext uri="{FF2B5EF4-FFF2-40B4-BE49-F238E27FC236}">
+                    <a16:creationId xmlns:a16="http://schemas.microsoft.com/office/drawing/2014/main" id="{42025285-A837-4DF0-9D29-04805EAB0C23}"/>
+                  </a:ext>
+                </a:extLst>
+              </p:cNvPr>
+              <p:cNvSpPr/>
+              <p:nvPr/>
+            </p:nvSpPr>
+            <p:spPr>
+              <a:xfrm>
+                <a:off x="3925433" y="2372412"/>
+                <a:ext cx="198708" cy="2022168"/>
+              </a:xfrm>
+              <a:prstGeom prst="rect">
+                <a:avLst/>
+              </a:prstGeom>
+              <a:solidFill>
+                <a:srgbClr val="0070C0"/>
+              </a:solidFill>
+              <a:ln>
+                <a:noFill/>
+              </a:ln>
+            </p:spPr>
+            <p:style>
+              <a:lnRef idx="2">
+                <a:schemeClr val="accent1">
+                  <a:shade val="50000"/>
+                </a:schemeClr>
+              </a:lnRef>
+              <a:fillRef idx="1">
+                <a:schemeClr val="accent1"/>
+              </a:fillRef>
+              <a:effectRef idx="0">
+                <a:schemeClr val="accent1"/>
+              </a:effectRef>
+              <a:fontRef idx="minor">
+                <a:schemeClr val="lt1"/>
+              </a:fontRef>
+            </p:style>
+            <p:txBody>
+              <a:bodyPr rtlCol="0" anchor="ctr"/>
+              <a:lstStyle/>
+              <a:p>
+                <a:pPr algn="ctr"/>
+                <a:endParaRPr lang="en-SG"/>
+              </a:p>
+            </p:txBody>
+          </p:sp>
+          <p:sp>
+            <p:nvSpPr>
+              <p:cNvPr id="16" name="TextBox 15">
+                <a:extLst>
+                  <a:ext uri="{FF2B5EF4-FFF2-40B4-BE49-F238E27FC236}">
+                    <a16:creationId xmlns:a16="http://schemas.microsoft.com/office/drawing/2014/main" id="{B2B17F48-2DE8-4F54-9F14-C6DD2FBAD7C8}"/>
+                  </a:ext>
+                </a:extLst>
+              </p:cNvPr>
+              <p:cNvSpPr txBox="1"/>
+              <p:nvPr/>
+            </p:nvSpPr>
+            <p:spPr>
+              <a:xfrm>
+                <a:off x="3201438" y="1337191"/>
+                <a:ext cx="1638300" cy="646331"/>
+              </a:xfrm>
+              <a:prstGeom prst="rect">
+                <a:avLst/>
+              </a:prstGeom>
+              <a:solidFill>
+                <a:srgbClr val="0070C0"/>
+              </a:solidFill>
+            </p:spPr>
+            <p:txBody>
+              <a:bodyPr wrap="square" rtlCol="0">
+                <a:spAutoFit/>
+              </a:bodyPr>
+              <a:lstStyle/>
+              <a:p>
+                <a:pPr algn="ctr"/>
+                <a:r>
+                  <a:rPr lang="en-SG" dirty="0">
+                    <a:solidFill>
+                      <a:schemeClr val="bg1"/>
+                    </a:solidFill>
+                  </a:rPr>
+                  <a:t>:Address</a:t>
+                </a:r>
+              </a:p>
+              <a:p>
+                <a:pPr algn="ctr"/>
+                <a:r>
+                  <a:rPr lang="en-SG" dirty="0" err="1">
+                    <a:solidFill>
+                      <a:schemeClr val="bg1"/>
+                    </a:solidFill>
+                  </a:rPr>
+                  <a:t>BookParser</a:t>
+                </a:r>
+                <a:endParaRPr lang="en-SG" dirty="0">
+                  <a:solidFill>
+                    <a:schemeClr val="bg1"/>
+                  </a:solidFill>
+                </a:endParaRPr>
+              </a:p>
+            </p:txBody>
+          </p:sp>
+          <p:cxnSp>
+            <p:nvCxnSpPr>
+              <p:cNvPr id="17" name="Straight Connector 16">
+                <a:extLst>
+                  <a:ext uri="{FF2B5EF4-FFF2-40B4-BE49-F238E27FC236}">
+                    <a16:creationId xmlns:a16="http://schemas.microsoft.com/office/drawing/2014/main" id="{C9B21610-66A1-4CAC-A492-9182E517B555}"/>
+                  </a:ext>
+                </a:extLst>
+              </p:cNvPr>
+              <p:cNvCxnSpPr>
+                <a:cxnSpLocks/>
+                <a:stCxn id="16" idx="2"/>
+                <a:endCxn id="15" idx="0"/>
+              </p:cNvCxnSpPr>
+              <p:nvPr/>
+            </p:nvCxnSpPr>
+            <p:spPr>
+              <a:xfrm>
+                <a:off x="4020588" y="1983522"/>
+                <a:ext cx="4199" cy="388890"/>
+              </a:xfrm>
+              <a:prstGeom prst="line">
+                <a:avLst/>
+              </a:prstGeom>
+              <a:ln w="28575">
+                <a:solidFill>
+                  <a:srgbClr val="0070C0"/>
+                </a:solidFill>
+                <a:prstDash val="sysDot"/>
+              </a:ln>
+            </p:spPr>
+            <p:style>
+              <a:lnRef idx="1">
+                <a:schemeClr val="accent1"/>
+              </a:lnRef>
+              <a:fillRef idx="0">
+                <a:schemeClr val="accent1"/>
+              </a:fillRef>
+              <a:effectRef idx="0">
+                <a:schemeClr val="accent1"/>
+              </a:effectRef>
+              <a:fontRef idx="minor">
+                <a:schemeClr val="tx1"/>
+              </a:fontRef>
+            </p:style>
+          </p:cxnSp>
+          <p:sp>
+            <p:nvSpPr>
+              <p:cNvPr id="21" name="Rectangle 20">
+                <a:extLst>
+                  <a:ext uri="{FF2B5EF4-FFF2-40B4-BE49-F238E27FC236}">
+                    <a16:creationId xmlns:a16="http://schemas.microsoft.com/office/drawing/2014/main" id="{66E11651-FDD6-4E5A-B60C-C5E941AE5E5D}"/>
+                  </a:ext>
+                </a:extLst>
+              </p:cNvPr>
+              <p:cNvSpPr/>
+              <p:nvPr/>
+            </p:nvSpPr>
+            <p:spPr>
+              <a:xfrm>
+                <a:off x="5896559" y="2769415"/>
+                <a:ext cx="190297" cy="111889"/>
+              </a:xfrm>
+              <a:prstGeom prst="rect">
+                <a:avLst/>
+              </a:prstGeom>
+              <a:solidFill>
+                <a:srgbClr val="0070C0"/>
+              </a:solidFill>
+              <a:ln>
+                <a:noFill/>
+              </a:ln>
+            </p:spPr>
+            <p:style>
+              <a:lnRef idx="2">
+                <a:schemeClr val="accent1">
+                  <a:shade val="50000"/>
+                </a:schemeClr>
+              </a:lnRef>
+              <a:fillRef idx="1">
+                <a:schemeClr val="accent1"/>
+              </a:fillRef>
+              <a:effectRef idx="0">
+                <a:schemeClr val="accent1"/>
+              </a:effectRef>
+              <a:fontRef idx="minor">
+                <a:schemeClr val="lt1"/>
+              </a:fontRef>
+            </p:style>
+            <p:txBody>
+              <a:bodyPr rtlCol="0" anchor="ctr"/>
+              <a:lstStyle/>
+              <a:p>
+                <a:pPr algn="ctr"/>
+                <a:endParaRPr lang="en-SG"/>
+              </a:p>
+            </p:txBody>
+          </p:sp>
+          <p:sp>
+            <p:nvSpPr>
+              <p:cNvPr id="22" name="TextBox 21">
+                <a:extLst>
+                  <a:ext uri="{FF2B5EF4-FFF2-40B4-BE49-F238E27FC236}">
+                    <a16:creationId xmlns:a16="http://schemas.microsoft.com/office/drawing/2014/main" id="{70528CC6-0136-4523-BCE5-13F0BA3A965D}"/>
+                  </a:ext>
+                </a:extLst>
+              </p:cNvPr>
+              <p:cNvSpPr txBox="1"/>
+              <p:nvPr/>
+            </p:nvSpPr>
+            <p:spPr>
+              <a:xfrm>
+                <a:off x="5172560" y="2123084"/>
+                <a:ext cx="1638300" cy="646331"/>
+              </a:xfrm>
+              <a:prstGeom prst="rect">
+                <a:avLst/>
+              </a:prstGeom>
+              <a:solidFill>
+                <a:srgbClr val="0070C0"/>
+              </a:solidFill>
+            </p:spPr>
+            <p:txBody>
+              <a:bodyPr wrap="square" rtlCol="0">
+                <a:spAutoFit/>
+              </a:bodyPr>
+              <a:lstStyle/>
+              <a:p>
+                <a:pPr algn="ctr"/>
+                <a:r>
+                  <a:rPr lang="en-SG" dirty="0">
+                    <a:solidFill>
+                      <a:schemeClr val="bg1"/>
+                    </a:solidFill>
+                  </a:rPr>
+                  <a:t>:</a:t>
+                </a:r>
+                <a:r>
+                  <a:rPr lang="en-SG" dirty="0" err="1">
+                    <a:solidFill>
+                      <a:schemeClr val="bg1"/>
+                    </a:solidFill>
+                  </a:rPr>
+                  <a:t>RateCommand</a:t>
+                </a:r>
+                <a:endParaRPr lang="en-SG" dirty="0">
+                  <a:solidFill>
+                    <a:schemeClr val="bg1"/>
+                  </a:solidFill>
+                </a:endParaRPr>
+              </a:p>
+              <a:p>
+                <a:pPr algn="ctr"/>
+                <a:r>
+                  <a:rPr lang="en-SG" dirty="0">
+                    <a:solidFill>
+                      <a:schemeClr val="bg1"/>
+                    </a:solidFill>
+                  </a:rPr>
+                  <a:t>Parser</a:t>
+                </a:r>
+              </a:p>
+            </p:txBody>
+          </p:sp>
+          <p:cxnSp>
+            <p:nvCxnSpPr>
+              <p:cNvPr id="23" name="Straight Connector 22">
+                <a:extLst>
+                  <a:ext uri="{FF2B5EF4-FFF2-40B4-BE49-F238E27FC236}">
+                    <a16:creationId xmlns:a16="http://schemas.microsoft.com/office/drawing/2014/main" id="{43C76252-7493-4B54-9CED-51F5D3586D37}"/>
+                  </a:ext>
+                </a:extLst>
+              </p:cNvPr>
+              <p:cNvCxnSpPr>
+                <a:cxnSpLocks/>
+                <a:stCxn id="21" idx="2"/>
+                <a:endCxn id="27" idx="0"/>
+              </p:cNvCxnSpPr>
+              <p:nvPr/>
+            </p:nvCxnSpPr>
+            <p:spPr>
+              <a:xfrm flipH="1">
+                <a:off x="5991707" y="2881304"/>
+                <a:ext cx="1" cy="139158"/>
+              </a:xfrm>
+              <a:prstGeom prst="line">
+                <a:avLst/>
+              </a:prstGeom>
+              <a:ln w="28575">
+                <a:solidFill>
+                  <a:srgbClr val="0070C0"/>
+                </a:solidFill>
+                <a:prstDash val="sysDot"/>
+              </a:ln>
+            </p:spPr>
+            <p:style>
+              <a:lnRef idx="1">
+                <a:schemeClr val="accent1"/>
+              </a:lnRef>
+              <a:fillRef idx="0">
+                <a:schemeClr val="accent1"/>
+              </a:fillRef>
+              <a:effectRef idx="0">
+                <a:schemeClr val="accent1"/>
+              </a:effectRef>
+              <a:fontRef idx="minor">
+                <a:schemeClr val="tx1"/>
+              </a:fontRef>
+            </p:style>
+          </p:cxnSp>
+          <p:sp>
+            <p:nvSpPr>
+              <p:cNvPr id="27" name="Rectangle 26">
+                <a:extLst>
+                  <a:ext uri="{FF2B5EF4-FFF2-40B4-BE49-F238E27FC236}">
+                    <a16:creationId xmlns:a16="http://schemas.microsoft.com/office/drawing/2014/main" id="{854A7E34-2530-4585-8826-4E4BCB4A6328}"/>
+                  </a:ext>
+                </a:extLst>
+              </p:cNvPr>
+              <p:cNvSpPr/>
+              <p:nvPr/>
+            </p:nvSpPr>
+            <p:spPr>
+              <a:xfrm>
+                <a:off x="5896558" y="3020462"/>
+                <a:ext cx="190297" cy="1253853"/>
+              </a:xfrm>
+              <a:prstGeom prst="rect">
+                <a:avLst/>
+              </a:prstGeom>
+              <a:solidFill>
+                <a:srgbClr val="0070C0"/>
+              </a:solidFill>
+              <a:ln>
+                <a:noFill/>
+              </a:ln>
+            </p:spPr>
+            <p:style>
+              <a:lnRef idx="2">
+                <a:schemeClr val="accent1">
+                  <a:shade val="50000"/>
+                </a:schemeClr>
+              </a:lnRef>
+              <a:fillRef idx="1">
+                <a:schemeClr val="accent1"/>
+              </a:fillRef>
+              <a:effectRef idx="0">
+                <a:schemeClr val="accent1"/>
+              </a:effectRef>
+              <a:fontRef idx="minor">
+                <a:schemeClr val="lt1"/>
+              </a:fontRef>
+            </p:style>
+            <p:txBody>
+              <a:bodyPr rtlCol="0" anchor="ctr"/>
+              <a:lstStyle/>
+              <a:p>
+                <a:pPr algn="ctr"/>
+                <a:endParaRPr lang="en-SG"/>
+              </a:p>
+            </p:txBody>
+          </p:sp>
+          <p:cxnSp>
+            <p:nvCxnSpPr>
+              <p:cNvPr id="30" name="Straight Connector 29">
+                <a:extLst>
+                  <a:ext uri="{FF2B5EF4-FFF2-40B4-BE49-F238E27FC236}">
+                    <a16:creationId xmlns:a16="http://schemas.microsoft.com/office/drawing/2014/main" id="{2E14EEE3-AA69-40B8-B940-183442AB867A}"/>
+                  </a:ext>
+                </a:extLst>
+              </p:cNvPr>
+              <p:cNvCxnSpPr>
+                <a:cxnSpLocks/>
+                <a:stCxn id="27" idx="2"/>
+              </p:cNvCxnSpPr>
+              <p:nvPr/>
+            </p:nvCxnSpPr>
+            <p:spPr>
+              <a:xfrm>
+                <a:off x="5991707" y="4274315"/>
+                <a:ext cx="0" cy="154810"/>
+              </a:xfrm>
+              <a:prstGeom prst="line">
+                <a:avLst/>
+              </a:prstGeom>
+              <a:ln w="28575">
+                <a:solidFill>
+                  <a:srgbClr val="0070C0"/>
+                </a:solidFill>
+                <a:prstDash val="sysDot"/>
+              </a:ln>
+            </p:spPr>
+            <p:style>
+              <a:lnRef idx="1">
+                <a:schemeClr val="accent1"/>
+              </a:lnRef>
+              <a:fillRef idx="0">
+                <a:schemeClr val="accent1"/>
+              </a:fillRef>
+              <a:effectRef idx="0">
+                <a:schemeClr val="accent1"/>
+              </a:effectRef>
+              <a:fontRef idx="minor">
+                <a:schemeClr val="tx1"/>
+              </a:fontRef>
+            </p:style>
+          </p:cxnSp>
+          <p:sp>
+            <p:nvSpPr>
+              <p:cNvPr id="37" name="TextBox 36">
+                <a:extLst>
+                  <a:ext uri="{FF2B5EF4-FFF2-40B4-BE49-F238E27FC236}">
+                    <a16:creationId xmlns:a16="http://schemas.microsoft.com/office/drawing/2014/main" id="{D1DF58F3-59BB-451C-9F44-B6DC2737E848}"/>
+                  </a:ext>
+                </a:extLst>
+              </p:cNvPr>
+              <p:cNvSpPr txBox="1"/>
+              <p:nvPr/>
+            </p:nvSpPr>
+            <p:spPr>
+              <a:xfrm>
+                <a:off x="5839260" y="4274315"/>
+                <a:ext cx="304892" cy="369332"/>
+              </a:xfrm>
+              <a:prstGeom prst="rect">
+                <a:avLst/>
+              </a:prstGeom>
+              <a:noFill/>
+            </p:spPr>
+            <p:txBody>
+              <a:bodyPr wrap="square" rtlCol="0">
+                <a:spAutoFit/>
+              </a:bodyPr>
+              <a:lstStyle/>
+              <a:p>
+                <a:r>
+                  <a:rPr lang="en-SG" dirty="0"/>
+                  <a:t>X</a:t>
+                </a:r>
+              </a:p>
+            </p:txBody>
+          </p:sp>
+          <p:sp>
+            <p:nvSpPr>
+              <p:cNvPr id="39" name="Rectangle 38">
+                <a:extLst>
+                  <a:ext uri="{FF2B5EF4-FFF2-40B4-BE49-F238E27FC236}">
+                    <a16:creationId xmlns:a16="http://schemas.microsoft.com/office/drawing/2014/main" id="{B8E784E7-11A6-4F7E-9427-94DEDE8A1F56}"/>
+                  </a:ext>
+                </a:extLst>
+              </p:cNvPr>
+              <p:cNvSpPr/>
+              <p:nvPr/>
+            </p:nvSpPr>
+            <p:spPr>
+              <a:xfrm>
+                <a:off x="7972791" y="3230017"/>
+                <a:ext cx="190297" cy="941933"/>
+              </a:xfrm>
+              <a:prstGeom prst="rect">
+                <a:avLst/>
+              </a:prstGeom>
+              <a:solidFill>
+                <a:srgbClr val="0070C0"/>
+              </a:solidFill>
+              <a:ln>
+                <a:noFill/>
+              </a:ln>
+            </p:spPr>
+            <p:style>
+              <a:lnRef idx="2">
+                <a:schemeClr val="accent1">
+                  <a:shade val="50000"/>
+                </a:schemeClr>
+              </a:lnRef>
+              <a:fillRef idx="1">
+                <a:schemeClr val="accent1"/>
+              </a:fillRef>
+              <a:effectRef idx="0">
+                <a:schemeClr val="accent1"/>
+              </a:effectRef>
+              <a:fontRef idx="minor">
+                <a:schemeClr val="lt1"/>
+              </a:fontRef>
+            </p:style>
+            <p:txBody>
+              <a:bodyPr rtlCol="0" anchor="ctr"/>
+              <a:lstStyle/>
+              <a:p>
+                <a:pPr algn="ctr"/>
+                <a:endParaRPr lang="en-SG"/>
+              </a:p>
+            </p:txBody>
+          </p:sp>
+          <p:sp>
+            <p:nvSpPr>
+              <p:cNvPr id="40" name="TextBox 39">
+                <a:extLst>
+                  <a:ext uri="{FF2B5EF4-FFF2-40B4-BE49-F238E27FC236}">
+                    <a16:creationId xmlns:a16="http://schemas.microsoft.com/office/drawing/2014/main" id="{1F8DEED6-E9EE-44CC-8388-DF78D15E624B}"/>
+                  </a:ext>
+                </a:extLst>
+              </p:cNvPr>
+              <p:cNvSpPr txBox="1"/>
+              <p:nvPr/>
+            </p:nvSpPr>
+            <p:spPr>
+              <a:xfrm>
+                <a:off x="7248792" y="2583686"/>
+                <a:ext cx="1638300" cy="646331"/>
+              </a:xfrm>
+              <a:prstGeom prst="rect">
+                <a:avLst/>
+              </a:prstGeom>
+              <a:solidFill>
+                <a:srgbClr val="0070C0"/>
+              </a:solidFill>
+            </p:spPr>
+            <p:txBody>
+              <a:bodyPr wrap="square" rtlCol="0">
+                <a:spAutoFit/>
+              </a:bodyPr>
+              <a:lstStyle/>
+              <a:p>
+                <a:pPr algn="ctr"/>
+                <a:r>
+                  <a:rPr lang="en-SG" dirty="0">
+                    <a:solidFill>
+                      <a:schemeClr val="bg1"/>
+                    </a:solidFill>
+                  </a:rPr>
+                  <a:t>r:Rate</a:t>
+                </a:r>
+              </a:p>
+              <a:p>
+                <a:pPr algn="ctr"/>
+                <a:r>
+                  <a:rPr lang="en-SG" dirty="0">
+                    <a:solidFill>
+                      <a:schemeClr val="bg1"/>
+                    </a:solidFill>
+                  </a:rPr>
+                  <a:t>Command</a:t>
+                </a:r>
+              </a:p>
+            </p:txBody>
+          </p:sp>
+          <p:cxnSp>
+            <p:nvCxnSpPr>
+              <p:cNvPr id="41" name="Straight Connector 40">
+                <a:extLst>
+                  <a:ext uri="{FF2B5EF4-FFF2-40B4-BE49-F238E27FC236}">
+                    <a16:creationId xmlns:a16="http://schemas.microsoft.com/office/drawing/2014/main" id="{E2A7DBC7-11E4-470D-B6A8-79BDD0AF67A3}"/>
+                  </a:ext>
+                </a:extLst>
+              </p:cNvPr>
+              <p:cNvCxnSpPr>
+                <a:cxnSpLocks/>
+                <a:stCxn id="39" idx="2"/>
+                <a:endCxn id="42" idx="0"/>
+              </p:cNvCxnSpPr>
+              <p:nvPr/>
+            </p:nvCxnSpPr>
+            <p:spPr>
+              <a:xfrm>
+                <a:off x="8067940" y="4171950"/>
+                <a:ext cx="0" cy="614572"/>
+              </a:xfrm>
+              <a:prstGeom prst="line">
+                <a:avLst/>
+              </a:prstGeom>
+              <a:ln w="28575">
+                <a:solidFill>
+                  <a:srgbClr val="0070C0"/>
+                </a:solidFill>
+                <a:prstDash val="sysDot"/>
+              </a:ln>
+            </p:spPr>
+            <p:style>
+              <a:lnRef idx="1">
+                <a:schemeClr val="accent1"/>
+              </a:lnRef>
+              <a:fillRef idx="0">
+                <a:schemeClr val="accent1"/>
+              </a:fillRef>
+              <a:effectRef idx="0">
+                <a:schemeClr val="accent1"/>
+              </a:effectRef>
+              <a:fontRef idx="minor">
+                <a:schemeClr val="tx1"/>
+              </a:fontRef>
+            </p:style>
+          </p:cxnSp>
+          <p:sp>
+            <p:nvSpPr>
+              <p:cNvPr id="42" name="Rectangle 41">
+                <a:extLst>
+                  <a:ext uri="{FF2B5EF4-FFF2-40B4-BE49-F238E27FC236}">
+                    <a16:creationId xmlns:a16="http://schemas.microsoft.com/office/drawing/2014/main" id="{B24DAB33-6DA0-4619-BC56-6B3A0EE097EA}"/>
+                  </a:ext>
+                </a:extLst>
+              </p:cNvPr>
+              <p:cNvSpPr/>
+              <p:nvPr/>
+            </p:nvSpPr>
+            <p:spPr>
+              <a:xfrm>
+                <a:off x="7972791" y="4786522"/>
+                <a:ext cx="190297" cy="1253853"/>
+              </a:xfrm>
+              <a:prstGeom prst="rect">
+                <a:avLst/>
+              </a:prstGeom>
+              <a:solidFill>
+                <a:srgbClr val="0070C0"/>
+              </a:solidFill>
+              <a:ln>
+                <a:noFill/>
+              </a:ln>
+            </p:spPr>
+            <p:style>
+              <a:lnRef idx="2">
+                <a:schemeClr val="accent1">
+                  <a:shade val="50000"/>
+                </a:schemeClr>
+              </a:lnRef>
+              <a:fillRef idx="1">
+                <a:schemeClr val="accent1"/>
+              </a:fillRef>
+              <a:effectRef idx="0">
+                <a:schemeClr val="accent1"/>
+              </a:effectRef>
+              <a:fontRef idx="minor">
+                <a:schemeClr val="lt1"/>
+              </a:fontRef>
+            </p:style>
+            <p:txBody>
+              <a:bodyPr rtlCol="0" anchor="ctr"/>
+              <a:lstStyle/>
+              <a:p>
+                <a:pPr algn="ctr"/>
+                <a:endParaRPr lang="en-SG"/>
+              </a:p>
+            </p:txBody>
+          </p:sp>
+          <p:sp>
+            <p:nvSpPr>
+              <p:cNvPr id="46" name="Rectangle 45">
+                <a:extLst>
+                  <a:ext uri="{FF2B5EF4-FFF2-40B4-BE49-F238E27FC236}">
+                    <a16:creationId xmlns:a16="http://schemas.microsoft.com/office/drawing/2014/main" id="{D41E4CF0-B643-4416-81B6-6B21876F32C0}"/>
+                  </a:ext>
+                </a:extLst>
+              </p:cNvPr>
+              <p:cNvSpPr/>
+              <p:nvPr/>
+            </p:nvSpPr>
+            <p:spPr>
+              <a:xfrm>
+                <a:off x="9325692" y="5839745"/>
+                <a:ext cx="190297" cy="111889"/>
+              </a:xfrm>
+              <a:prstGeom prst="rect">
+                <a:avLst/>
+              </a:prstGeom>
+              <a:solidFill>
+                <a:srgbClr val="0070C0"/>
+              </a:solidFill>
+              <a:ln>
+                <a:noFill/>
+              </a:ln>
+            </p:spPr>
+            <p:style>
+              <a:lnRef idx="2">
+                <a:schemeClr val="accent1">
+                  <a:shade val="50000"/>
+                </a:schemeClr>
+              </a:lnRef>
+              <a:fillRef idx="1">
+                <a:schemeClr val="accent1"/>
+              </a:fillRef>
+              <a:effectRef idx="0">
+                <a:schemeClr val="accent1"/>
+              </a:effectRef>
+              <a:fontRef idx="minor">
+                <a:schemeClr val="lt1"/>
+              </a:fontRef>
+            </p:style>
+            <p:txBody>
+              <a:bodyPr rtlCol="0" anchor="ctr"/>
+              <a:lstStyle/>
+              <a:p>
+                <a:pPr algn="ctr"/>
+                <a:endParaRPr lang="en-SG"/>
+              </a:p>
+            </p:txBody>
+          </p:sp>
+          <p:sp>
+            <p:nvSpPr>
+              <p:cNvPr id="47" name="TextBox 46">
+                <a:extLst>
+                  <a:ext uri="{FF2B5EF4-FFF2-40B4-BE49-F238E27FC236}">
+                    <a16:creationId xmlns:a16="http://schemas.microsoft.com/office/drawing/2014/main" id="{0FA085DC-52BF-4EEB-9F73-3060C33681BE}"/>
+                  </a:ext>
+                </a:extLst>
+              </p:cNvPr>
+              <p:cNvSpPr txBox="1"/>
+              <p:nvPr/>
+            </p:nvSpPr>
+            <p:spPr>
+              <a:xfrm>
+                <a:off x="8601692" y="5193414"/>
+                <a:ext cx="1790815" cy="646331"/>
+              </a:xfrm>
+              <a:prstGeom prst="rect">
+                <a:avLst/>
+              </a:prstGeom>
+              <a:solidFill>
+                <a:srgbClr val="0070C0"/>
+              </a:solidFill>
+            </p:spPr>
+            <p:txBody>
+              <a:bodyPr wrap="square" rtlCol="0">
+                <a:spAutoFit/>
+              </a:bodyPr>
+              <a:lstStyle/>
+              <a:p>
+                <a:pPr algn="ctr"/>
+                <a:r>
+                  <a:rPr lang="en-SG" dirty="0" err="1">
+                    <a:solidFill>
+                      <a:schemeClr val="bg1"/>
+                    </a:solidFill>
+                  </a:rPr>
+                  <a:t>result:CommandResult</a:t>
+                </a:r>
+                <a:endParaRPr lang="en-SG" dirty="0">
+                  <a:solidFill>
+                    <a:schemeClr val="bg1"/>
+                  </a:solidFill>
+                </a:endParaRPr>
+              </a:p>
+            </p:txBody>
+          </p:sp>
+          <p:cxnSp>
+            <p:nvCxnSpPr>
+              <p:cNvPr id="50" name="Straight Connector 49">
+                <a:extLst>
+                  <a:ext uri="{FF2B5EF4-FFF2-40B4-BE49-F238E27FC236}">
+                    <a16:creationId xmlns:a16="http://schemas.microsoft.com/office/drawing/2014/main" id="{8E2448D3-DA38-41ED-B7FB-DFA7B2154002}"/>
+                  </a:ext>
+                </a:extLst>
+              </p:cNvPr>
+              <p:cNvCxnSpPr>
+                <a:cxnSpLocks/>
+                <a:stCxn id="15" idx="2"/>
+              </p:cNvCxnSpPr>
+              <p:nvPr/>
+            </p:nvCxnSpPr>
+            <p:spPr>
+              <a:xfrm flipH="1">
+                <a:off x="4020583" y="4394580"/>
+                <a:ext cx="4204" cy="249067"/>
+              </a:xfrm>
+              <a:prstGeom prst="line">
+                <a:avLst/>
+              </a:prstGeom>
+              <a:ln w="28575">
+                <a:solidFill>
+                  <a:srgbClr val="0070C0"/>
+                </a:solidFill>
+                <a:prstDash val="sysDot"/>
+              </a:ln>
+            </p:spPr>
+            <p:style>
+              <a:lnRef idx="1">
+                <a:schemeClr val="accent1"/>
+              </a:lnRef>
+              <a:fillRef idx="0">
+                <a:schemeClr val="accent1"/>
+              </a:fillRef>
+              <a:effectRef idx="0">
+                <a:schemeClr val="accent1"/>
+              </a:effectRef>
+              <a:fontRef idx="minor">
+                <a:schemeClr val="tx1"/>
+              </a:fontRef>
+            </p:style>
+          </p:cxnSp>
+          <p:cxnSp>
+            <p:nvCxnSpPr>
+              <p:cNvPr id="54" name="Straight Connector 53">
+                <a:extLst>
+                  <a:ext uri="{FF2B5EF4-FFF2-40B4-BE49-F238E27FC236}">
+                    <a16:creationId xmlns:a16="http://schemas.microsoft.com/office/drawing/2014/main" id="{3D64C8DE-748A-4C0E-8F4B-44F7DEFE540E}"/>
+                  </a:ext>
+                </a:extLst>
+              </p:cNvPr>
+              <p:cNvCxnSpPr>
+                <a:cxnSpLocks/>
+                <a:stCxn id="42" idx="2"/>
+              </p:cNvCxnSpPr>
+              <p:nvPr/>
+            </p:nvCxnSpPr>
+            <p:spPr>
+              <a:xfrm>
+                <a:off x="8067940" y="6040375"/>
+                <a:ext cx="0" cy="322324"/>
+              </a:xfrm>
+              <a:prstGeom prst="line">
+                <a:avLst/>
+              </a:prstGeom>
+              <a:ln w="28575">
+                <a:solidFill>
+                  <a:srgbClr val="0070C0"/>
+                </a:solidFill>
+                <a:prstDash val="sysDot"/>
+              </a:ln>
+            </p:spPr>
+            <p:style>
+              <a:lnRef idx="1">
+                <a:schemeClr val="accent1"/>
+              </a:lnRef>
+              <a:fillRef idx="0">
+                <a:schemeClr val="accent1"/>
+              </a:fillRef>
+              <a:effectRef idx="0">
+                <a:schemeClr val="accent1"/>
+              </a:effectRef>
+              <a:fontRef idx="minor">
+                <a:schemeClr val="tx1"/>
+              </a:fontRef>
+            </p:style>
+          </p:cxnSp>
+          <p:cxnSp>
+            <p:nvCxnSpPr>
+              <p:cNvPr id="60" name="Straight Arrow Connector 59">
+                <a:extLst>
+                  <a:ext uri="{FF2B5EF4-FFF2-40B4-BE49-F238E27FC236}">
+                    <a16:creationId xmlns:a16="http://schemas.microsoft.com/office/drawing/2014/main" id="{8EB5EDB3-2877-4032-91B7-76B23463E5AC}"/>
+                  </a:ext>
+                </a:extLst>
+              </p:cNvPr>
+              <p:cNvCxnSpPr/>
+              <p:nvPr/>
+            </p:nvCxnSpPr>
+            <p:spPr>
+              <a:xfrm>
+                <a:off x="2143063" y="2403730"/>
+                <a:ext cx="1782370" cy="0"/>
+              </a:xfrm>
+              <a:prstGeom prst="straightConnector1">
+                <a:avLst/>
+              </a:prstGeom>
+              <a:ln w="38100">
+                <a:solidFill>
+                  <a:srgbClr val="0070C0"/>
+                </a:solidFill>
+                <a:tailEnd type="triangle"/>
+              </a:ln>
+            </p:spPr>
+            <p:style>
+              <a:lnRef idx="1">
+                <a:schemeClr val="accent1"/>
+              </a:lnRef>
+              <a:fillRef idx="0">
+                <a:schemeClr val="accent1"/>
+              </a:fillRef>
+              <a:effectRef idx="0">
+                <a:schemeClr val="accent1"/>
+              </a:effectRef>
+              <a:fontRef idx="minor">
+                <a:schemeClr val="tx1"/>
+              </a:fontRef>
+            </p:style>
+          </p:cxnSp>
+          <p:cxnSp>
+            <p:nvCxnSpPr>
+              <p:cNvPr id="61" name="Straight Arrow Connector 60">
+                <a:extLst>
+                  <a:ext uri="{FF2B5EF4-FFF2-40B4-BE49-F238E27FC236}">
+                    <a16:creationId xmlns:a16="http://schemas.microsoft.com/office/drawing/2014/main" id="{5D8FFCBE-9441-4725-9C77-F312DEF610D5}"/>
+                  </a:ext>
+                </a:extLst>
+              </p:cNvPr>
+              <p:cNvCxnSpPr>
+                <a:cxnSpLocks/>
+              </p:cNvCxnSpPr>
+              <p:nvPr/>
+            </p:nvCxnSpPr>
+            <p:spPr>
+              <a:xfrm flipH="1">
+                <a:off x="2143063" y="4374710"/>
+                <a:ext cx="1782371" cy="0"/>
+              </a:xfrm>
+              <a:prstGeom prst="straightConnector1">
+                <a:avLst/>
+              </a:prstGeom>
+              <a:ln w="38100">
+                <a:solidFill>
+                  <a:srgbClr val="0070C0"/>
+                </a:solidFill>
+                <a:prstDash val="sysDot"/>
+                <a:tailEnd type="triangle"/>
+              </a:ln>
+            </p:spPr>
+            <p:style>
+              <a:lnRef idx="1">
+                <a:schemeClr val="accent1"/>
+              </a:lnRef>
+              <a:fillRef idx="0">
+                <a:schemeClr val="accent1"/>
+              </a:fillRef>
+              <a:effectRef idx="0">
+                <a:schemeClr val="accent1"/>
+              </a:effectRef>
+              <a:fontRef idx="minor">
+                <a:schemeClr val="tx1"/>
+              </a:fontRef>
+            </p:style>
+          </p:cxnSp>
+          <p:cxnSp>
+            <p:nvCxnSpPr>
+              <p:cNvPr id="67" name="Straight Arrow Connector 66">
+                <a:extLst>
+                  <a:ext uri="{FF2B5EF4-FFF2-40B4-BE49-F238E27FC236}">
+                    <a16:creationId xmlns:a16="http://schemas.microsoft.com/office/drawing/2014/main" id="{689938D5-EF31-4C0F-A4AA-A37C540D5EC4}"/>
+                  </a:ext>
+                </a:extLst>
+              </p:cNvPr>
+              <p:cNvCxnSpPr>
+                <a:cxnSpLocks/>
+              </p:cNvCxnSpPr>
+              <p:nvPr/>
+            </p:nvCxnSpPr>
+            <p:spPr>
+              <a:xfrm flipH="1">
+                <a:off x="4114187" y="4258000"/>
+                <a:ext cx="1782371" cy="0"/>
+              </a:xfrm>
+              <a:prstGeom prst="straightConnector1">
+                <a:avLst/>
+              </a:prstGeom>
+              <a:ln w="38100">
+                <a:solidFill>
+                  <a:srgbClr val="0070C0"/>
+                </a:solidFill>
+                <a:prstDash val="sysDot"/>
+                <a:tailEnd type="triangle"/>
+              </a:ln>
+            </p:spPr>
+            <p:style>
+              <a:lnRef idx="1">
+                <a:schemeClr val="accent1"/>
+              </a:lnRef>
+              <a:fillRef idx="0">
+                <a:schemeClr val="accent1"/>
+              </a:fillRef>
+              <a:effectRef idx="0">
+                <a:schemeClr val="accent1"/>
+              </a:effectRef>
+              <a:fontRef idx="minor">
+                <a:schemeClr val="tx1"/>
+              </a:fontRef>
+            </p:style>
+          </p:cxnSp>
+          <p:cxnSp>
+            <p:nvCxnSpPr>
+              <p:cNvPr id="68" name="Straight Arrow Connector 67">
+                <a:extLst>
+                  <a:ext uri="{FF2B5EF4-FFF2-40B4-BE49-F238E27FC236}">
+                    <a16:creationId xmlns:a16="http://schemas.microsoft.com/office/drawing/2014/main" id="{06742E92-3788-49B9-BE85-8F034CAF4AF0}"/>
+                  </a:ext>
+                </a:extLst>
+              </p:cNvPr>
+              <p:cNvCxnSpPr/>
+              <p:nvPr/>
+            </p:nvCxnSpPr>
+            <p:spPr>
+              <a:xfrm>
+                <a:off x="4114187" y="3041218"/>
+                <a:ext cx="1782370" cy="0"/>
+              </a:xfrm>
+              <a:prstGeom prst="straightConnector1">
+                <a:avLst/>
+              </a:prstGeom>
+              <a:ln w="38100">
+                <a:solidFill>
+                  <a:srgbClr val="0070C0"/>
+                </a:solidFill>
+                <a:tailEnd type="triangle"/>
+              </a:ln>
+            </p:spPr>
+            <p:style>
+              <a:lnRef idx="1">
+                <a:schemeClr val="accent1"/>
+              </a:lnRef>
+              <a:fillRef idx="0">
+                <a:schemeClr val="accent1"/>
+              </a:fillRef>
+              <a:effectRef idx="0">
+                <a:schemeClr val="accent1"/>
+              </a:effectRef>
+              <a:fontRef idx="minor">
+                <a:schemeClr val="tx1"/>
+              </a:fontRef>
+            </p:style>
+          </p:cxnSp>
+          <p:cxnSp>
+            <p:nvCxnSpPr>
+              <p:cNvPr id="69" name="Straight Arrow Connector 68">
+                <a:extLst>
+                  <a:ext uri="{FF2B5EF4-FFF2-40B4-BE49-F238E27FC236}">
+                    <a16:creationId xmlns:a16="http://schemas.microsoft.com/office/drawing/2014/main" id="{7607B5D3-7FAD-48E8-8A78-F1CDB0FBF9F9}"/>
+                  </a:ext>
+                </a:extLst>
+              </p:cNvPr>
+              <p:cNvCxnSpPr>
+                <a:cxnSpLocks/>
+              </p:cNvCxnSpPr>
+              <p:nvPr/>
+            </p:nvCxnSpPr>
+            <p:spPr>
+              <a:xfrm>
+                <a:off x="4114187" y="2462604"/>
+                <a:ext cx="1068221" cy="0"/>
+              </a:xfrm>
+              <a:prstGeom prst="straightConnector1">
+                <a:avLst/>
+              </a:prstGeom>
+              <a:ln w="38100">
+                <a:solidFill>
+                  <a:srgbClr val="0070C0"/>
+                </a:solidFill>
+                <a:tailEnd type="triangle"/>
+              </a:ln>
+            </p:spPr>
+            <p:style>
+              <a:lnRef idx="1">
+                <a:schemeClr val="accent1"/>
+              </a:lnRef>
+              <a:fillRef idx="0">
+                <a:schemeClr val="accent1"/>
+              </a:fillRef>
+              <a:effectRef idx="0">
+                <a:schemeClr val="accent1"/>
+              </a:effectRef>
+              <a:fontRef idx="minor">
+                <a:schemeClr val="tx1"/>
+              </a:fontRef>
+            </p:style>
+          </p:cxnSp>
+          <p:cxnSp>
+            <p:nvCxnSpPr>
+              <p:cNvPr id="74" name="Straight Arrow Connector 73">
+                <a:extLst>
+                  <a:ext uri="{FF2B5EF4-FFF2-40B4-BE49-F238E27FC236}">
+                    <a16:creationId xmlns:a16="http://schemas.microsoft.com/office/drawing/2014/main" id="{03112C42-4DCF-4814-8B67-0B85D7C1FDEB}"/>
+                  </a:ext>
+                </a:extLst>
+              </p:cNvPr>
+              <p:cNvCxnSpPr>
+                <a:cxnSpLocks/>
+              </p:cNvCxnSpPr>
+              <p:nvPr/>
+            </p:nvCxnSpPr>
+            <p:spPr>
+              <a:xfrm>
+                <a:off x="2143063" y="4813555"/>
+                <a:ext cx="5829728" cy="0"/>
+              </a:xfrm>
+              <a:prstGeom prst="straightConnector1">
+                <a:avLst/>
+              </a:prstGeom>
+              <a:ln w="38100">
+                <a:solidFill>
+                  <a:srgbClr val="0070C0"/>
+                </a:solidFill>
+                <a:tailEnd type="triangle"/>
+              </a:ln>
+            </p:spPr>
+            <p:style>
+              <a:lnRef idx="1">
+                <a:schemeClr val="accent1"/>
+              </a:lnRef>
+              <a:fillRef idx="0">
+                <a:schemeClr val="accent1"/>
+              </a:fillRef>
+              <a:effectRef idx="0">
+                <a:schemeClr val="accent1"/>
+              </a:effectRef>
+              <a:fontRef idx="minor">
+                <a:schemeClr val="tx1"/>
+              </a:fontRef>
+            </p:style>
+          </p:cxnSp>
+          <p:cxnSp>
+            <p:nvCxnSpPr>
+              <p:cNvPr id="78" name="Straight Arrow Connector 77">
+                <a:extLst>
+                  <a:ext uri="{FF2B5EF4-FFF2-40B4-BE49-F238E27FC236}">
+                    <a16:creationId xmlns:a16="http://schemas.microsoft.com/office/drawing/2014/main" id="{F8D58AA4-DB87-4FAF-9E01-79B82F89F43D}"/>
+                  </a:ext>
+                </a:extLst>
+              </p:cNvPr>
+              <p:cNvCxnSpPr>
+                <a:cxnSpLocks/>
+              </p:cNvCxnSpPr>
+              <p:nvPr/>
+            </p:nvCxnSpPr>
+            <p:spPr>
+              <a:xfrm flipH="1">
+                <a:off x="2143063" y="6024060"/>
+                <a:ext cx="5829729" cy="0"/>
+              </a:xfrm>
+              <a:prstGeom prst="straightConnector1">
+                <a:avLst/>
+              </a:prstGeom>
+              <a:ln w="38100">
+                <a:solidFill>
+                  <a:srgbClr val="0070C0"/>
+                </a:solidFill>
+                <a:prstDash val="sysDot"/>
+                <a:tailEnd type="triangle"/>
+              </a:ln>
+            </p:spPr>
+            <p:style>
+              <a:lnRef idx="1">
+                <a:schemeClr val="accent1"/>
+              </a:lnRef>
+              <a:fillRef idx="0">
+                <a:schemeClr val="accent1"/>
+              </a:fillRef>
+              <a:effectRef idx="0">
+                <a:schemeClr val="accent1"/>
+              </a:effectRef>
+              <a:fontRef idx="minor">
+                <a:schemeClr val="tx1"/>
+              </a:fontRef>
+            </p:style>
+          </p:cxnSp>
+          <p:cxnSp>
+            <p:nvCxnSpPr>
+              <p:cNvPr id="80" name="Straight Arrow Connector 79">
+                <a:extLst>
+                  <a:ext uri="{FF2B5EF4-FFF2-40B4-BE49-F238E27FC236}">
+                    <a16:creationId xmlns:a16="http://schemas.microsoft.com/office/drawing/2014/main" id="{A8B89225-7561-4F1F-9474-73A5C0D47B50}"/>
+                  </a:ext>
+                </a:extLst>
+              </p:cNvPr>
+              <p:cNvCxnSpPr>
+                <a:cxnSpLocks/>
+              </p:cNvCxnSpPr>
+              <p:nvPr/>
+            </p:nvCxnSpPr>
+            <p:spPr>
+              <a:xfrm>
+                <a:off x="8163088" y="5460873"/>
+                <a:ext cx="438605" cy="0"/>
+              </a:xfrm>
+              <a:prstGeom prst="straightConnector1">
+                <a:avLst/>
+              </a:prstGeom>
+              <a:ln w="38100">
+                <a:solidFill>
+                  <a:srgbClr val="0070C0"/>
+                </a:solidFill>
+                <a:tailEnd type="triangle"/>
+              </a:ln>
+            </p:spPr>
+            <p:style>
+              <a:lnRef idx="1">
+                <a:schemeClr val="accent1"/>
+              </a:lnRef>
+              <a:fillRef idx="0">
+                <a:schemeClr val="accent1"/>
+              </a:fillRef>
+              <a:effectRef idx="0">
+                <a:schemeClr val="accent1"/>
+              </a:effectRef>
+              <a:fontRef idx="minor">
+                <a:schemeClr val="tx1"/>
+              </a:fontRef>
+            </p:style>
+          </p:cxnSp>
+          <p:cxnSp>
+            <p:nvCxnSpPr>
+              <p:cNvPr id="84" name="Straight Arrow Connector 83">
+                <a:extLst>
+                  <a:ext uri="{FF2B5EF4-FFF2-40B4-BE49-F238E27FC236}">
+                    <a16:creationId xmlns:a16="http://schemas.microsoft.com/office/drawing/2014/main" id="{FD0AAF4E-65D6-4A00-8666-F0E025985427}"/>
+                  </a:ext>
+                </a:extLst>
+              </p:cNvPr>
+              <p:cNvCxnSpPr>
+                <a:cxnSpLocks/>
+              </p:cNvCxnSpPr>
+              <p:nvPr/>
+            </p:nvCxnSpPr>
+            <p:spPr>
+              <a:xfrm flipH="1">
+                <a:off x="8163088" y="5932584"/>
+                <a:ext cx="1162605" cy="0"/>
+              </a:xfrm>
+              <a:prstGeom prst="straightConnector1">
+                <a:avLst/>
+              </a:prstGeom>
+              <a:ln w="38100">
+                <a:solidFill>
+                  <a:srgbClr val="0070C0"/>
+                </a:solidFill>
+                <a:prstDash val="sysDot"/>
+                <a:tailEnd type="triangle"/>
+              </a:ln>
+            </p:spPr>
+            <p:style>
+              <a:lnRef idx="1">
+                <a:schemeClr val="accent1"/>
+              </a:lnRef>
+              <a:fillRef idx="0">
+                <a:schemeClr val="accent1"/>
+              </a:fillRef>
+              <a:effectRef idx="0">
+                <a:schemeClr val="accent1"/>
+              </a:effectRef>
+              <a:fontRef idx="minor">
+                <a:schemeClr val="tx1"/>
+              </a:fontRef>
+            </p:style>
+          </p:cxnSp>
+          <p:cxnSp>
+            <p:nvCxnSpPr>
+              <p:cNvPr id="86" name="Straight Arrow Connector 85">
+                <a:extLst>
+                  <a:ext uri="{FF2B5EF4-FFF2-40B4-BE49-F238E27FC236}">
+                    <a16:creationId xmlns:a16="http://schemas.microsoft.com/office/drawing/2014/main" id="{CAAF6643-6EDF-4C96-B6A8-A29B442EE782}"/>
+                  </a:ext>
+                </a:extLst>
+              </p:cNvPr>
+              <p:cNvCxnSpPr>
+                <a:cxnSpLocks/>
+              </p:cNvCxnSpPr>
+              <p:nvPr/>
+            </p:nvCxnSpPr>
+            <p:spPr>
+              <a:xfrm>
+                <a:off x="133350" y="2273475"/>
+                <a:ext cx="1819452" cy="0"/>
+              </a:xfrm>
+              <a:prstGeom prst="straightConnector1">
+                <a:avLst/>
+              </a:prstGeom>
+              <a:ln w="38100">
+                <a:solidFill>
+                  <a:schemeClr val="accent6"/>
+                </a:solidFill>
+                <a:tailEnd type="triangle"/>
+              </a:ln>
+            </p:spPr>
+            <p:style>
+              <a:lnRef idx="1">
+                <a:schemeClr val="accent1"/>
+              </a:lnRef>
+              <a:fillRef idx="0">
+                <a:schemeClr val="accent1"/>
+              </a:fillRef>
+              <a:effectRef idx="0">
+                <a:schemeClr val="accent1"/>
+              </a:effectRef>
+              <a:fontRef idx="minor">
+                <a:schemeClr val="tx1"/>
+              </a:fontRef>
+            </p:style>
+          </p:cxnSp>
+          <p:cxnSp>
+            <p:nvCxnSpPr>
+              <p:cNvPr id="88" name="Straight Arrow Connector 87">
+                <a:extLst>
+                  <a:ext uri="{FF2B5EF4-FFF2-40B4-BE49-F238E27FC236}">
+                    <a16:creationId xmlns:a16="http://schemas.microsoft.com/office/drawing/2014/main" id="{8FB13AA7-35FC-470F-B361-059709F55615}"/>
+                  </a:ext>
+                </a:extLst>
+              </p:cNvPr>
+              <p:cNvCxnSpPr>
+                <a:cxnSpLocks/>
+              </p:cNvCxnSpPr>
+              <p:nvPr/>
+            </p:nvCxnSpPr>
+            <p:spPr>
+              <a:xfrm flipH="1">
+                <a:off x="133350" y="6333813"/>
+                <a:ext cx="1819454" cy="0"/>
+              </a:xfrm>
+              <a:prstGeom prst="straightConnector1">
+                <a:avLst/>
+              </a:prstGeom>
+              <a:ln w="38100">
+                <a:solidFill>
+                  <a:srgbClr val="0070C0"/>
+                </a:solidFill>
+                <a:prstDash val="sysDot"/>
+                <a:tailEnd type="triangle"/>
+              </a:ln>
+            </p:spPr>
+            <p:style>
+              <a:lnRef idx="1">
+                <a:schemeClr val="accent1"/>
+              </a:lnRef>
+              <a:fillRef idx="0">
+                <a:schemeClr val="accent1"/>
+              </a:fillRef>
+              <a:effectRef idx="0">
+                <a:schemeClr val="accent1"/>
+              </a:effectRef>
+              <a:fontRef idx="minor">
+                <a:schemeClr val="tx1"/>
+              </a:fontRef>
+            </p:style>
+          </p:cxnSp>
+          <p:sp>
+            <p:nvSpPr>
+              <p:cNvPr id="91" name="TextBox 90">
+                <a:extLst>
+                  <a:ext uri="{FF2B5EF4-FFF2-40B4-BE49-F238E27FC236}">
+                    <a16:creationId xmlns:a16="http://schemas.microsoft.com/office/drawing/2014/main" id="{E691E97E-2164-44CD-AB4E-EEF85960145B}"/>
+                  </a:ext>
+                </a:extLst>
+              </p:cNvPr>
+              <p:cNvSpPr txBox="1"/>
+              <p:nvPr/>
+            </p:nvSpPr>
+            <p:spPr>
+              <a:xfrm>
+                <a:off x="-279400" y="1904143"/>
+                <a:ext cx="2184637" cy="369332"/>
+              </a:xfrm>
+              <a:prstGeom prst="rect">
+                <a:avLst/>
+              </a:prstGeom>
+              <a:noFill/>
+            </p:spPr>
+            <p:txBody>
+              <a:bodyPr wrap="none" rtlCol="0">
+                <a:spAutoFit/>
+              </a:bodyPr>
+              <a:lstStyle/>
+              <a:p>
+                <a:r>
+                  <a:rPr lang="en-SG" dirty="0">
+                    <a:solidFill>
+                      <a:srgbClr val="0070C0"/>
+                    </a:solidFill>
+                  </a:rPr>
+                  <a:t>execute(“rate 1 r/5”)</a:t>
+                </a:r>
+              </a:p>
+            </p:txBody>
+          </p:sp>
+          <p:sp>
+            <p:nvSpPr>
+              <p:cNvPr id="95" name="TextBox 94">
+                <a:extLst>
+                  <a:ext uri="{FF2B5EF4-FFF2-40B4-BE49-F238E27FC236}">
+                    <a16:creationId xmlns:a16="http://schemas.microsoft.com/office/drawing/2014/main" id="{644C2FF2-0556-4087-AB78-88FEA7435B82}"/>
+                  </a:ext>
+                </a:extLst>
+              </p:cNvPr>
+              <p:cNvSpPr txBox="1"/>
+              <p:nvPr/>
+            </p:nvSpPr>
+            <p:spPr>
+              <a:xfrm>
+                <a:off x="1059846" y="5963699"/>
+                <a:ext cx="718658" cy="369332"/>
+              </a:xfrm>
+              <a:prstGeom prst="rect">
+                <a:avLst/>
+              </a:prstGeom>
+              <a:noFill/>
+            </p:spPr>
+            <p:txBody>
+              <a:bodyPr wrap="none" rtlCol="0">
+                <a:spAutoFit/>
+              </a:bodyPr>
+              <a:lstStyle/>
+              <a:p>
+                <a:r>
+                  <a:rPr lang="en-SG" dirty="0">
+                    <a:solidFill>
+                      <a:srgbClr val="0070C0"/>
+                    </a:solidFill>
+                  </a:rPr>
+                  <a:t>result</a:t>
+                </a:r>
+              </a:p>
+            </p:txBody>
+          </p:sp>
+          <p:sp>
+            <p:nvSpPr>
+              <p:cNvPr id="96" name="TextBox 95">
+                <a:extLst>
+                  <a:ext uri="{FF2B5EF4-FFF2-40B4-BE49-F238E27FC236}">
+                    <a16:creationId xmlns:a16="http://schemas.microsoft.com/office/drawing/2014/main" id="{EFC58AEB-E6DB-4C13-8426-1AB57E659C64}"/>
+                  </a:ext>
+                </a:extLst>
+              </p:cNvPr>
+              <p:cNvSpPr txBox="1"/>
+              <p:nvPr/>
+            </p:nvSpPr>
+            <p:spPr>
+              <a:xfrm>
+                <a:off x="4698598" y="5652423"/>
+                <a:ext cx="718658" cy="369332"/>
+              </a:xfrm>
+              <a:prstGeom prst="rect">
+                <a:avLst/>
+              </a:prstGeom>
+              <a:noFill/>
+            </p:spPr>
+            <p:txBody>
+              <a:bodyPr wrap="none" rtlCol="0">
+                <a:spAutoFit/>
+              </a:bodyPr>
+              <a:lstStyle/>
+              <a:p>
+                <a:r>
+                  <a:rPr lang="en-SG" dirty="0">
+                    <a:solidFill>
+                      <a:srgbClr val="0070C0"/>
+                    </a:solidFill>
+                  </a:rPr>
+                  <a:t>result</a:t>
+                </a:r>
+              </a:p>
+            </p:txBody>
+          </p:sp>
+          <p:sp>
+            <p:nvSpPr>
+              <p:cNvPr id="97" name="TextBox 96">
+                <a:extLst>
+                  <a:ext uri="{FF2B5EF4-FFF2-40B4-BE49-F238E27FC236}">
+                    <a16:creationId xmlns:a16="http://schemas.microsoft.com/office/drawing/2014/main" id="{38B8934D-6942-4D14-A590-EF569889FD65}"/>
+                  </a:ext>
+                </a:extLst>
+              </p:cNvPr>
+              <p:cNvSpPr txBox="1"/>
+              <p:nvPr/>
+            </p:nvSpPr>
+            <p:spPr>
+              <a:xfrm>
+                <a:off x="4616193" y="4458981"/>
+                <a:ext cx="1055866" cy="369332"/>
+              </a:xfrm>
+              <a:prstGeom prst="rect">
+                <a:avLst/>
+              </a:prstGeom>
+              <a:noFill/>
+            </p:spPr>
+            <p:txBody>
+              <a:bodyPr wrap="none" rtlCol="0">
+                <a:spAutoFit/>
+              </a:bodyPr>
+              <a:lstStyle/>
+              <a:p>
+                <a:r>
+                  <a:rPr lang="en-SG" dirty="0">
+                    <a:solidFill>
+                      <a:srgbClr val="0070C0"/>
+                    </a:solidFill>
+                  </a:rPr>
+                  <a:t>execute()</a:t>
+                </a:r>
+              </a:p>
+            </p:txBody>
+          </p:sp>
+          <p:sp>
+            <p:nvSpPr>
+              <p:cNvPr id="98" name="TextBox 97">
+                <a:extLst>
+                  <a:ext uri="{FF2B5EF4-FFF2-40B4-BE49-F238E27FC236}">
+                    <a16:creationId xmlns:a16="http://schemas.microsoft.com/office/drawing/2014/main" id="{8E3D482B-09AC-4DC6-99C3-E453FEA90C78}"/>
+                  </a:ext>
+                </a:extLst>
+              </p:cNvPr>
+              <p:cNvSpPr txBox="1"/>
+              <p:nvPr/>
+            </p:nvSpPr>
+            <p:spPr>
+              <a:xfrm>
+                <a:off x="2078560" y="2027753"/>
+                <a:ext cx="1915396" cy="369332"/>
+              </a:xfrm>
+              <a:prstGeom prst="rect">
+                <a:avLst/>
+              </a:prstGeom>
+              <a:noFill/>
+            </p:spPr>
+            <p:txBody>
+              <a:bodyPr wrap="none" rtlCol="0">
+                <a:spAutoFit/>
+              </a:bodyPr>
+              <a:lstStyle/>
+              <a:p>
+                <a:r>
+                  <a:rPr lang="en-SG" dirty="0">
+                    <a:solidFill>
+                      <a:srgbClr val="0070C0"/>
+                    </a:solidFill>
+                  </a:rPr>
+                  <a:t>parse(“rate 1 r/5”)</a:t>
+                </a:r>
+              </a:p>
+            </p:txBody>
+          </p:sp>
+          <p:cxnSp>
+            <p:nvCxnSpPr>
+              <p:cNvPr id="99" name="Straight Arrow Connector 98">
+                <a:extLst>
+                  <a:ext uri="{FF2B5EF4-FFF2-40B4-BE49-F238E27FC236}">
+                    <a16:creationId xmlns:a16="http://schemas.microsoft.com/office/drawing/2014/main" id="{37BE68F6-9816-410C-9405-4E0F50B62500}"/>
+                  </a:ext>
+                </a:extLst>
+              </p:cNvPr>
+              <p:cNvCxnSpPr>
+                <a:cxnSpLocks/>
+              </p:cNvCxnSpPr>
+              <p:nvPr/>
+            </p:nvCxnSpPr>
+            <p:spPr>
+              <a:xfrm flipH="1">
+                <a:off x="4124141" y="2852276"/>
+                <a:ext cx="1782371" cy="0"/>
+              </a:xfrm>
+              <a:prstGeom prst="straightConnector1">
+                <a:avLst/>
+              </a:prstGeom>
+              <a:ln w="38100">
+                <a:solidFill>
+                  <a:srgbClr val="0070C0"/>
+                </a:solidFill>
+                <a:prstDash val="sysDot"/>
+                <a:tailEnd type="triangle"/>
+              </a:ln>
+            </p:spPr>
+            <p:style>
+              <a:lnRef idx="1">
+                <a:schemeClr val="accent1"/>
+              </a:lnRef>
+              <a:fillRef idx="0">
+                <a:schemeClr val="accent1"/>
+              </a:fillRef>
+              <a:effectRef idx="0">
+                <a:schemeClr val="accent1"/>
+              </a:effectRef>
+              <a:fontRef idx="minor">
+                <a:schemeClr val="tx1"/>
+              </a:fontRef>
+            </p:style>
+          </p:cxnSp>
+          <p:sp>
+            <p:nvSpPr>
+              <p:cNvPr id="100" name="TextBox 99">
+                <a:extLst>
+                  <a:ext uri="{FF2B5EF4-FFF2-40B4-BE49-F238E27FC236}">
+                    <a16:creationId xmlns:a16="http://schemas.microsoft.com/office/drawing/2014/main" id="{77434796-A734-4BFB-B7EA-03CC1232A7B0}"/>
+                  </a:ext>
+                </a:extLst>
+              </p:cNvPr>
+              <p:cNvSpPr txBox="1"/>
+              <p:nvPr/>
+            </p:nvSpPr>
+            <p:spPr>
+              <a:xfrm>
+                <a:off x="4270955" y="3031280"/>
+                <a:ext cx="1488741" cy="369332"/>
+              </a:xfrm>
+              <a:prstGeom prst="rect">
+                <a:avLst/>
+              </a:prstGeom>
+              <a:noFill/>
+            </p:spPr>
+            <p:txBody>
+              <a:bodyPr wrap="none" rtlCol="0">
+                <a:spAutoFit/>
+              </a:bodyPr>
+              <a:lstStyle/>
+              <a:p>
+                <a:r>
+                  <a:rPr lang="en-SG" dirty="0">
+                    <a:solidFill>
+                      <a:srgbClr val="0070C0"/>
+                    </a:solidFill>
+                  </a:rPr>
+                  <a:t>parse(“1 r/5”)</a:t>
+                </a:r>
+              </a:p>
+            </p:txBody>
+          </p:sp>
+          <p:cxnSp>
+            <p:nvCxnSpPr>
+              <p:cNvPr id="101" name="Straight Arrow Connector 100">
+                <a:extLst>
+                  <a:ext uri="{FF2B5EF4-FFF2-40B4-BE49-F238E27FC236}">
+                    <a16:creationId xmlns:a16="http://schemas.microsoft.com/office/drawing/2014/main" id="{BB645385-964C-48E9-901E-67F648F7C521}"/>
+                  </a:ext>
+                </a:extLst>
+              </p:cNvPr>
+              <p:cNvCxnSpPr>
+                <a:cxnSpLocks/>
+              </p:cNvCxnSpPr>
+              <p:nvPr/>
+            </p:nvCxnSpPr>
+            <p:spPr>
+              <a:xfrm>
+                <a:off x="6072341" y="3048227"/>
+                <a:ext cx="1161937" cy="0"/>
+              </a:xfrm>
+              <a:prstGeom prst="straightConnector1">
+                <a:avLst/>
+              </a:prstGeom>
+              <a:ln w="38100">
+                <a:solidFill>
+                  <a:srgbClr val="0070C0"/>
+                </a:solidFill>
+                <a:tailEnd type="triangle"/>
+              </a:ln>
+            </p:spPr>
+            <p:style>
+              <a:lnRef idx="1">
+                <a:schemeClr val="accent1"/>
+              </a:lnRef>
+              <a:fillRef idx="0">
+                <a:schemeClr val="accent1"/>
+              </a:fillRef>
+              <a:effectRef idx="0">
+                <a:schemeClr val="accent1"/>
+              </a:effectRef>
+              <a:fontRef idx="minor">
+                <a:schemeClr val="tx1"/>
+              </a:fontRef>
+            </p:style>
+          </p:cxnSp>
+          <p:cxnSp>
+            <p:nvCxnSpPr>
+              <p:cNvPr id="103" name="Straight Arrow Connector 102">
+                <a:extLst>
+                  <a:ext uri="{FF2B5EF4-FFF2-40B4-BE49-F238E27FC236}">
+                    <a16:creationId xmlns:a16="http://schemas.microsoft.com/office/drawing/2014/main" id="{361F1770-CC4E-4A0C-95A0-066AE9A1AB6A}"/>
+                  </a:ext>
+                </a:extLst>
+              </p:cNvPr>
+              <p:cNvCxnSpPr>
+                <a:cxnSpLocks/>
+              </p:cNvCxnSpPr>
+              <p:nvPr/>
+            </p:nvCxnSpPr>
+            <p:spPr>
+              <a:xfrm flipH="1">
+                <a:off x="6086855" y="4140979"/>
+                <a:ext cx="1885937" cy="0"/>
+              </a:xfrm>
+              <a:prstGeom prst="straightConnector1">
+                <a:avLst/>
+              </a:prstGeom>
+              <a:ln w="38100">
+                <a:solidFill>
+                  <a:srgbClr val="0070C0"/>
+                </a:solidFill>
+                <a:prstDash val="sysDot"/>
+                <a:tailEnd type="triangle"/>
+              </a:ln>
+            </p:spPr>
+            <p:style>
+              <a:lnRef idx="1">
+                <a:schemeClr val="accent1"/>
+              </a:lnRef>
+              <a:fillRef idx="0">
+                <a:schemeClr val="accent1"/>
+              </a:fillRef>
+              <a:effectRef idx="0">
+                <a:schemeClr val="accent1"/>
+              </a:effectRef>
+              <a:fontRef idx="minor">
+                <a:schemeClr val="tx1"/>
+              </a:fontRef>
+            </p:style>
+          </p:cxnSp>
+          <p:sp>
+            <p:nvSpPr>
+              <p:cNvPr id="105" name="TextBox 104">
+                <a:extLst>
+                  <a:ext uri="{FF2B5EF4-FFF2-40B4-BE49-F238E27FC236}">
+                    <a16:creationId xmlns:a16="http://schemas.microsoft.com/office/drawing/2014/main" id="{B64ADD1F-A2EC-44E9-8063-2EDF5CC80252}"/>
+                  </a:ext>
+                </a:extLst>
+              </p:cNvPr>
+              <p:cNvSpPr txBox="1"/>
+              <p:nvPr/>
+            </p:nvSpPr>
+            <p:spPr>
+              <a:xfrm>
+                <a:off x="10756005" y="1415629"/>
+                <a:ext cx="1243211" cy="369332"/>
+              </a:xfrm>
+              <a:prstGeom prst="rect">
+                <a:avLst/>
+              </a:prstGeom>
+              <a:solidFill>
+                <a:srgbClr val="B3A2C7"/>
+              </a:solidFill>
+            </p:spPr>
+            <p:txBody>
+              <a:bodyPr wrap="square" rtlCol="0">
+                <a:spAutoFit/>
+              </a:bodyPr>
+              <a:lstStyle/>
+              <a:p>
+                <a:pPr algn="ctr"/>
+                <a:r>
+                  <a:rPr lang="en-SG" dirty="0">
+                    <a:solidFill>
+                      <a:schemeClr val="bg1"/>
+                    </a:solidFill>
+                  </a:rPr>
+                  <a:t>:Model</a:t>
+                </a:r>
+              </a:p>
+            </p:txBody>
+          </p:sp>
+          <p:cxnSp>
+            <p:nvCxnSpPr>
+              <p:cNvPr id="106" name="Straight Connector 105">
+                <a:extLst>
+                  <a:ext uri="{FF2B5EF4-FFF2-40B4-BE49-F238E27FC236}">
+                    <a16:creationId xmlns:a16="http://schemas.microsoft.com/office/drawing/2014/main" id="{4AA0ED0E-3387-400A-BCD2-553C20280C7B}"/>
+                  </a:ext>
+                </a:extLst>
+              </p:cNvPr>
+              <p:cNvCxnSpPr>
+                <a:cxnSpLocks/>
+                <a:stCxn id="105" idx="2"/>
+                <a:endCxn id="112" idx="0"/>
+              </p:cNvCxnSpPr>
+              <p:nvPr/>
+            </p:nvCxnSpPr>
+            <p:spPr>
+              <a:xfrm>
+                <a:off x="11377611" y="1784961"/>
+                <a:ext cx="8650" cy="3123721"/>
+              </a:xfrm>
+              <a:prstGeom prst="line">
+                <a:avLst/>
+              </a:prstGeom>
+              <a:ln w="28575">
+                <a:solidFill>
+                  <a:srgbClr val="B3A2C7"/>
+                </a:solidFill>
+                <a:prstDash val="sysDot"/>
+              </a:ln>
+            </p:spPr>
+            <p:style>
+              <a:lnRef idx="1">
+                <a:schemeClr val="accent1"/>
+              </a:lnRef>
+              <a:fillRef idx="0">
+                <a:schemeClr val="accent1"/>
+              </a:fillRef>
+              <a:effectRef idx="0">
+                <a:schemeClr val="accent1"/>
+              </a:effectRef>
+              <a:fontRef idx="minor">
+                <a:schemeClr val="tx1"/>
+              </a:fontRef>
+            </p:style>
+          </p:cxnSp>
+          <p:sp>
+            <p:nvSpPr>
+              <p:cNvPr id="112" name="Rectangle 111">
+                <a:extLst>
+                  <a:ext uri="{FF2B5EF4-FFF2-40B4-BE49-F238E27FC236}">
+                    <a16:creationId xmlns:a16="http://schemas.microsoft.com/office/drawing/2014/main" id="{ED705424-D8FD-4E9D-A1B8-37B5DA80C750}"/>
+                  </a:ext>
+                </a:extLst>
+              </p:cNvPr>
+              <p:cNvSpPr/>
+              <p:nvPr/>
+            </p:nvSpPr>
+            <p:spPr>
+              <a:xfrm>
+                <a:off x="11298882" y="4908682"/>
+                <a:ext cx="174758" cy="227673"/>
+              </a:xfrm>
+              <a:prstGeom prst="rect">
+                <a:avLst/>
+              </a:prstGeom>
+              <a:solidFill>
+                <a:srgbClr val="B3A2C7"/>
+              </a:solidFill>
+              <a:ln>
+                <a:noFill/>
+              </a:ln>
+            </p:spPr>
+            <p:style>
+              <a:lnRef idx="2">
+                <a:schemeClr val="accent1">
+                  <a:shade val="50000"/>
+                </a:schemeClr>
+              </a:lnRef>
+              <a:fillRef idx="1">
+                <a:schemeClr val="accent1"/>
+              </a:fillRef>
+              <a:effectRef idx="0">
+                <a:schemeClr val="accent1"/>
+              </a:effectRef>
+              <a:fontRef idx="minor">
+                <a:schemeClr val="lt1"/>
+              </a:fontRef>
+            </p:style>
+            <p:txBody>
+              <a:bodyPr rtlCol="0" anchor="ctr"/>
+              <a:lstStyle/>
+              <a:p>
+                <a:pPr algn="ctr"/>
+                <a:endParaRPr lang="en-SG"/>
+              </a:p>
+            </p:txBody>
+          </p:sp>
+          <p:cxnSp>
+            <p:nvCxnSpPr>
+              <p:cNvPr id="114" name="Straight Connector 113">
+                <a:extLst>
+                  <a:ext uri="{FF2B5EF4-FFF2-40B4-BE49-F238E27FC236}">
+                    <a16:creationId xmlns:a16="http://schemas.microsoft.com/office/drawing/2014/main" id="{0A5D0511-6F1C-4D66-A29E-72DE41CCE143}"/>
+                  </a:ext>
+                </a:extLst>
+              </p:cNvPr>
+              <p:cNvCxnSpPr>
+                <a:cxnSpLocks/>
+                <a:stCxn id="112" idx="2"/>
+              </p:cNvCxnSpPr>
+              <p:nvPr/>
+            </p:nvCxnSpPr>
+            <p:spPr>
+              <a:xfrm flipH="1">
+                <a:off x="11377611" y="5136355"/>
+                <a:ext cx="8650" cy="1065182"/>
+              </a:xfrm>
+              <a:prstGeom prst="line">
+                <a:avLst/>
+              </a:prstGeom>
+              <a:ln w="28575">
+                <a:solidFill>
+                  <a:srgbClr val="B3A2C7"/>
+                </a:solidFill>
+                <a:prstDash val="sysDot"/>
+              </a:ln>
+            </p:spPr>
+            <p:style>
+              <a:lnRef idx="1">
+                <a:schemeClr val="accent1"/>
+              </a:lnRef>
+              <a:fillRef idx="0">
+                <a:schemeClr val="accent1"/>
+              </a:fillRef>
+              <a:effectRef idx="0">
+                <a:schemeClr val="accent1"/>
+              </a:effectRef>
+              <a:fontRef idx="minor">
+                <a:schemeClr val="tx1"/>
+              </a:fontRef>
+            </p:style>
+          </p:cxnSp>
+          <p:cxnSp>
+            <p:nvCxnSpPr>
+              <p:cNvPr id="119" name="Straight Arrow Connector 118">
+                <a:extLst>
+                  <a:ext uri="{FF2B5EF4-FFF2-40B4-BE49-F238E27FC236}">
+                    <a16:creationId xmlns:a16="http://schemas.microsoft.com/office/drawing/2014/main" id="{5A59A3BA-C4EE-4557-9171-E117455E00F3}"/>
+                  </a:ext>
+                </a:extLst>
+              </p:cNvPr>
+              <p:cNvCxnSpPr>
+                <a:cxnSpLocks/>
+              </p:cNvCxnSpPr>
+              <p:nvPr/>
+            </p:nvCxnSpPr>
+            <p:spPr>
+              <a:xfrm>
+                <a:off x="8067939" y="4923196"/>
+                <a:ext cx="3230943" cy="0"/>
+              </a:xfrm>
+              <a:prstGeom prst="straightConnector1">
+                <a:avLst/>
+              </a:prstGeom>
+              <a:ln w="38100">
+                <a:solidFill>
+                  <a:srgbClr val="0070C0"/>
+                </a:solidFill>
+                <a:tailEnd type="triangle"/>
+              </a:ln>
+            </p:spPr>
+            <p:style>
+              <a:lnRef idx="1">
+                <a:schemeClr val="accent1"/>
+              </a:lnRef>
+              <a:fillRef idx="0">
+                <a:schemeClr val="accent1"/>
+              </a:fillRef>
+              <a:effectRef idx="0">
+                <a:schemeClr val="accent1"/>
+              </a:effectRef>
+              <a:fontRef idx="minor">
+                <a:schemeClr val="tx1"/>
+              </a:fontRef>
+            </p:style>
+          </p:cxnSp>
+          <p:cxnSp>
+            <p:nvCxnSpPr>
+              <p:cNvPr id="122" name="Straight Arrow Connector 121">
+                <a:extLst>
+                  <a:ext uri="{FF2B5EF4-FFF2-40B4-BE49-F238E27FC236}">
+                    <a16:creationId xmlns:a16="http://schemas.microsoft.com/office/drawing/2014/main" id="{8FD8C108-CF76-4636-8739-130D61A209FD}"/>
+                  </a:ext>
+                </a:extLst>
+              </p:cNvPr>
+              <p:cNvCxnSpPr>
+                <a:cxnSpLocks/>
+              </p:cNvCxnSpPr>
+              <p:nvPr/>
+            </p:nvCxnSpPr>
+            <p:spPr>
+              <a:xfrm flipH="1">
+                <a:off x="8163089" y="5117992"/>
+                <a:ext cx="3135793" cy="0"/>
+              </a:xfrm>
+              <a:prstGeom prst="straightConnector1">
+                <a:avLst/>
+              </a:prstGeom>
+              <a:ln w="38100">
+                <a:solidFill>
+                  <a:srgbClr val="B3A2C7"/>
+                </a:solidFill>
+                <a:prstDash val="sysDot"/>
+                <a:tailEnd type="triangle"/>
+              </a:ln>
+            </p:spPr>
+            <p:style>
+              <a:lnRef idx="1">
+                <a:schemeClr val="accent1"/>
+              </a:lnRef>
+              <a:fillRef idx="0">
+                <a:schemeClr val="accent1"/>
+              </a:fillRef>
+              <a:effectRef idx="0">
+                <a:schemeClr val="accent1"/>
+              </a:effectRef>
+              <a:fontRef idx="minor">
+                <a:schemeClr val="tx1"/>
+              </a:fontRef>
+            </p:style>
+          </p:cxnSp>
+          <p:sp>
+            <p:nvSpPr>
+              <p:cNvPr id="127" name="TextBox 126">
+                <a:extLst>
+                  <a:ext uri="{FF2B5EF4-FFF2-40B4-BE49-F238E27FC236}">
+                    <a16:creationId xmlns:a16="http://schemas.microsoft.com/office/drawing/2014/main" id="{B5E74B56-D247-4B2C-BDB9-C5BD21DA25F2}"/>
+                  </a:ext>
+                </a:extLst>
+              </p:cNvPr>
+              <p:cNvSpPr txBox="1"/>
+              <p:nvPr/>
+            </p:nvSpPr>
+            <p:spPr>
+              <a:xfrm>
+                <a:off x="8573352" y="4525454"/>
+                <a:ext cx="1750416" cy="369332"/>
+              </a:xfrm>
+              <a:prstGeom prst="rect">
+                <a:avLst/>
+              </a:prstGeom>
+              <a:noFill/>
+            </p:spPr>
+            <p:txBody>
+              <a:bodyPr wrap="none" rtlCol="0">
+                <a:spAutoFit/>
+              </a:bodyPr>
+              <a:lstStyle/>
+              <a:p>
+                <a:r>
+                  <a:rPr lang="en-SG" dirty="0" err="1">
+                    <a:solidFill>
+                      <a:srgbClr val="7030A0"/>
+                    </a:solidFill>
+                  </a:rPr>
+                  <a:t>updatePerson</a:t>
+                </a:r>
+                <a:r>
+                  <a:rPr lang="en-SG" dirty="0">
+                    <a:solidFill>
+                      <a:srgbClr val="7030A0"/>
+                    </a:solidFill>
+                  </a:rPr>
+                  <a:t>(p)</a:t>
+                </a:r>
+              </a:p>
+            </p:txBody>
+          </p:sp>
+        </p:grpSp>
         <p:sp>
           <p:nvSpPr>
-            <p:cNvPr id="5" name="TextBox 4">
+            <p:cNvPr id="53" name="TextBox 52">
               <a:extLst>
                 <a:ext uri="{FF2B5EF4-FFF2-40B4-BE49-F238E27FC236}">
-                  <a16:creationId xmlns:a16="http://schemas.microsoft.com/office/drawing/2014/main" id="{DF18E182-20AA-40BF-B390-A56F7C17E302}"/>
+                  <a16:creationId xmlns:a16="http://schemas.microsoft.com/office/drawing/2014/main" id="{4F18FF94-3038-490F-8718-793DB67CAA01}"/>
                 </a:ext>
               </a:extLst>
             </p:cNvPr>
@@ -3669,1584 +5949,8 @@
           </p:nvSpPr>
           <p:spPr>
             <a:xfrm>
-              <a:off x="1114540" y="1009316"/>
-              <a:ext cx="663964" cy="369332"/>
-            </a:xfrm>
-            <a:prstGeom prst="rect">
-              <a:avLst/>
-            </a:prstGeom>
-            <a:noFill/>
-          </p:spPr>
-          <p:txBody>
-            <a:bodyPr wrap="none" rtlCol="0">
-              <a:spAutoFit/>
-            </a:bodyPr>
-            <a:lstStyle/>
-            <a:p>
-              <a:r>
-                <a:rPr lang="en-SG" b="1" dirty="0">
-                  <a:solidFill>
-                    <a:srgbClr val="0070C0"/>
-                  </a:solidFill>
-                </a:rPr>
-                <a:t>Logic</a:t>
-              </a:r>
-            </a:p>
-          </p:txBody>
-        </p:sp>
-        <p:sp>
-          <p:nvSpPr>
-            <p:cNvPr id="7" name="TextBox 6">
-              <a:extLst>
-                <a:ext uri="{FF2B5EF4-FFF2-40B4-BE49-F238E27FC236}">
-                  <a16:creationId xmlns:a16="http://schemas.microsoft.com/office/drawing/2014/main" id="{3BE19ABA-60DF-498C-9354-3689F495507F}"/>
-                </a:ext>
-              </a:extLst>
-            </p:cNvPr>
-            <p:cNvSpPr txBox="1"/>
-            <p:nvPr/>
-          </p:nvSpPr>
-          <p:spPr>
-            <a:xfrm>
-              <a:off x="1228808" y="1415629"/>
-              <a:ext cx="1638300" cy="369332"/>
-            </a:xfrm>
-            <a:prstGeom prst="rect">
-              <a:avLst/>
-            </a:prstGeom>
-            <a:solidFill>
-              <a:srgbClr val="0070C0"/>
-            </a:solidFill>
-          </p:spPr>
-          <p:txBody>
-            <a:bodyPr wrap="square" rtlCol="0">
-              <a:spAutoFit/>
-            </a:bodyPr>
-            <a:lstStyle/>
-            <a:p>
-              <a:pPr algn="ctr"/>
-              <a:r>
-                <a:rPr lang="en-SG" dirty="0">
-                  <a:solidFill>
-                    <a:schemeClr val="bg1"/>
-                  </a:solidFill>
-                </a:rPr>
-                <a:t>:</a:t>
-              </a:r>
-              <a:r>
-                <a:rPr lang="en-SG" dirty="0" err="1">
-                  <a:solidFill>
-                    <a:schemeClr val="bg1"/>
-                  </a:solidFill>
-                </a:rPr>
-                <a:t>LogicManager</a:t>
-              </a:r>
-              <a:endParaRPr lang="en-SG" dirty="0">
-                <a:solidFill>
-                  <a:schemeClr val="bg1"/>
-                </a:solidFill>
-              </a:endParaRPr>
-            </a:p>
-          </p:txBody>
-        </p:sp>
-        <p:cxnSp>
-          <p:nvCxnSpPr>
-            <p:cNvPr id="9" name="Straight Connector 8">
-              <a:extLst>
-                <a:ext uri="{FF2B5EF4-FFF2-40B4-BE49-F238E27FC236}">
-                  <a16:creationId xmlns:a16="http://schemas.microsoft.com/office/drawing/2014/main" id="{3222A64F-A5E9-4C6F-B0EE-FE8D3C582C9B}"/>
-                </a:ext>
-              </a:extLst>
-            </p:cNvPr>
-            <p:cNvCxnSpPr/>
-            <p:nvPr/>
-          </p:nvCxnSpPr>
-          <p:spPr>
-            <a:xfrm>
-              <a:off x="2144601" y="2026682"/>
-              <a:ext cx="0" cy="2143"/>
-            </a:xfrm>
-            <a:prstGeom prst="line">
-              <a:avLst/>
-            </a:prstGeom>
-          </p:spPr>
-          <p:style>
-            <a:lnRef idx="1">
-              <a:schemeClr val="accent1"/>
-            </a:lnRef>
-            <a:fillRef idx="0">
-              <a:schemeClr val="accent1"/>
-            </a:fillRef>
-            <a:effectRef idx="0">
-              <a:schemeClr val="accent1"/>
-            </a:effectRef>
-            <a:fontRef idx="minor">
-              <a:schemeClr val="tx1"/>
-            </a:fontRef>
-          </p:style>
-        </p:cxnSp>
-        <p:cxnSp>
-          <p:nvCxnSpPr>
-            <p:cNvPr id="11" name="Straight Connector 10">
-              <a:extLst>
-                <a:ext uri="{FF2B5EF4-FFF2-40B4-BE49-F238E27FC236}">
-                  <a16:creationId xmlns:a16="http://schemas.microsoft.com/office/drawing/2014/main" id="{BA53E53F-28BB-47F2-9190-739149BB20F3}"/>
-                </a:ext>
-              </a:extLst>
-            </p:cNvPr>
-            <p:cNvCxnSpPr>
-              <a:cxnSpLocks/>
-              <a:stCxn id="7" idx="2"/>
-              <a:endCxn id="12" idx="0"/>
-            </p:cNvCxnSpPr>
-            <p:nvPr/>
-          </p:nvCxnSpPr>
-          <p:spPr>
-            <a:xfrm flipH="1">
-              <a:off x="2047933" y="1784961"/>
-              <a:ext cx="25" cy="475559"/>
-            </a:xfrm>
-            <a:prstGeom prst="line">
-              <a:avLst/>
-            </a:prstGeom>
-            <a:ln w="28575">
-              <a:solidFill>
-                <a:srgbClr val="0070C0"/>
-              </a:solidFill>
-              <a:prstDash val="sysDot"/>
-            </a:ln>
-          </p:spPr>
-          <p:style>
-            <a:lnRef idx="1">
-              <a:schemeClr val="accent1"/>
-            </a:lnRef>
-            <a:fillRef idx="0">
-              <a:schemeClr val="accent1"/>
-            </a:fillRef>
-            <a:effectRef idx="0">
-              <a:schemeClr val="accent1"/>
-            </a:effectRef>
-            <a:fontRef idx="minor">
-              <a:schemeClr val="tx1"/>
-            </a:fontRef>
-          </p:style>
-        </p:cxnSp>
-        <p:sp>
-          <p:nvSpPr>
-            <p:cNvPr id="12" name="Rectangle 11">
-              <a:extLst>
-                <a:ext uri="{FF2B5EF4-FFF2-40B4-BE49-F238E27FC236}">
-                  <a16:creationId xmlns:a16="http://schemas.microsoft.com/office/drawing/2014/main" id="{D193A0F9-2A6F-4738-BC7E-85495C254069}"/>
-                </a:ext>
-              </a:extLst>
-            </p:cNvPr>
-            <p:cNvSpPr/>
-            <p:nvPr/>
-          </p:nvSpPr>
-          <p:spPr>
-            <a:xfrm>
-              <a:off x="1952802" y="2260520"/>
-              <a:ext cx="190261" cy="4102179"/>
-            </a:xfrm>
-            <a:prstGeom prst="rect">
-              <a:avLst/>
-            </a:prstGeom>
-            <a:solidFill>
-              <a:srgbClr val="0070C0"/>
-            </a:solidFill>
-            <a:ln>
-              <a:noFill/>
-            </a:ln>
-          </p:spPr>
-          <p:style>
-            <a:lnRef idx="2">
-              <a:schemeClr val="accent1">
-                <a:shade val="50000"/>
-              </a:schemeClr>
-            </a:lnRef>
-            <a:fillRef idx="1">
-              <a:schemeClr val="accent1"/>
-            </a:fillRef>
-            <a:effectRef idx="0">
-              <a:schemeClr val="accent1"/>
-            </a:effectRef>
-            <a:fontRef idx="minor">
-              <a:schemeClr val="lt1"/>
-            </a:fontRef>
-          </p:style>
-          <p:txBody>
-            <a:bodyPr rtlCol="0" anchor="ctr"/>
-            <a:lstStyle/>
-            <a:p>
-              <a:pPr algn="ctr"/>
-              <a:endParaRPr lang="en-SG"/>
-            </a:p>
-          </p:txBody>
-        </p:sp>
-        <p:sp>
-          <p:nvSpPr>
-            <p:cNvPr id="15" name="Rectangle 14">
-              <a:extLst>
-                <a:ext uri="{FF2B5EF4-FFF2-40B4-BE49-F238E27FC236}">
-                  <a16:creationId xmlns:a16="http://schemas.microsoft.com/office/drawing/2014/main" id="{42025285-A837-4DF0-9D29-04805EAB0C23}"/>
-                </a:ext>
-              </a:extLst>
-            </p:cNvPr>
-            <p:cNvSpPr/>
-            <p:nvPr/>
-          </p:nvSpPr>
-          <p:spPr>
-            <a:xfrm>
-              <a:off x="3925433" y="2372412"/>
-              <a:ext cx="198708" cy="2022168"/>
-            </a:xfrm>
-            <a:prstGeom prst="rect">
-              <a:avLst/>
-            </a:prstGeom>
-            <a:solidFill>
-              <a:srgbClr val="0070C0"/>
-            </a:solidFill>
-            <a:ln>
-              <a:noFill/>
-            </a:ln>
-          </p:spPr>
-          <p:style>
-            <a:lnRef idx="2">
-              <a:schemeClr val="accent1">
-                <a:shade val="50000"/>
-              </a:schemeClr>
-            </a:lnRef>
-            <a:fillRef idx="1">
-              <a:schemeClr val="accent1"/>
-            </a:fillRef>
-            <a:effectRef idx="0">
-              <a:schemeClr val="accent1"/>
-            </a:effectRef>
-            <a:fontRef idx="minor">
-              <a:schemeClr val="lt1"/>
-            </a:fontRef>
-          </p:style>
-          <p:txBody>
-            <a:bodyPr rtlCol="0" anchor="ctr"/>
-            <a:lstStyle/>
-            <a:p>
-              <a:pPr algn="ctr"/>
-              <a:endParaRPr lang="en-SG"/>
-            </a:p>
-          </p:txBody>
-        </p:sp>
-        <p:sp>
-          <p:nvSpPr>
-            <p:cNvPr id="16" name="TextBox 15">
-              <a:extLst>
-                <a:ext uri="{FF2B5EF4-FFF2-40B4-BE49-F238E27FC236}">
-                  <a16:creationId xmlns:a16="http://schemas.microsoft.com/office/drawing/2014/main" id="{B2B17F48-2DE8-4F54-9F14-C6DD2FBAD7C8}"/>
-                </a:ext>
-              </a:extLst>
-            </p:cNvPr>
-            <p:cNvSpPr txBox="1"/>
-            <p:nvPr/>
-          </p:nvSpPr>
-          <p:spPr>
-            <a:xfrm>
-              <a:off x="3201438" y="1337191"/>
-              <a:ext cx="1638300" cy="646331"/>
-            </a:xfrm>
-            <a:prstGeom prst="rect">
-              <a:avLst/>
-            </a:prstGeom>
-            <a:solidFill>
-              <a:srgbClr val="0070C0"/>
-            </a:solidFill>
-          </p:spPr>
-          <p:txBody>
-            <a:bodyPr wrap="square" rtlCol="0">
-              <a:spAutoFit/>
-            </a:bodyPr>
-            <a:lstStyle/>
-            <a:p>
-              <a:pPr algn="ctr"/>
-              <a:r>
-                <a:rPr lang="en-SG" dirty="0">
-                  <a:solidFill>
-                    <a:schemeClr val="bg1"/>
-                  </a:solidFill>
-                </a:rPr>
-                <a:t>:Address</a:t>
-              </a:r>
-            </a:p>
-            <a:p>
-              <a:pPr algn="ctr"/>
-              <a:r>
-                <a:rPr lang="en-SG" dirty="0" err="1">
-                  <a:solidFill>
-                    <a:schemeClr val="bg1"/>
-                  </a:solidFill>
-                </a:rPr>
-                <a:t>BookParser</a:t>
-              </a:r>
-              <a:endParaRPr lang="en-SG" dirty="0">
-                <a:solidFill>
-                  <a:schemeClr val="bg1"/>
-                </a:solidFill>
-              </a:endParaRPr>
-            </a:p>
-          </p:txBody>
-        </p:sp>
-        <p:cxnSp>
-          <p:nvCxnSpPr>
-            <p:cNvPr id="17" name="Straight Connector 16">
-              <a:extLst>
-                <a:ext uri="{FF2B5EF4-FFF2-40B4-BE49-F238E27FC236}">
-                  <a16:creationId xmlns:a16="http://schemas.microsoft.com/office/drawing/2014/main" id="{C9B21610-66A1-4CAC-A492-9182E517B555}"/>
-                </a:ext>
-              </a:extLst>
-            </p:cNvPr>
-            <p:cNvCxnSpPr>
-              <a:cxnSpLocks/>
-              <a:stCxn id="16" idx="2"/>
-              <a:endCxn id="15" idx="0"/>
-            </p:cNvCxnSpPr>
-            <p:nvPr/>
-          </p:nvCxnSpPr>
-          <p:spPr>
-            <a:xfrm>
-              <a:off x="4020588" y="1983522"/>
-              <a:ext cx="4199" cy="388890"/>
-            </a:xfrm>
-            <a:prstGeom prst="line">
-              <a:avLst/>
-            </a:prstGeom>
-            <a:ln w="28575">
-              <a:solidFill>
-                <a:srgbClr val="0070C0"/>
-              </a:solidFill>
-              <a:prstDash val="sysDot"/>
-            </a:ln>
-          </p:spPr>
-          <p:style>
-            <a:lnRef idx="1">
-              <a:schemeClr val="accent1"/>
-            </a:lnRef>
-            <a:fillRef idx="0">
-              <a:schemeClr val="accent1"/>
-            </a:fillRef>
-            <a:effectRef idx="0">
-              <a:schemeClr val="accent1"/>
-            </a:effectRef>
-            <a:fontRef idx="minor">
-              <a:schemeClr val="tx1"/>
-            </a:fontRef>
-          </p:style>
-        </p:cxnSp>
-        <p:sp>
-          <p:nvSpPr>
-            <p:cNvPr id="21" name="Rectangle 20">
-              <a:extLst>
-                <a:ext uri="{FF2B5EF4-FFF2-40B4-BE49-F238E27FC236}">
-                  <a16:creationId xmlns:a16="http://schemas.microsoft.com/office/drawing/2014/main" id="{66E11651-FDD6-4E5A-B60C-C5E941AE5E5D}"/>
-                </a:ext>
-              </a:extLst>
-            </p:cNvPr>
-            <p:cNvSpPr/>
-            <p:nvPr/>
-          </p:nvSpPr>
-          <p:spPr>
-            <a:xfrm>
-              <a:off x="5896559" y="2769415"/>
-              <a:ext cx="190297" cy="111889"/>
-            </a:xfrm>
-            <a:prstGeom prst="rect">
-              <a:avLst/>
-            </a:prstGeom>
-            <a:solidFill>
-              <a:srgbClr val="0070C0"/>
-            </a:solidFill>
-            <a:ln>
-              <a:noFill/>
-            </a:ln>
-          </p:spPr>
-          <p:style>
-            <a:lnRef idx="2">
-              <a:schemeClr val="accent1">
-                <a:shade val="50000"/>
-              </a:schemeClr>
-            </a:lnRef>
-            <a:fillRef idx="1">
-              <a:schemeClr val="accent1"/>
-            </a:fillRef>
-            <a:effectRef idx="0">
-              <a:schemeClr val="accent1"/>
-            </a:effectRef>
-            <a:fontRef idx="minor">
-              <a:schemeClr val="lt1"/>
-            </a:fontRef>
-          </p:style>
-          <p:txBody>
-            <a:bodyPr rtlCol="0" anchor="ctr"/>
-            <a:lstStyle/>
-            <a:p>
-              <a:pPr algn="ctr"/>
-              <a:endParaRPr lang="en-SG"/>
-            </a:p>
-          </p:txBody>
-        </p:sp>
-        <p:sp>
-          <p:nvSpPr>
-            <p:cNvPr id="22" name="TextBox 21">
-              <a:extLst>
-                <a:ext uri="{FF2B5EF4-FFF2-40B4-BE49-F238E27FC236}">
-                  <a16:creationId xmlns:a16="http://schemas.microsoft.com/office/drawing/2014/main" id="{70528CC6-0136-4523-BCE5-13F0BA3A965D}"/>
-                </a:ext>
-              </a:extLst>
-            </p:cNvPr>
-            <p:cNvSpPr txBox="1"/>
-            <p:nvPr/>
-          </p:nvSpPr>
-          <p:spPr>
-            <a:xfrm>
-              <a:off x="5172560" y="2123084"/>
-              <a:ext cx="1638300" cy="646331"/>
-            </a:xfrm>
-            <a:prstGeom prst="rect">
-              <a:avLst/>
-            </a:prstGeom>
-            <a:solidFill>
-              <a:srgbClr val="0070C0"/>
-            </a:solidFill>
-          </p:spPr>
-          <p:txBody>
-            <a:bodyPr wrap="square" rtlCol="0">
-              <a:spAutoFit/>
-            </a:bodyPr>
-            <a:lstStyle/>
-            <a:p>
-              <a:pPr algn="ctr"/>
-              <a:r>
-                <a:rPr lang="en-SG" dirty="0">
-                  <a:solidFill>
-                    <a:schemeClr val="bg1"/>
-                  </a:solidFill>
-                </a:rPr>
-                <a:t>:</a:t>
-              </a:r>
-              <a:r>
-                <a:rPr lang="en-SG" dirty="0" err="1">
-                  <a:solidFill>
-                    <a:schemeClr val="bg1"/>
-                  </a:solidFill>
-                </a:rPr>
-                <a:t>RateCommand</a:t>
-              </a:r>
-              <a:endParaRPr lang="en-SG" dirty="0">
-                <a:solidFill>
-                  <a:schemeClr val="bg1"/>
-                </a:solidFill>
-              </a:endParaRPr>
-            </a:p>
-            <a:p>
-              <a:pPr algn="ctr"/>
-              <a:r>
-                <a:rPr lang="en-SG" dirty="0">
-                  <a:solidFill>
-                    <a:schemeClr val="bg1"/>
-                  </a:solidFill>
-                </a:rPr>
-                <a:t>Parser</a:t>
-              </a:r>
-            </a:p>
-          </p:txBody>
-        </p:sp>
-        <p:cxnSp>
-          <p:nvCxnSpPr>
-            <p:cNvPr id="23" name="Straight Connector 22">
-              <a:extLst>
-                <a:ext uri="{FF2B5EF4-FFF2-40B4-BE49-F238E27FC236}">
-                  <a16:creationId xmlns:a16="http://schemas.microsoft.com/office/drawing/2014/main" id="{43C76252-7493-4B54-9CED-51F5D3586D37}"/>
-                </a:ext>
-              </a:extLst>
-            </p:cNvPr>
-            <p:cNvCxnSpPr>
-              <a:cxnSpLocks/>
-              <a:stCxn id="21" idx="2"/>
-              <a:endCxn id="27" idx="0"/>
-            </p:cNvCxnSpPr>
-            <p:nvPr/>
-          </p:nvCxnSpPr>
-          <p:spPr>
-            <a:xfrm flipH="1">
-              <a:off x="5991707" y="2881304"/>
-              <a:ext cx="1" cy="139158"/>
-            </a:xfrm>
-            <a:prstGeom prst="line">
-              <a:avLst/>
-            </a:prstGeom>
-            <a:ln w="28575">
-              <a:solidFill>
-                <a:srgbClr val="0070C0"/>
-              </a:solidFill>
-              <a:prstDash val="sysDot"/>
-            </a:ln>
-          </p:spPr>
-          <p:style>
-            <a:lnRef idx="1">
-              <a:schemeClr val="accent1"/>
-            </a:lnRef>
-            <a:fillRef idx="0">
-              <a:schemeClr val="accent1"/>
-            </a:fillRef>
-            <a:effectRef idx="0">
-              <a:schemeClr val="accent1"/>
-            </a:effectRef>
-            <a:fontRef idx="minor">
-              <a:schemeClr val="tx1"/>
-            </a:fontRef>
-          </p:style>
-        </p:cxnSp>
-        <p:sp>
-          <p:nvSpPr>
-            <p:cNvPr id="27" name="Rectangle 26">
-              <a:extLst>
-                <a:ext uri="{FF2B5EF4-FFF2-40B4-BE49-F238E27FC236}">
-                  <a16:creationId xmlns:a16="http://schemas.microsoft.com/office/drawing/2014/main" id="{854A7E34-2530-4585-8826-4E4BCB4A6328}"/>
-                </a:ext>
-              </a:extLst>
-            </p:cNvPr>
-            <p:cNvSpPr/>
-            <p:nvPr/>
-          </p:nvSpPr>
-          <p:spPr>
-            <a:xfrm>
-              <a:off x="5896558" y="3020462"/>
-              <a:ext cx="190297" cy="1253853"/>
-            </a:xfrm>
-            <a:prstGeom prst="rect">
-              <a:avLst/>
-            </a:prstGeom>
-            <a:solidFill>
-              <a:srgbClr val="0070C0"/>
-            </a:solidFill>
-            <a:ln>
-              <a:noFill/>
-            </a:ln>
-          </p:spPr>
-          <p:style>
-            <a:lnRef idx="2">
-              <a:schemeClr val="accent1">
-                <a:shade val="50000"/>
-              </a:schemeClr>
-            </a:lnRef>
-            <a:fillRef idx="1">
-              <a:schemeClr val="accent1"/>
-            </a:fillRef>
-            <a:effectRef idx="0">
-              <a:schemeClr val="accent1"/>
-            </a:effectRef>
-            <a:fontRef idx="minor">
-              <a:schemeClr val="lt1"/>
-            </a:fontRef>
-          </p:style>
-          <p:txBody>
-            <a:bodyPr rtlCol="0" anchor="ctr"/>
-            <a:lstStyle/>
-            <a:p>
-              <a:pPr algn="ctr"/>
-              <a:endParaRPr lang="en-SG"/>
-            </a:p>
-          </p:txBody>
-        </p:sp>
-        <p:cxnSp>
-          <p:nvCxnSpPr>
-            <p:cNvPr id="30" name="Straight Connector 29">
-              <a:extLst>
-                <a:ext uri="{FF2B5EF4-FFF2-40B4-BE49-F238E27FC236}">
-                  <a16:creationId xmlns:a16="http://schemas.microsoft.com/office/drawing/2014/main" id="{2E14EEE3-AA69-40B8-B940-183442AB867A}"/>
-                </a:ext>
-              </a:extLst>
-            </p:cNvPr>
-            <p:cNvCxnSpPr>
-              <a:cxnSpLocks/>
-              <a:stCxn id="27" idx="2"/>
-            </p:cNvCxnSpPr>
-            <p:nvPr/>
-          </p:nvCxnSpPr>
-          <p:spPr>
-            <a:xfrm>
-              <a:off x="5991707" y="4274315"/>
-              <a:ext cx="0" cy="154810"/>
-            </a:xfrm>
-            <a:prstGeom prst="line">
-              <a:avLst/>
-            </a:prstGeom>
-            <a:ln w="28575">
-              <a:solidFill>
-                <a:srgbClr val="0070C0"/>
-              </a:solidFill>
-              <a:prstDash val="sysDot"/>
-            </a:ln>
-          </p:spPr>
-          <p:style>
-            <a:lnRef idx="1">
-              <a:schemeClr val="accent1"/>
-            </a:lnRef>
-            <a:fillRef idx="0">
-              <a:schemeClr val="accent1"/>
-            </a:fillRef>
-            <a:effectRef idx="0">
-              <a:schemeClr val="accent1"/>
-            </a:effectRef>
-            <a:fontRef idx="minor">
-              <a:schemeClr val="tx1"/>
-            </a:fontRef>
-          </p:style>
-        </p:cxnSp>
-        <p:sp>
-          <p:nvSpPr>
-            <p:cNvPr id="37" name="TextBox 36">
-              <a:extLst>
-                <a:ext uri="{FF2B5EF4-FFF2-40B4-BE49-F238E27FC236}">
-                  <a16:creationId xmlns:a16="http://schemas.microsoft.com/office/drawing/2014/main" id="{D1DF58F3-59BB-451C-9F44-B6DC2737E848}"/>
-                </a:ext>
-              </a:extLst>
-            </p:cNvPr>
-            <p:cNvSpPr txBox="1"/>
-            <p:nvPr/>
-          </p:nvSpPr>
-          <p:spPr>
-            <a:xfrm>
-              <a:off x="5839260" y="4274315"/>
-              <a:ext cx="304892" cy="369332"/>
-            </a:xfrm>
-            <a:prstGeom prst="rect">
-              <a:avLst/>
-            </a:prstGeom>
-            <a:noFill/>
-          </p:spPr>
-          <p:txBody>
-            <a:bodyPr wrap="square" rtlCol="0">
-              <a:spAutoFit/>
-            </a:bodyPr>
-            <a:lstStyle/>
-            <a:p>
-              <a:r>
-                <a:rPr lang="en-SG" dirty="0"/>
-                <a:t>X</a:t>
-              </a:r>
-            </a:p>
-          </p:txBody>
-        </p:sp>
-        <p:sp>
-          <p:nvSpPr>
-            <p:cNvPr id="39" name="Rectangle 38">
-              <a:extLst>
-                <a:ext uri="{FF2B5EF4-FFF2-40B4-BE49-F238E27FC236}">
-                  <a16:creationId xmlns:a16="http://schemas.microsoft.com/office/drawing/2014/main" id="{B8E784E7-11A6-4F7E-9427-94DEDE8A1F56}"/>
-                </a:ext>
-              </a:extLst>
-            </p:cNvPr>
-            <p:cNvSpPr/>
-            <p:nvPr/>
-          </p:nvSpPr>
-          <p:spPr>
-            <a:xfrm>
-              <a:off x="7972791" y="3230017"/>
-              <a:ext cx="190297" cy="941933"/>
-            </a:xfrm>
-            <a:prstGeom prst="rect">
-              <a:avLst/>
-            </a:prstGeom>
-            <a:solidFill>
-              <a:srgbClr val="0070C0"/>
-            </a:solidFill>
-            <a:ln>
-              <a:noFill/>
-            </a:ln>
-          </p:spPr>
-          <p:style>
-            <a:lnRef idx="2">
-              <a:schemeClr val="accent1">
-                <a:shade val="50000"/>
-              </a:schemeClr>
-            </a:lnRef>
-            <a:fillRef idx="1">
-              <a:schemeClr val="accent1"/>
-            </a:fillRef>
-            <a:effectRef idx="0">
-              <a:schemeClr val="accent1"/>
-            </a:effectRef>
-            <a:fontRef idx="minor">
-              <a:schemeClr val="lt1"/>
-            </a:fontRef>
-          </p:style>
-          <p:txBody>
-            <a:bodyPr rtlCol="0" anchor="ctr"/>
-            <a:lstStyle/>
-            <a:p>
-              <a:pPr algn="ctr"/>
-              <a:endParaRPr lang="en-SG"/>
-            </a:p>
-          </p:txBody>
-        </p:sp>
-        <p:sp>
-          <p:nvSpPr>
-            <p:cNvPr id="40" name="TextBox 39">
-              <a:extLst>
-                <a:ext uri="{FF2B5EF4-FFF2-40B4-BE49-F238E27FC236}">
-                  <a16:creationId xmlns:a16="http://schemas.microsoft.com/office/drawing/2014/main" id="{1F8DEED6-E9EE-44CC-8388-DF78D15E624B}"/>
-                </a:ext>
-              </a:extLst>
-            </p:cNvPr>
-            <p:cNvSpPr txBox="1"/>
-            <p:nvPr/>
-          </p:nvSpPr>
-          <p:spPr>
-            <a:xfrm>
-              <a:off x="7248792" y="2583686"/>
-              <a:ext cx="1638300" cy="646331"/>
-            </a:xfrm>
-            <a:prstGeom prst="rect">
-              <a:avLst/>
-            </a:prstGeom>
-            <a:solidFill>
-              <a:srgbClr val="0070C0"/>
-            </a:solidFill>
-          </p:spPr>
-          <p:txBody>
-            <a:bodyPr wrap="square" rtlCol="0">
-              <a:spAutoFit/>
-            </a:bodyPr>
-            <a:lstStyle/>
-            <a:p>
-              <a:pPr algn="ctr"/>
-              <a:r>
-                <a:rPr lang="en-SG" dirty="0">
-                  <a:solidFill>
-                    <a:schemeClr val="bg1"/>
-                  </a:solidFill>
-                </a:rPr>
-                <a:t>r:Rate</a:t>
-              </a:r>
-            </a:p>
-            <a:p>
-              <a:pPr algn="ctr"/>
-              <a:r>
-                <a:rPr lang="en-SG" dirty="0">
-                  <a:solidFill>
-                    <a:schemeClr val="bg1"/>
-                  </a:solidFill>
-                </a:rPr>
-                <a:t>Command</a:t>
-              </a:r>
-            </a:p>
-          </p:txBody>
-        </p:sp>
-        <p:cxnSp>
-          <p:nvCxnSpPr>
-            <p:cNvPr id="41" name="Straight Connector 40">
-              <a:extLst>
-                <a:ext uri="{FF2B5EF4-FFF2-40B4-BE49-F238E27FC236}">
-                  <a16:creationId xmlns:a16="http://schemas.microsoft.com/office/drawing/2014/main" id="{E2A7DBC7-11E4-470D-B6A8-79BDD0AF67A3}"/>
-                </a:ext>
-              </a:extLst>
-            </p:cNvPr>
-            <p:cNvCxnSpPr>
-              <a:cxnSpLocks/>
-              <a:stCxn id="39" idx="2"/>
-              <a:endCxn id="42" idx="0"/>
-            </p:cNvCxnSpPr>
-            <p:nvPr/>
-          </p:nvCxnSpPr>
-          <p:spPr>
-            <a:xfrm>
-              <a:off x="8067940" y="4171950"/>
-              <a:ext cx="0" cy="614572"/>
-            </a:xfrm>
-            <a:prstGeom prst="line">
-              <a:avLst/>
-            </a:prstGeom>
-            <a:ln w="28575">
-              <a:solidFill>
-                <a:srgbClr val="0070C0"/>
-              </a:solidFill>
-              <a:prstDash val="sysDot"/>
-            </a:ln>
-          </p:spPr>
-          <p:style>
-            <a:lnRef idx="1">
-              <a:schemeClr val="accent1"/>
-            </a:lnRef>
-            <a:fillRef idx="0">
-              <a:schemeClr val="accent1"/>
-            </a:fillRef>
-            <a:effectRef idx="0">
-              <a:schemeClr val="accent1"/>
-            </a:effectRef>
-            <a:fontRef idx="minor">
-              <a:schemeClr val="tx1"/>
-            </a:fontRef>
-          </p:style>
-        </p:cxnSp>
-        <p:sp>
-          <p:nvSpPr>
-            <p:cNvPr id="42" name="Rectangle 41">
-              <a:extLst>
-                <a:ext uri="{FF2B5EF4-FFF2-40B4-BE49-F238E27FC236}">
-                  <a16:creationId xmlns:a16="http://schemas.microsoft.com/office/drawing/2014/main" id="{B24DAB33-6DA0-4619-BC56-6B3A0EE097EA}"/>
-                </a:ext>
-              </a:extLst>
-            </p:cNvPr>
-            <p:cNvSpPr/>
-            <p:nvPr/>
-          </p:nvSpPr>
-          <p:spPr>
-            <a:xfrm>
-              <a:off x="7972791" y="4786522"/>
-              <a:ext cx="190297" cy="1253853"/>
-            </a:xfrm>
-            <a:prstGeom prst="rect">
-              <a:avLst/>
-            </a:prstGeom>
-            <a:solidFill>
-              <a:srgbClr val="0070C0"/>
-            </a:solidFill>
-            <a:ln>
-              <a:noFill/>
-            </a:ln>
-          </p:spPr>
-          <p:style>
-            <a:lnRef idx="2">
-              <a:schemeClr val="accent1">
-                <a:shade val="50000"/>
-              </a:schemeClr>
-            </a:lnRef>
-            <a:fillRef idx="1">
-              <a:schemeClr val="accent1"/>
-            </a:fillRef>
-            <a:effectRef idx="0">
-              <a:schemeClr val="accent1"/>
-            </a:effectRef>
-            <a:fontRef idx="minor">
-              <a:schemeClr val="lt1"/>
-            </a:fontRef>
-          </p:style>
-          <p:txBody>
-            <a:bodyPr rtlCol="0" anchor="ctr"/>
-            <a:lstStyle/>
-            <a:p>
-              <a:pPr algn="ctr"/>
-              <a:endParaRPr lang="en-SG"/>
-            </a:p>
-          </p:txBody>
-        </p:sp>
-        <p:sp>
-          <p:nvSpPr>
-            <p:cNvPr id="46" name="Rectangle 45">
-              <a:extLst>
-                <a:ext uri="{FF2B5EF4-FFF2-40B4-BE49-F238E27FC236}">
-                  <a16:creationId xmlns:a16="http://schemas.microsoft.com/office/drawing/2014/main" id="{D41E4CF0-B643-4416-81B6-6B21876F32C0}"/>
-                </a:ext>
-              </a:extLst>
-            </p:cNvPr>
-            <p:cNvSpPr/>
-            <p:nvPr/>
-          </p:nvSpPr>
-          <p:spPr>
-            <a:xfrm>
-              <a:off x="9325692" y="5839745"/>
-              <a:ext cx="190297" cy="111889"/>
-            </a:xfrm>
-            <a:prstGeom prst="rect">
-              <a:avLst/>
-            </a:prstGeom>
-            <a:solidFill>
-              <a:srgbClr val="0070C0"/>
-            </a:solidFill>
-            <a:ln>
-              <a:noFill/>
-            </a:ln>
-          </p:spPr>
-          <p:style>
-            <a:lnRef idx="2">
-              <a:schemeClr val="accent1">
-                <a:shade val="50000"/>
-              </a:schemeClr>
-            </a:lnRef>
-            <a:fillRef idx="1">
-              <a:schemeClr val="accent1"/>
-            </a:fillRef>
-            <a:effectRef idx="0">
-              <a:schemeClr val="accent1"/>
-            </a:effectRef>
-            <a:fontRef idx="minor">
-              <a:schemeClr val="lt1"/>
-            </a:fontRef>
-          </p:style>
-          <p:txBody>
-            <a:bodyPr rtlCol="0" anchor="ctr"/>
-            <a:lstStyle/>
-            <a:p>
-              <a:pPr algn="ctr"/>
-              <a:endParaRPr lang="en-SG"/>
-            </a:p>
-          </p:txBody>
-        </p:sp>
-        <p:sp>
-          <p:nvSpPr>
-            <p:cNvPr id="47" name="TextBox 46">
-              <a:extLst>
-                <a:ext uri="{FF2B5EF4-FFF2-40B4-BE49-F238E27FC236}">
-                  <a16:creationId xmlns:a16="http://schemas.microsoft.com/office/drawing/2014/main" id="{0FA085DC-52BF-4EEB-9F73-3060C33681BE}"/>
-                </a:ext>
-              </a:extLst>
-            </p:cNvPr>
-            <p:cNvSpPr txBox="1"/>
-            <p:nvPr/>
-          </p:nvSpPr>
-          <p:spPr>
-            <a:xfrm>
-              <a:off x="8601693" y="5193414"/>
-              <a:ext cx="1638300" cy="646331"/>
-            </a:xfrm>
-            <a:prstGeom prst="rect">
-              <a:avLst/>
-            </a:prstGeom>
-            <a:solidFill>
-              <a:srgbClr val="0070C0"/>
-            </a:solidFill>
-          </p:spPr>
-          <p:txBody>
-            <a:bodyPr wrap="square" rtlCol="0">
-              <a:spAutoFit/>
-            </a:bodyPr>
-            <a:lstStyle/>
-            <a:p>
-              <a:pPr algn="ctr"/>
-              <a:r>
-                <a:rPr lang="en-SG" dirty="0">
-                  <a:solidFill>
-                    <a:schemeClr val="bg1"/>
-                  </a:solidFill>
-                </a:rPr>
-                <a:t>:</a:t>
-              </a:r>
-              <a:r>
-                <a:rPr lang="en-SG" dirty="0" err="1">
-                  <a:solidFill>
-                    <a:schemeClr val="bg1"/>
-                  </a:solidFill>
-                </a:rPr>
-                <a:t>RateCommand</a:t>
-              </a:r>
-              <a:endParaRPr lang="en-SG" dirty="0">
-                <a:solidFill>
-                  <a:schemeClr val="bg1"/>
-                </a:solidFill>
-              </a:endParaRPr>
-            </a:p>
-            <a:p>
-              <a:pPr algn="ctr"/>
-              <a:r>
-                <a:rPr lang="en-SG" dirty="0">
-                  <a:solidFill>
-                    <a:schemeClr val="bg1"/>
-                  </a:solidFill>
-                </a:rPr>
-                <a:t>Parser</a:t>
-              </a:r>
-            </a:p>
-          </p:txBody>
-        </p:sp>
-        <p:cxnSp>
-          <p:nvCxnSpPr>
-            <p:cNvPr id="50" name="Straight Connector 49">
-              <a:extLst>
-                <a:ext uri="{FF2B5EF4-FFF2-40B4-BE49-F238E27FC236}">
-                  <a16:creationId xmlns:a16="http://schemas.microsoft.com/office/drawing/2014/main" id="{8E2448D3-DA38-41ED-B7FB-DFA7B2154002}"/>
-                </a:ext>
-              </a:extLst>
-            </p:cNvPr>
-            <p:cNvCxnSpPr>
-              <a:cxnSpLocks/>
-              <a:stCxn id="15" idx="2"/>
-            </p:cNvCxnSpPr>
-            <p:nvPr/>
-          </p:nvCxnSpPr>
-          <p:spPr>
-            <a:xfrm flipH="1">
-              <a:off x="4020583" y="4394580"/>
-              <a:ext cx="4204" cy="249067"/>
-            </a:xfrm>
-            <a:prstGeom prst="line">
-              <a:avLst/>
-            </a:prstGeom>
-            <a:ln w="28575">
-              <a:solidFill>
-                <a:srgbClr val="0070C0"/>
-              </a:solidFill>
-              <a:prstDash val="sysDot"/>
-            </a:ln>
-          </p:spPr>
-          <p:style>
-            <a:lnRef idx="1">
-              <a:schemeClr val="accent1"/>
-            </a:lnRef>
-            <a:fillRef idx="0">
-              <a:schemeClr val="accent1"/>
-            </a:fillRef>
-            <a:effectRef idx="0">
-              <a:schemeClr val="accent1"/>
-            </a:effectRef>
-            <a:fontRef idx="minor">
-              <a:schemeClr val="tx1"/>
-            </a:fontRef>
-          </p:style>
-        </p:cxnSp>
-        <p:cxnSp>
-          <p:nvCxnSpPr>
-            <p:cNvPr id="54" name="Straight Connector 53">
-              <a:extLst>
-                <a:ext uri="{FF2B5EF4-FFF2-40B4-BE49-F238E27FC236}">
-                  <a16:creationId xmlns:a16="http://schemas.microsoft.com/office/drawing/2014/main" id="{3D64C8DE-748A-4C0E-8F4B-44F7DEFE540E}"/>
-                </a:ext>
-              </a:extLst>
-            </p:cNvPr>
-            <p:cNvCxnSpPr>
-              <a:cxnSpLocks/>
-              <a:stCxn id="42" idx="2"/>
-            </p:cNvCxnSpPr>
-            <p:nvPr/>
-          </p:nvCxnSpPr>
-          <p:spPr>
-            <a:xfrm>
-              <a:off x="8067940" y="6040375"/>
-              <a:ext cx="0" cy="322324"/>
-            </a:xfrm>
-            <a:prstGeom prst="line">
-              <a:avLst/>
-            </a:prstGeom>
-            <a:ln w="28575">
-              <a:solidFill>
-                <a:srgbClr val="0070C0"/>
-              </a:solidFill>
-              <a:prstDash val="sysDot"/>
-            </a:ln>
-          </p:spPr>
-          <p:style>
-            <a:lnRef idx="1">
-              <a:schemeClr val="accent1"/>
-            </a:lnRef>
-            <a:fillRef idx="0">
-              <a:schemeClr val="accent1"/>
-            </a:fillRef>
-            <a:effectRef idx="0">
-              <a:schemeClr val="accent1"/>
-            </a:effectRef>
-            <a:fontRef idx="minor">
-              <a:schemeClr val="tx1"/>
-            </a:fontRef>
-          </p:style>
-        </p:cxnSp>
-        <p:cxnSp>
-          <p:nvCxnSpPr>
-            <p:cNvPr id="60" name="Straight Arrow Connector 59">
-              <a:extLst>
-                <a:ext uri="{FF2B5EF4-FFF2-40B4-BE49-F238E27FC236}">
-                  <a16:creationId xmlns:a16="http://schemas.microsoft.com/office/drawing/2014/main" id="{8EB5EDB3-2877-4032-91B7-76B23463E5AC}"/>
-                </a:ext>
-              </a:extLst>
-            </p:cNvPr>
-            <p:cNvCxnSpPr/>
-            <p:nvPr/>
-          </p:nvCxnSpPr>
-          <p:spPr>
-            <a:xfrm>
-              <a:off x="2143063" y="2403730"/>
-              <a:ext cx="1782370" cy="0"/>
-            </a:xfrm>
-            <a:prstGeom prst="straightConnector1">
-              <a:avLst/>
-            </a:prstGeom>
-            <a:ln w="38100">
-              <a:solidFill>
-                <a:srgbClr val="0070C0"/>
-              </a:solidFill>
-              <a:tailEnd type="triangle"/>
-            </a:ln>
-          </p:spPr>
-          <p:style>
-            <a:lnRef idx="1">
-              <a:schemeClr val="accent1"/>
-            </a:lnRef>
-            <a:fillRef idx="0">
-              <a:schemeClr val="accent1"/>
-            </a:fillRef>
-            <a:effectRef idx="0">
-              <a:schemeClr val="accent1"/>
-            </a:effectRef>
-            <a:fontRef idx="minor">
-              <a:schemeClr val="tx1"/>
-            </a:fontRef>
-          </p:style>
-        </p:cxnSp>
-        <p:cxnSp>
-          <p:nvCxnSpPr>
-            <p:cNvPr id="61" name="Straight Arrow Connector 60">
-              <a:extLst>
-                <a:ext uri="{FF2B5EF4-FFF2-40B4-BE49-F238E27FC236}">
-                  <a16:creationId xmlns:a16="http://schemas.microsoft.com/office/drawing/2014/main" id="{5D8FFCBE-9441-4725-9C77-F312DEF610D5}"/>
-                </a:ext>
-              </a:extLst>
-            </p:cNvPr>
-            <p:cNvCxnSpPr>
-              <a:cxnSpLocks/>
-            </p:cNvCxnSpPr>
-            <p:nvPr/>
-          </p:nvCxnSpPr>
-          <p:spPr>
-            <a:xfrm flipH="1">
-              <a:off x="2143063" y="4374710"/>
-              <a:ext cx="1782371" cy="0"/>
-            </a:xfrm>
-            <a:prstGeom prst="straightConnector1">
-              <a:avLst/>
-            </a:prstGeom>
-            <a:ln w="38100">
-              <a:solidFill>
-                <a:srgbClr val="0070C0"/>
-              </a:solidFill>
-              <a:prstDash val="sysDot"/>
-              <a:tailEnd type="triangle"/>
-            </a:ln>
-          </p:spPr>
-          <p:style>
-            <a:lnRef idx="1">
-              <a:schemeClr val="accent1"/>
-            </a:lnRef>
-            <a:fillRef idx="0">
-              <a:schemeClr val="accent1"/>
-            </a:fillRef>
-            <a:effectRef idx="0">
-              <a:schemeClr val="accent1"/>
-            </a:effectRef>
-            <a:fontRef idx="minor">
-              <a:schemeClr val="tx1"/>
-            </a:fontRef>
-          </p:style>
-        </p:cxnSp>
-        <p:cxnSp>
-          <p:nvCxnSpPr>
-            <p:cNvPr id="67" name="Straight Arrow Connector 66">
-              <a:extLst>
-                <a:ext uri="{FF2B5EF4-FFF2-40B4-BE49-F238E27FC236}">
-                  <a16:creationId xmlns:a16="http://schemas.microsoft.com/office/drawing/2014/main" id="{689938D5-EF31-4C0F-A4AA-A37C540D5EC4}"/>
-                </a:ext>
-              </a:extLst>
-            </p:cNvPr>
-            <p:cNvCxnSpPr>
-              <a:cxnSpLocks/>
-            </p:cNvCxnSpPr>
-            <p:nvPr/>
-          </p:nvCxnSpPr>
-          <p:spPr>
-            <a:xfrm flipH="1">
-              <a:off x="4114187" y="4258000"/>
-              <a:ext cx="1782371" cy="0"/>
-            </a:xfrm>
-            <a:prstGeom prst="straightConnector1">
-              <a:avLst/>
-            </a:prstGeom>
-            <a:ln w="38100">
-              <a:solidFill>
-                <a:srgbClr val="0070C0"/>
-              </a:solidFill>
-              <a:prstDash val="sysDot"/>
-              <a:tailEnd type="triangle"/>
-            </a:ln>
-          </p:spPr>
-          <p:style>
-            <a:lnRef idx="1">
-              <a:schemeClr val="accent1"/>
-            </a:lnRef>
-            <a:fillRef idx="0">
-              <a:schemeClr val="accent1"/>
-            </a:fillRef>
-            <a:effectRef idx="0">
-              <a:schemeClr val="accent1"/>
-            </a:effectRef>
-            <a:fontRef idx="minor">
-              <a:schemeClr val="tx1"/>
-            </a:fontRef>
-          </p:style>
-        </p:cxnSp>
-        <p:cxnSp>
-          <p:nvCxnSpPr>
-            <p:cNvPr id="68" name="Straight Arrow Connector 67">
-              <a:extLst>
-                <a:ext uri="{FF2B5EF4-FFF2-40B4-BE49-F238E27FC236}">
-                  <a16:creationId xmlns:a16="http://schemas.microsoft.com/office/drawing/2014/main" id="{06742E92-3788-49B9-BE85-8F034CAF4AF0}"/>
-                </a:ext>
-              </a:extLst>
-            </p:cNvPr>
-            <p:cNvCxnSpPr/>
-            <p:nvPr/>
-          </p:nvCxnSpPr>
-          <p:spPr>
-            <a:xfrm>
-              <a:off x="4114187" y="3041218"/>
-              <a:ext cx="1782370" cy="0"/>
-            </a:xfrm>
-            <a:prstGeom prst="straightConnector1">
-              <a:avLst/>
-            </a:prstGeom>
-            <a:ln w="38100">
-              <a:solidFill>
-                <a:srgbClr val="0070C0"/>
-              </a:solidFill>
-              <a:tailEnd type="triangle"/>
-            </a:ln>
-          </p:spPr>
-          <p:style>
-            <a:lnRef idx="1">
-              <a:schemeClr val="accent1"/>
-            </a:lnRef>
-            <a:fillRef idx="0">
-              <a:schemeClr val="accent1"/>
-            </a:fillRef>
-            <a:effectRef idx="0">
-              <a:schemeClr val="accent1"/>
-            </a:effectRef>
-            <a:fontRef idx="minor">
-              <a:schemeClr val="tx1"/>
-            </a:fontRef>
-          </p:style>
-        </p:cxnSp>
-        <p:cxnSp>
-          <p:nvCxnSpPr>
-            <p:cNvPr id="69" name="Straight Arrow Connector 68">
-              <a:extLst>
-                <a:ext uri="{FF2B5EF4-FFF2-40B4-BE49-F238E27FC236}">
-                  <a16:creationId xmlns:a16="http://schemas.microsoft.com/office/drawing/2014/main" id="{7607B5D3-7FAD-48E8-8A78-F1CDB0FBF9F9}"/>
-                </a:ext>
-              </a:extLst>
-            </p:cNvPr>
-            <p:cNvCxnSpPr>
-              <a:cxnSpLocks/>
-            </p:cNvCxnSpPr>
-            <p:nvPr/>
-          </p:nvCxnSpPr>
-          <p:spPr>
-            <a:xfrm>
-              <a:off x="4114187" y="2462604"/>
-              <a:ext cx="1068221" cy="0"/>
-            </a:xfrm>
-            <a:prstGeom prst="straightConnector1">
-              <a:avLst/>
-            </a:prstGeom>
-            <a:ln w="38100">
-              <a:solidFill>
-                <a:srgbClr val="0070C0"/>
-              </a:solidFill>
-              <a:tailEnd type="triangle"/>
-            </a:ln>
-          </p:spPr>
-          <p:style>
-            <a:lnRef idx="1">
-              <a:schemeClr val="accent1"/>
-            </a:lnRef>
-            <a:fillRef idx="0">
-              <a:schemeClr val="accent1"/>
-            </a:fillRef>
-            <a:effectRef idx="0">
-              <a:schemeClr val="accent1"/>
-            </a:effectRef>
-            <a:fontRef idx="minor">
-              <a:schemeClr val="tx1"/>
-            </a:fontRef>
-          </p:style>
-        </p:cxnSp>
-        <p:cxnSp>
-          <p:nvCxnSpPr>
-            <p:cNvPr id="74" name="Straight Arrow Connector 73">
-              <a:extLst>
-                <a:ext uri="{FF2B5EF4-FFF2-40B4-BE49-F238E27FC236}">
-                  <a16:creationId xmlns:a16="http://schemas.microsoft.com/office/drawing/2014/main" id="{03112C42-4DCF-4814-8B67-0B85D7C1FDEB}"/>
-                </a:ext>
-              </a:extLst>
-            </p:cNvPr>
-            <p:cNvCxnSpPr>
-              <a:cxnSpLocks/>
-            </p:cNvCxnSpPr>
-            <p:nvPr/>
-          </p:nvCxnSpPr>
-          <p:spPr>
-            <a:xfrm>
-              <a:off x="2143063" y="4813555"/>
-              <a:ext cx="5829728" cy="0"/>
-            </a:xfrm>
-            <a:prstGeom prst="straightConnector1">
-              <a:avLst/>
-            </a:prstGeom>
-            <a:ln w="38100">
-              <a:solidFill>
-                <a:srgbClr val="0070C0"/>
-              </a:solidFill>
-              <a:tailEnd type="triangle"/>
-            </a:ln>
-          </p:spPr>
-          <p:style>
-            <a:lnRef idx="1">
-              <a:schemeClr val="accent1"/>
-            </a:lnRef>
-            <a:fillRef idx="0">
-              <a:schemeClr val="accent1"/>
-            </a:fillRef>
-            <a:effectRef idx="0">
-              <a:schemeClr val="accent1"/>
-            </a:effectRef>
-            <a:fontRef idx="minor">
-              <a:schemeClr val="tx1"/>
-            </a:fontRef>
-          </p:style>
-        </p:cxnSp>
-        <p:cxnSp>
-          <p:nvCxnSpPr>
-            <p:cNvPr id="78" name="Straight Arrow Connector 77">
-              <a:extLst>
-                <a:ext uri="{FF2B5EF4-FFF2-40B4-BE49-F238E27FC236}">
-                  <a16:creationId xmlns:a16="http://schemas.microsoft.com/office/drawing/2014/main" id="{F8D58AA4-DB87-4FAF-9E01-79B82F89F43D}"/>
-                </a:ext>
-              </a:extLst>
-            </p:cNvPr>
-            <p:cNvCxnSpPr>
-              <a:cxnSpLocks/>
-            </p:cNvCxnSpPr>
-            <p:nvPr/>
-          </p:nvCxnSpPr>
-          <p:spPr>
-            <a:xfrm flipH="1">
-              <a:off x="2143063" y="6024060"/>
-              <a:ext cx="5829729" cy="0"/>
-            </a:xfrm>
-            <a:prstGeom prst="straightConnector1">
-              <a:avLst/>
-            </a:prstGeom>
-            <a:ln w="38100">
-              <a:solidFill>
-                <a:srgbClr val="0070C0"/>
-              </a:solidFill>
-              <a:prstDash val="sysDot"/>
-              <a:tailEnd type="triangle"/>
-            </a:ln>
-          </p:spPr>
-          <p:style>
-            <a:lnRef idx="1">
-              <a:schemeClr val="accent1"/>
-            </a:lnRef>
-            <a:fillRef idx="0">
-              <a:schemeClr val="accent1"/>
-            </a:fillRef>
-            <a:effectRef idx="0">
-              <a:schemeClr val="accent1"/>
-            </a:effectRef>
-            <a:fontRef idx="minor">
-              <a:schemeClr val="tx1"/>
-            </a:fontRef>
-          </p:style>
-        </p:cxnSp>
-        <p:cxnSp>
-          <p:nvCxnSpPr>
-            <p:cNvPr id="80" name="Straight Arrow Connector 79">
-              <a:extLst>
-                <a:ext uri="{FF2B5EF4-FFF2-40B4-BE49-F238E27FC236}">
-                  <a16:creationId xmlns:a16="http://schemas.microsoft.com/office/drawing/2014/main" id="{A8B89225-7561-4F1F-9474-73A5C0D47B50}"/>
-                </a:ext>
-              </a:extLst>
-            </p:cNvPr>
-            <p:cNvCxnSpPr>
-              <a:cxnSpLocks/>
-            </p:cNvCxnSpPr>
-            <p:nvPr/>
-          </p:nvCxnSpPr>
-          <p:spPr>
-            <a:xfrm>
-              <a:off x="8163088" y="5460873"/>
-              <a:ext cx="438605" cy="0"/>
-            </a:xfrm>
-            <a:prstGeom prst="straightConnector1">
-              <a:avLst/>
-            </a:prstGeom>
-            <a:ln w="38100">
-              <a:solidFill>
-                <a:srgbClr val="0070C0"/>
-              </a:solidFill>
-              <a:tailEnd type="triangle"/>
-            </a:ln>
-          </p:spPr>
-          <p:style>
-            <a:lnRef idx="1">
-              <a:schemeClr val="accent1"/>
-            </a:lnRef>
-            <a:fillRef idx="0">
-              <a:schemeClr val="accent1"/>
-            </a:fillRef>
-            <a:effectRef idx="0">
-              <a:schemeClr val="accent1"/>
-            </a:effectRef>
-            <a:fontRef idx="minor">
-              <a:schemeClr val="tx1"/>
-            </a:fontRef>
-          </p:style>
-        </p:cxnSp>
-        <p:cxnSp>
-          <p:nvCxnSpPr>
-            <p:cNvPr id="84" name="Straight Arrow Connector 83">
-              <a:extLst>
-                <a:ext uri="{FF2B5EF4-FFF2-40B4-BE49-F238E27FC236}">
-                  <a16:creationId xmlns:a16="http://schemas.microsoft.com/office/drawing/2014/main" id="{FD0AAF4E-65D6-4A00-8666-F0E025985427}"/>
-                </a:ext>
-              </a:extLst>
-            </p:cNvPr>
-            <p:cNvCxnSpPr>
-              <a:cxnSpLocks/>
-            </p:cNvCxnSpPr>
-            <p:nvPr/>
-          </p:nvCxnSpPr>
-          <p:spPr>
-            <a:xfrm flipH="1">
-              <a:off x="8163088" y="5932584"/>
-              <a:ext cx="1162605" cy="0"/>
-            </a:xfrm>
-            <a:prstGeom prst="straightConnector1">
-              <a:avLst/>
-            </a:prstGeom>
-            <a:ln w="38100">
-              <a:solidFill>
-                <a:srgbClr val="0070C0"/>
-              </a:solidFill>
-              <a:prstDash val="sysDot"/>
-              <a:tailEnd type="triangle"/>
-            </a:ln>
-          </p:spPr>
-          <p:style>
-            <a:lnRef idx="1">
-              <a:schemeClr val="accent1"/>
-            </a:lnRef>
-            <a:fillRef idx="0">
-              <a:schemeClr val="accent1"/>
-            </a:fillRef>
-            <a:effectRef idx="0">
-              <a:schemeClr val="accent1"/>
-            </a:effectRef>
-            <a:fontRef idx="minor">
-              <a:schemeClr val="tx1"/>
-            </a:fontRef>
-          </p:style>
-        </p:cxnSp>
-        <p:cxnSp>
-          <p:nvCxnSpPr>
-            <p:cNvPr id="86" name="Straight Arrow Connector 85">
-              <a:extLst>
-                <a:ext uri="{FF2B5EF4-FFF2-40B4-BE49-F238E27FC236}">
-                  <a16:creationId xmlns:a16="http://schemas.microsoft.com/office/drawing/2014/main" id="{CAAF6643-6EDF-4C96-B6A8-A29B442EE782}"/>
-                </a:ext>
-              </a:extLst>
-            </p:cNvPr>
-            <p:cNvCxnSpPr>
-              <a:cxnSpLocks/>
-            </p:cNvCxnSpPr>
-            <p:nvPr/>
-          </p:nvCxnSpPr>
-          <p:spPr>
-            <a:xfrm>
-              <a:off x="133350" y="2273475"/>
-              <a:ext cx="1819452" cy="0"/>
-            </a:xfrm>
-            <a:prstGeom prst="straightConnector1">
-              <a:avLst/>
-            </a:prstGeom>
-            <a:ln w="38100">
-              <a:solidFill>
-                <a:schemeClr val="accent6"/>
-              </a:solidFill>
-              <a:tailEnd type="triangle"/>
-            </a:ln>
-          </p:spPr>
-          <p:style>
-            <a:lnRef idx="1">
-              <a:schemeClr val="accent1"/>
-            </a:lnRef>
-            <a:fillRef idx="0">
-              <a:schemeClr val="accent1"/>
-            </a:fillRef>
-            <a:effectRef idx="0">
-              <a:schemeClr val="accent1"/>
-            </a:effectRef>
-            <a:fontRef idx="minor">
-              <a:schemeClr val="tx1"/>
-            </a:fontRef>
-          </p:style>
-        </p:cxnSp>
-        <p:cxnSp>
-          <p:nvCxnSpPr>
-            <p:cNvPr id="88" name="Straight Arrow Connector 87">
-              <a:extLst>
-                <a:ext uri="{FF2B5EF4-FFF2-40B4-BE49-F238E27FC236}">
-                  <a16:creationId xmlns:a16="http://schemas.microsoft.com/office/drawing/2014/main" id="{8FB13AA7-35FC-470F-B361-059709F55615}"/>
-                </a:ext>
-              </a:extLst>
-            </p:cNvPr>
-            <p:cNvCxnSpPr>
-              <a:cxnSpLocks/>
-            </p:cNvCxnSpPr>
-            <p:nvPr/>
-          </p:nvCxnSpPr>
-          <p:spPr>
-            <a:xfrm flipH="1">
-              <a:off x="133350" y="6333813"/>
-              <a:ext cx="1819454" cy="0"/>
-            </a:xfrm>
-            <a:prstGeom prst="straightConnector1">
-              <a:avLst/>
-            </a:prstGeom>
-            <a:ln w="38100">
-              <a:solidFill>
-                <a:srgbClr val="0070C0"/>
-              </a:solidFill>
-              <a:prstDash val="sysDot"/>
-              <a:tailEnd type="triangle"/>
-            </a:ln>
-          </p:spPr>
-          <p:style>
-            <a:lnRef idx="1">
-              <a:schemeClr val="accent1"/>
-            </a:lnRef>
-            <a:fillRef idx="0">
-              <a:schemeClr val="accent1"/>
-            </a:fillRef>
-            <a:effectRef idx="0">
-              <a:schemeClr val="accent1"/>
-            </a:effectRef>
-            <a:fontRef idx="minor">
-              <a:schemeClr val="tx1"/>
-            </a:fontRef>
-          </p:style>
-        </p:cxnSp>
-        <p:sp>
-          <p:nvSpPr>
-            <p:cNvPr id="91" name="TextBox 90">
-              <a:extLst>
-                <a:ext uri="{FF2B5EF4-FFF2-40B4-BE49-F238E27FC236}">
-                  <a16:creationId xmlns:a16="http://schemas.microsoft.com/office/drawing/2014/main" id="{E691E97E-2164-44CD-AB4E-EEF85960145B}"/>
-                </a:ext>
-              </a:extLst>
-            </p:cNvPr>
-            <p:cNvSpPr txBox="1"/>
-            <p:nvPr/>
-          </p:nvSpPr>
-          <p:spPr>
-            <a:xfrm>
-              <a:off x="-279400" y="1904143"/>
-              <a:ext cx="2184637" cy="369332"/>
+              <a:off x="2906817" y="4003936"/>
+              <a:ext cx="264816" cy="369332"/>
             </a:xfrm>
             <a:prstGeom prst="rect">
               <a:avLst/>
@@ -5265,657 +5969,7 @@
                     <a:srgbClr val="0070C0"/>
                   </a:solidFill>
                 </a:rPr>
-                <a:t>execute(“rate 1 r/5”)</a:t>
-              </a:r>
-            </a:p>
-          </p:txBody>
-        </p:sp>
-        <p:sp>
-          <p:nvSpPr>
-            <p:cNvPr id="95" name="TextBox 94">
-              <a:extLst>
-                <a:ext uri="{FF2B5EF4-FFF2-40B4-BE49-F238E27FC236}">
-                  <a16:creationId xmlns:a16="http://schemas.microsoft.com/office/drawing/2014/main" id="{644C2FF2-0556-4087-AB78-88FEA7435B82}"/>
-                </a:ext>
-              </a:extLst>
-            </p:cNvPr>
-            <p:cNvSpPr txBox="1"/>
-            <p:nvPr/>
-          </p:nvSpPr>
-          <p:spPr>
-            <a:xfrm>
-              <a:off x="1059846" y="5963699"/>
-              <a:ext cx="718658" cy="369332"/>
-            </a:xfrm>
-            <a:prstGeom prst="rect">
-              <a:avLst/>
-            </a:prstGeom>
-            <a:noFill/>
-          </p:spPr>
-          <p:txBody>
-            <a:bodyPr wrap="none" rtlCol="0">
-              <a:spAutoFit/>
-            </a:bodyPr>
-            <a:lstStyle/>
-            <a:p>
-              <a:r>
-                <a:rPr lang="en-SG" dirty="0">
-                  <a:solidFill>
-                    <a:srgbClr val="0070C0"/>
-                  </a:solidFill>
-                </a:rPr>
-                <a:t>result</a:t>
-              </a:r>
-            </a:p>
-          </p:txBody>
-        </p:sp>
-        <p:sp>
-          <p:nvSpPr>
-            <p:cNvPr id="96" name="TextBox 95">
-              <a:extLst>
-                <a:ext uri="{FF2B5EF4-FFF2-40B4-BE49-F238E27FC236}">
-                  <a16:creationId xmlns:a16="http://schemas.microsoft.com/office/drawing/2014/main" id="{EFC58AEB-E6DB-4C13-8426-1AB57E659C64}"/>
-                </a:ext>
-              </a:extLst>
-            </p:cNvPr>
-            <p:cNvSpPr txBox="1"/>
-            <p:nvPr/>
-          </p:nvSpPr>
-          <p:spPr>
-            <a:xfrm>
-              <a:off x="4698598" y="5652423"/>
-              <a:ext cx="718658" cy="369332"/>
-            </a:xfrm>
-            <a:prstGeom prst="rect">
-              <a:avLst/>
-            </a:prstGeom>
-            <a:noFill/>
-          </p:spPr>
-          <p:txBody>
-            <a:bodyPr wrap="none" rtlCol="0">
-              <a:spAutoFit/>
-            </a:bodyPr>
-            <a:lstStyle/>
-            <a:p>
-              <a:r>
-                <a:rPr lang="en-SG" dirty="0">
-                  <a:solidFill>
-                    <a:srgbClr val="0070C0"/>
-                  </a:solidFill>
-                </a:rPr>
-                <a:t>result</a:t>
-              </a:r>
-            </a:p>
-          </p:txBody>
-        </p:sp>
-        <p:sp>
-          <p:nvSpPr>
-            <p:cNvPr id="97" name="TextBox 96">
-              <a:extLst>
-                <a:ext uri="{FF2B5EF4-FFF2-40B4-BE49-F238E27FC236}">
-                  <a16:creationId xmlns:a16="http://schemas.microsoft.com/office/drawing/2014/main" id="{38B8934D-6942-4D14-A590-EF569889FD65}"/>
-                </a:ext>
-              </a:extLst>
-            </p:cNvPr>
-            <p:cNvSpPr txBox="1"/>
-            <p:nvPr/>
-          </p:nvSpPr>
-          <p:spPr>
-            <a:xfrm>
-              <a:off x="4616193" y="4458981"/>
-              <a:ext cx="1055866" cy="369332"/>
-            </a:xfrm>
-            <a:prstGeom prst="rect">
-              <a:avLst/>
-            </a:prstGeom>
-            <a:noFill/>
-          </p:spPr>
-          <p:txBody>
-            <a:bodyPr wrap="none" rtlCol="0">
-              <a:spAutoFit/>
-            </a:bodyPr>
-            <a:lstStyle/>
-            <a:p>
-              <a:r>
-                <a:rPr lang="en-SG" dirty="0">
-                  <a:solidFill>
-                    <a:srgbClr val="0070C0"/>
-                  </a:solidFill>
-                </a:rPr>
-                <a:t>execute()</a:t>
-              </a:r>
-            </a:p>
-          </p:txBody>
-        </p:sp>
-        <p:sp>
-          <p:nvSpPr>
-            <p:cNvPr id="98" name="TextBox 97">
-              <a:extLst>
-                <a:ext uri="{FF2B5EF4-FFF2-40B4-BE49-F238E27FC236}">
-                  <a16:creationId xmlns:a16="http://schemas.microsoft.com/office/drawing/2014/main" id="{8E3D482B-09AC-4DC6-99C3-E453FEA90C78}"/>
-                </a:ext>
-              </a:extLst>
-            </p:cNvPr>
-            <p:cNvSpPr txBox="1"/>
-            <p:nvPr/>
-          </p:nvSpPr>
-          <p:spPr>
-            <a:xfrm>
-              <a:off x="2078560" y="2027753"/>
-              <a:ext cx="1915396" cy="369332"/>
-            </a:xfrm>
-            <a:prstGeom prst="rect">
-              <a:avLst/>
-            </a:prstGeom>
-            <a:noFill/>
-          </p:spPr>
-          <p:txBody>
-            <a:bodyPr wrap="none" rtlCol="0">
-              <a:spAutoFit/>
-            </a:bodyPr>
-            <a:lstStyle/>
-            <a:p>
-              <a:r>
-                <a:rPr lang="en-SG" dirty="0">
-                  <a:solidFill>
-                    <a:srgbClr val="0070C0"/>
-                  </a:solidFill>
-                </a:rPr>
-                <a:t>parse(“rate 1 r/5”)</a:t>
-              </a:r>
-            </a:p>
-          </p:txBody>
-        </p:sp>
-        <p:cxnSp>
-          <p:nvCxnSpPr>
-            <p:cNvPr id="99" name="Straight Arrow Connector 98">
-              <a:extLst>
-                <a:ext uri="{FF2B5EF4-FFF2-40B4-BE49-F238E27FC236}">
-                  <a16:creationId xmlns:a16="http://schemas.microsoft.com/office/drawing/2014/main" id="{37BE68F6-9816-410C-9405-4E0F50B62500}"/>
-                </a:ext>
-              </a:extLst>
-            </p:cNvPr>
-            <p:cNvCxnSpPr>
-              <a:cxnSpLocks/>
-            </p:cNvCxnSpPr>
-            <p:nvPr/>
-          </p:nvCxnSpPr>
-          <p:spPr>
-            <a:xfrm flipH="1">
-              <a:off x="4124141" y="2852276"/>
-              <a:ext cx="1782371" cy="0"/>
-            </a:xfrm>
-            <a:prstGeom prst="straightConnector1">
-              <a:avLst/>
-            </a:prstGeom>
-            <a:ln w="38100">
-              <a:solidFill>
-                <a:srgbClr val="0070C0"/>
-              </a:solidFill>
-              <a:prstDash val="sysDot"/>
-              <a:tailEnd type="triangle"/>
-            </a:ln>
-          </p:spPr>
-          <p:style>
-            <a:lnRef idx="1">
-              <a:schemeClr val="accent1"/>
-            </a:lnRef>
-            <a:fillRef idx="0">
-              <a:schemeClr val="accent1"/>
-            </a:fillRef>
-            <a:effectRef idx="0">
-              <a:schemeClr val="accent1"/>
-            </a:effectRef>
-            <a:fontRef idx="minor">
-              <a:schemeClr val="tx1"/>
-            </a:fontRef>
-          </p:style>
-        </p:cxnSp>
-        <p:sp>
-          <p:nvSpPr>
-            <p:cNvPr id="100" name="TextBox 99">
-              <a:extLst>
-                <a:ext uri="{FF2B5EF4-FFF2-40B4-BE49-F238E27FC236}">
-                  <a16:creationId xmlns:a16="http://schemas.microsoft.com/office/drawing/2014/main" id="{77434796-A734-4BFB-B7EA-03CC1232A7B0}"/>
-                </a:ext>
-              </a:extLst>
-            </p:cNvPr>
-            <p:cNvSpPr txBox="1"/>
-            <p:nvPr/>
-          </p:nvSpPr>
-          <p:spPr>
-            <a:xfrm>
-              <a:off x="4270955" y="3031280"/>
-              <a:ext cx="1488741" cy="369332"/>
-            </a:xfrm>
-            <a:prstGeom prst="rect">
-              <a:avLst/>
-            </a:prstGeom>
-            <a:noFill/>
-          </p:spPr>
-          <p:txBody>
-            <a:bodyPr wrap="none" rtlCol="0">
-              <a:spAutoFit/>
-            </a:bodyPr>
-            <a:lstStyle/>
-            <a:p>
-              <a:r>
-                <a:rPr lang="en-SG" dirty="0">
-                  <a:solidFill>
-                    <a:srgbClr val="0070C0"/>
-                  </a:solidFill>
-                </a:rPr>
-                <a:t>parse(“1 r/5”)</a:t>
-              </a:r>
-            </a:p>
-          </p:txBody>
-        </p:sp>
-        <p:cxnSp>
-          <p:nvCxnSpPr>
-            <p:cNvPr id="101" name="Straight Arrow Connector 100">
-              <a:extLst>
-                <a:ext uri="{FF2B5EF4-FFF2-40B4-BE49-F238E27FC236}">
-                  <a16:creationId xmlns:a16="http://schemas.microsoft.com/office/drawing/2014/main" id="{BB645385-964C-48E9-901E-67F648F7C521}"/>
-                </a:ext>
-              </a:extLst>
-            </p:cNvPr>
-            <p:cNvCxnSpPr>
-              <a:cxnSpLocks/>
-            </p:cNvCxnSpPr>
-            <p:nvPr/>
-          </p:nvCxnSpPr>
-          <p:spPr>
-            <a:xfrm>
-              <a:off x="6072341" y="3048227"/>
-              <a:ext cx="1161937" cy="0"/>
-            </a:xfrm>
-            <a:prstGeom prst="straightConnector1">
-              <a:avLst/>
-            </a:prstGeom>
-            <a:ln w="38100">
-              <a:solidFill>
-                <a:srgbClr val="0070C0"/>
-              </a:solidFill>
-              <a:tailEnd type="triangle"/>
-            </a:ln>
-          </p:spPr>
-          <p:style>
-            <a:lnRef idx="1">
-              <a:schemeClr val="accent1"/>
-            </a:lnRef>
-            <a:fillRef idx="0">
-              <a:schemeClr val="accent1"/>
-            </a:fillRef>
-            <a:effectRef idx="0">
-              <a:schemeClr val="accent1"/>
-            </a:effectRef>
-            <a:fontRef idx="minor">
-              <a:schemeClr val="tx1"/>
-            </a:fontRef>
-          </p:style>
-        </p:cxnSp>
-        <p:cxnSp>
-          <p:nvCxnSpPr>
-            <p:cNvPr id="103" name="Straight Arrow Connector 102">
-              <a:extLst>
-                <a:ext uri="{FF2B5EF4-FFF2-40B4-BE49-F238E27FC236}">
-                  <a16:creationId xmlns:a16="http://schemas.microsoft.com/office/drawing/2014/main" id="{361F1770-CC4E-4A0C-95A0-066AE9A1AB6A}"/>
-                </a:ext>
-              </a:extLst>
-            </p:cNvPr>
-            <p:cNvCxnSpPr>
-              <a:cxnSpLocks/>
-            </p:cNvCxnSpPr>
-            <p:nvPr/>
-          </p:nvCxnSpPr>
-          <p:spPr>
-            <a:xfrm flipH="1">
-              <a:off x="6086855" y="4140979"/>
-              <a:ext cx="1885937" cy="0"/>
-            </a:xfrm>
-            <a:prstGeom prst="straightConnector1">
-              <a:avLst/>
-            </a:prstGeom>
-            <a:ln w="38100">
-              <a:solidFill>
-                <a:srgbClr val="0070C0"/>
-              </a:solidFill>
-              <a:prstDash val="sysDot"/>
-              <a:tailEnd type="triangle"/>
-            </a:ln>
-          </p:spPr>
-          <p:style>
-            <a:lnRef idx="1">
-              <a:schemeClr val="accent1"/>
-            </a:lnRef>
-            <a:fillRef idx="0">
-              <a:schemeClr val="accent1"/>
-            </a:fillRef>
-            <a:effectRef idx="0">
-              <a:schemeClr val="accent1"/>
-            </a:effectRef>
-            <a:fontRef idx="minor">
-              <a:schemeClr val="tx1"/>
-            </a:fontRef>
-          </p:style>
-        </p:cxnSp>
-        <p:sp>
-          <p:nvSpPr>
-            <p:cNvPr id="105" name="TextBox 104">
-              <a:extLst>
-                <a:ext uri="{FF2B5EF4-FFF2-40B4-BE49-F238E27FC236}">
-                  <a16:creationId xmlns:a16="http://schemas.microsoft.com/office/drawing/2014/main" id="{B64ADD1F-A2EC-44E9-8063-2EDF5CC80252}"/>
-                </a:ext>
-              </a:extLst>
-            </p:cNvPr>
-            <p:cNvSpPr txBox="1"/>
-            <p:nvPr/>
-          </p:nvSpPr>
-          <p:spPr>
-            <a:xfrm>
-              <a:off x="10756005" y="1415629"/>
-              <a:ext cx="1243211" cy="369332"/>
-            </a:xfrm>
-            <a:prstGeom prst="rect">
-              <a:avLst/>
-            </a:prstGeom>
-            <a:solidFill>
-              <a:srgbClr val="B3A2C7"/>
-            </a:solidFill>
-          </p:spPr>
-          <p:txBody>
-            <a:bodyPr wrap="square" rtlCol="0">
-              <a:spAutoFit/>
-            </a:bodyPr>
-            <a:lstStyle/>
-            <a:p>
-              <a:pPr algn="ctr"/>
-              <a:r>
-                <a:rPr lang="en-SG" dirty="0">
-                  <a:solidFill>
-                    <a:schemeClr val="bg1"/>
-                  </a:solidFill>
-                </a:rPr>
-                <a:t>:Model</a:t>
-              </a:r>
-            </a:p>
-          </p:txBody>
-        </p:sp>
-        <p:cxnSp>
-          <p:nvCxnSpPr>
-            <p:cNvPr id="106" name="Straight Connector 105">
-              <a:extLst>
-                <a:ext uri="{FF2B5EF4-FFF2-40B4-BE49-F238E27FC236}">
-                  <a16:creationId xmlns:a16="http://schemas.microsoft.com/office/drawing/2014/main" id="{4AA0ED0E-3387-400A-BCD2-553C20280C7B}"/>
-                </a:ext>
-              </a:extLst>
-            </p:cNvPr>
-            <p:cNvCxnSpPr>
-              <a:cxnSpLocks/>
-              <a:stCxn id="105" idx="2"/>
-              <a:endCxn id="112" idx="0"/>
-            </p:cNvCxnSpPr>
-            <p:nvPr/>
-          </p:nvCxnSpPr>
-          <p:spPr>
-            <a:xfrm>
-              <a:off x="11377611" y="1784961"/>
-              <a:ext cx="8650" cy="3123721"/>
-            </a:xfrm>
-            <a:prstGeom prst="line">
-              <a:avLst/>
-            </a:prstGeom>
-            <a:ln w="28575">
-              <a:solidFill>
-                <a:srgbClr val="0070C0"/>
-              </a:solidFill>
-              <a:prstDash val="sysDot"/>
-            </a:ln>
-          </p:spPr>
-          <p:style>
-            <a:lnRef idx="1">
-              <a:schemeClr val="accent1"/>
-            </a:lnRef>
-            <a:fillRef idx="0">
-              <a:schemeClr val="accent1"/>
-            </a:fillRef>
-            <a:effectRef idx="0">
-              <a:schemeClr val="accent1"/>
-            </a:effectRef>
-            <a:fontRef idx="minor">
-              <a:schemeClr val="tx1"/>
-            </a:fontRef>
-          </p:style>
-        </p:cxnSp>
-        <p:sp>
-          <p:nvSpPr>
-            <p:cNvPr id="112" name="Rectangle 111">
-              <a:extLst>
-                <a:ext uri="{FF2B5EF4-FFF2-40B4-BE49-F238E27FC236}">
-                  <a16:creationId xmlns:a16="http://schemas.microsoft.com/office/drawing/2014/main" id="{ED705424-D8FD-4E9D-A1B8-37B5DA80C750}"/>
-                </a:ext>
-              </a:extLst>
-            </p:cNvPr>
-            <p:cNvSpPr/>
-            <p:nvPr/>
-          </p:nvSpPr>
-          <p:spPr>
-            <a:xfrm>
-              <a:off x="11298882" y="4908682"/>
-              <a:ext cx="174758" cy="227673"/>
-            </a:xfrm>
-            <a:prstGeom prst="rect">
-              <a:avLst/>
-            </a:prstGeom>
-            <a:solidFill>
-              <a:srgbClr val="B3A2C7"/>
-            </a:solidFill>
-            <a:ln>
-              <a:noFill/>
-            </a:ln>
-          </p:spPr>
-          <p:style>
-            <a:lnRef idx="2">
-              <a:schemeClr val="accent1">
-                <a:shade val="50000"/>
-              </a:schemeClr>
-            </a:lnRef>
-            <a:fillRef idx="1">
-              <a:schemeClr val="accent1"/>
-            </a:fillRef>
-            <a:effectRef idx="0">
-              <a:schemeClr val="accent1"/>
-            </a:effectRef>
-            <a:fontRef idx="minor">
-              <a:schemeClr val="lt1"/>
-            </a:fontRef>
-          </p:style>
-          <p:txBody>
-            <a:bodyPr rtlCol="0" anchor="ctr"/>
-            <a:lstStyle/>
-            <a:p>
-              <a:pPr algn="ctr"/>
-              <a:endParaRPr lang="en-SG"/>
-            </a:p>
-          </p:txBody>
-        </p:sp>
-        <p:cxnSp>
-          <p:nvCxnSpPr>
-            <p:cNvPr id="114" name="Straight Connector 113">
-              <a:extLst>
-                <a:ext uri="{FF2B5EF4-FFF2-40B4-BE49-F238E27FC236}">
-                  <a16:creationId xmlns:a16="http://schemas.microsoft.com/office/drawing/2014/main" id="{0A5D0511-6F1C-4D66-A29E-72DE41CCE143}"/>
-                </a:ext>
-              </a:extLst>
-            </p:cNvPr>
-            <p:cNvCxnSpPr>
-              <a:cxnSpLocks/>
-              <a:stCxn id="112" idx="2"/>
-            </p:cNvCxnSpPr>
-            <p:nvPr/>
-          </p:nvCxnSpPr>
-          <p:spPr>
-            <a:xfrm flipH="1">
-              <a:off x="11377611" y="5136355"/>
-              <a:ext cx="8650" cy="1065182"/>
-            </a:xfrm>
-            <a:prstGeom prst="line">
-              <a:avLst/>
-            </a:prstGeom>
-            <a:ln w="28575">
-              <a:solidFill>
-                <a:srgbClr val="0070C0"/>
-              </a:solidFill>
-              <a:prstDash val="sysDot"/>
-            </a:ln>
-          </p:spPr>
-          <p:style>
-            <a:lnRef idx="1">
-              <a:schemeClr val="accent1"/>
-            </a:lnRef>
-            <a:fillRef idx="0">
-              <a:schemeClr val="accent1"/>
-            </a:fillRef>
-            <a:effectRef idx="0">
-              <a:schemeClr val="accent1"/>
-            </a:effectRef>
-            <a:fontRef idx="minor">
-              <a:schemeClr val="tx1"/>
-            </a:fontRef>
-          </p:style>
-        </p:cxnSp>
-        <p:cxnSp>
-          <p:nvCxnSpPr>
-            <p:cNvPr id="119" name="Straight Arrow Connector 118">
-              <a:extLst>
-                <a:ext uri="{FF2B5EF4-FFF2-40B4-BE49-F238E27FC236}">
-                  <a16:creationId xmlns:a16="http://schemas.microsoft.com/office/drawing/2014/main" id="{5A59A3BA-C4EE-4557-9171-E117455E00F3}"/>
-                </a:ext>
-              </a:extLst>
-            </p:cNvPr>
-            <p:cNvCxnSpPr>
-              <a:cxnSpLocks/>
-            </p:cNvCxnSpPr>
-            <p:nvPr/>
-          </p:nvCxnSpPr>
-          <p:spPr>
-            <a:xfrm>
-              <a:off x="8067939" y="4923196"/>
-              <a:ext cx="3230943" cy="0"/>
-            </a:xfrm>
-            <a:prstGeom prst="straightConnector1">
-              <a:avLst/>
-            </a:prstGeom>
-            <a:ln w="38100">
-              <a:solidFill>
-                <a:srgbClr val="0070C0"/>
-              </a:solidFill>
-              <a:tailEnd type="triangle"/>
-            </a:ln>
-          </p:spPr>
-          <p:style>
-            <a:lnRef idx="1">
-              <a:schemeClr val="accent1"/>
-            </a:lnRef>
-            <a:fillRef idx="0">
-              <a:schemeClr val="accent1"/>
-            </a:fillRef>
-            <a:effectRef idx="0">
-              <a:schemeClr val="accent1"/>
-            </a:effectRef>
-            <a:fontRef idx="minor">
-              <a:schemeClr val="tx1"/>
-            </a:fontRef>
-          </p:style>
-        </p:cxnSp>
-        <p:cxnSp>
-          <p:nvCxnSpPr>
-            <p:cNvPr id="122" name="Straight Arrow Connector 121">
-              <a:extLst>
-                <a:ext uri="{FF2B5EF4-FFF2-40B4-BE49-F238E27FC236}">
-                  <a16:creationId xmlns:a16="http://schemas.microsoft.com/office/drawing/2014/main" id="{8FD8C108-CF76-4636-8739-130D61A209FD}"/>
-                </a:ext>
-              </a:extLst>
-            </p:cNvPr>
-            <p:cNvCxnSpPr>
-              <a:cxnSpLocks/>
-            </p:cNvCxnSpPr>
-            <p:nvPr/>
-          </p:nvCxnSpPr>
-          <p:spPr>
-            <a:xfrm flipH="1">
-              <a:off x="8163089" y="5117992"/>
-              <a:ext cx="3135793" cy="0"/>
-            </a:xfrm>
-            <a:prstGeom prst="straightConnector1">
-              <a:avLst/>
-            </a:prstGeom>
-            <a:ln w="38100">
-              <a:solidFill>
-                <a:srgbClr val="B3A2C7"/>
-              </a:solidFill>
-              <a:prstDash val="sysDot"/>
-              <a:tailEnd type="triangle"/>
-            </a:ln>
-          </p:spPr>
-          <p:style>
-            <a:lnRef idx="1">
-              <a:schemeClr val="accent1"/>
-            </a:lnRef>
-            <a:fillRef idx="0">
-              <a:schemeClr val="accent1"/>
-            </a:fillRef>
-            <a:effectRef idx="0">
-              <a:schemeClr val="accent1"/>
-            </a:effectRef>
-            <a:fontRef idx="minor">
-              <a:schemeClr val="tx1"/>
-            </a:fontRef>
-          </p:style>
-        </p:cxnSp>
-        <p:sp>
-          <p:nvSpPr>
-            <p:cNvPr id="127" name="TextBox 126">
-              <a:extLst>
-                <a:ext uri="{FF2B5EF4-FFF2-40B4-BE49-F238E27FC236}">
-                  <a16:creationId xmlns:a16="http://schemas.microsoft.com/office/drawing/2014/main" id="{B5E74B56-D247-4B2C-BDB9-C5BD21DA25F2}"/>
-                </a:ext>
-              </a:extLst>
-            </p:cNvPr>
-            <p:cNvSpPr txBox="1"/>
-            <p:nvPr/>
-          </p:nvSpPr>
-          <p:spPr>
-            <a:xfrm>
-              <a:off x="8573352" y="4525454"/>
-              <a:ext cx="1750416" cy="369332"/>
-            </a:xfrm>
-            <a:prstGeom prst="rect">
-              <a:avLst/>
-            </a:prstGeom>
-            <a:noFill/>
-          </p:spPr>
-          <p:txBody>
-            <a:bodyPr wrap="none" rtlCol="0">
-              <a:spAutoFit/>
-            </a:bodyPr>
-            <a:lstStyle/>
-            <a:p>
-              <a:r>
-                <a:rPr lang="en-SG" dirty="0" err="1">
-                  <a:solidFill>
-                    <a:srgbClr val="7030A0"/>
-                  </a:solidFill>
-                </a:rPr>
-                <a:t>updatePerson</a:t>
-              </a:r>
-              <a:r>
-                <a:rPr lang="en-SG" dirty="0">
-                  <a:solidFill>
-                    <a:srgbClr val="7030A0"/>
-                  </a:solidFill>
-                </a:rPr>
-                <a:t>(p)</a:t>
+                <a:t>r</a:t>
               </a:r>
             </a:p>
           </p:txBody>
